--- a/docs/diagrams/UndoRedoExecuteUndoStateListDiagram.pptx
+++ b/docs/diagrams/UndoRedoExecuteUndoStateListDiagram.pptx
@@ -112,8 +112,73 @@
 </p:presentation>
 </file>
 
-<file path=ppt/revisionInfo.xml><?xml version="1.0" encoding="utf-8"?>
-<p1510:revInfo xmlns:a="http://schemas.openxmlformats.org/drawingml/2006/main" xmlns:r="http://schemas.openxmlformats.org/officeDocument/2006/relationships" xmlns:p1510="http://schemas.microsoft.com/office/powerpoint/2015/10/main"/>
+<file path=ppt/changesInfos/changesInfo1.xml><?xml version="1.0" encoding="utf-8"?>
+<pc:chgInfo xmlns:a="http://schemas.openxmlformats.org/drawingml/2006/main" xmlns:r="http://schemas.openxmlformats.org/officeDocument/2006/relationships" xmlns:ac="http://schemas.microsoft.com/office/drawing/2013/main/command" xmlns:pc="http://schemas.microsoft.com/office/powerpoint/2013/main/command">
+  <pc:docChgLst>
+    <pc:chgData name="Shengmin Leong" userId="075411cc4697ef0d" providerId="LiveId" clId="{ADAD6A91-C6EF-4608-890F-A50551CB1388}"/>
+    <pc:docChg chg="custSel modSld">
+      <pc:chgData name="Shengmin Leong" userId="075411cc4697ef0d" providerId="LiveId" clId="{ADAD6A91-C6EF-4608-890F-A50551CB1388}" dt="2018-10-01T05:15:12.730" v="56" actId="20577"/>
+      <pc:docMkLst>
+        <pc:docMk/>
+      </pc:docMkLst>
+      <pc:sldChg chg="modSp">
+        <pc:chgData name="Shengmin Leong" userId="075411cc4697ef0d" providerId="LiveId" clId="{ADAD6A91-C6EF-4608-890F-A50551CB1388}" dt="2018-10-01T05:15:12.730" v="56" actId="20577"/>
+        <pc:sldMkLst>
+          <pc:docMk/>
+          <pc:sldMk cId="3338945851" sldId="256"/>
+        </pc:sldMkLst>
+        <pc:graphicFrameChg chg="modGraphic">
+          <ac:chgData name="Shengmin Leong" userId="075411cc4697ef0d" providerId="LiveId" clId="{ADAD6A91-C6EF-4608-890F-A50551CB1388}" dt="2018-10-01T05:15:07.683" v="42" actId="20577"/>
+          <ac:graphicFrameMkLst>
+            <pc:docMk/>
+            <pc:sldMk cId="3338945851" sldId="256"/>
+            <ac:graphicFrameMk id="16" creationId="{F545FAB8-F1CE-4886-9BDE-E772BCB0A9C4}"/>
+          </ac:graphicFrameMkLst>
+        </pc:graphicFrameChg>
+        <pc:graphicFrameChg chg="modGraphic">
+          <ac:chgData name="Shengmin Leong" userId="075411cc4697ef0d" providerId="LiveId" clId="{ADAD6A91-C6EF-4608-890F-A50551CB1388}" dt="2018-10-01T05:15:12.730" v="56" actId="20577"/>
+          <ac:graphicFrameMkLst>
+            <pc:docMk/>
+            <pc:sldMk cId="3338945851" sldId="256"/>
+            <ac:graphicFrameMk id="18" creationId="{F545FAB8-F1CE-4886-9BDE-E772BCB0A9C4}"/>
+          </ac:graphicFrameMkLst>
+        </pc:graphicFrameChg>
+        <pc:graphicFrameChg chg="modGraphic">
+          <ac:chgData name="Shengmin Leong" userId="075411cc4697ef0d" providerId="LiveId" clId="{ADAD6A91-C6EF-4608-890F-A50551CB1388}" dt="2018-10-01T05:15:00.833" v="36" actId="20577"/>
+          <ac:graphicFrameMkLst>
+            <pc:docMk/>
+            <pc:sldMk cId="3338945851" sldId="256"/>
+            <ac:graphicFrameMk id="20" creationId="{F545FAB8-F1CE-4886-9BDE-E772BCB0A9C4}"/>
+          </ac:graphicFrameMkLst>
+        </pc:graphicFrameChg>
+        <pc:graphicFrameChg chg="modGraphic">
+          <ac:chgData name="Shengmin Leong" userId="075411cc4697ef0d" providerId="LiveId" clId="{ADAD6A91-C6EF-4608-890F-A50551CB1388}" dt="2018-10-01T05:14:44.174" v="20" actId="20577"/>
+          <ac:graphicFrameMkLst>
+            <pc:docMk/>
+            <pc:sldMk cId="3338945851" sldId="256"/>
+            <ac:graphicFrameMk id="21" creationId="{F545FAB8-F1CE-4886-9BDE-E772BCB0A9C4}"/>
+          </ac:graphicFrameMkLst>
+        </pc:graphicFrameChg>
+        <pc:graphicFrameChg chg="modGraphic">
+          <ac:chgData name="Shengmin Leong" userId="075411cc4697ef0d" providerId="LiveId" clId="{ADAD6A91-C6EF-4608-890F-A50551CB1388}" dt="2018-10-01T05:14:49.947" v="24" actId="20577"/>
+          <ac:graphicFrameMkLst>
+            <pc:docMk/>
+            <pc:sldMk cId="3338945851" sldId="256"/>
+            <ac:graphicFrameMk id="22" creationId="{F545FAB8-F1CE-4886-9BDE-E772BCB0A9C4}"/>
+          </ac:graphicFrameMkLst>
+        </pc:graphicFrameChg>
+        <pc:graphicFrameChg chg="modGraphic">
+          <ac:chgData name="Shengmin Leong" userId="075411cc4697ef0d" providerId="LiveId" clId="{ADAD6A91-C6EF-4608-890F-A50551CB1388}" dt="2018-10-01T05:14:54.583" v="32" actId="20577"/>
+          <ac:graphicFrameMkLst>
+            <pc:docMk/>
+            <pc:sldMk cId="3338945851" sldId="256"/>
+            <ac:graphicFrameMk id="23" creationId="{F545FAB8-F1CE-4886-9BDE-E772BCB0A9C4}"/>
+          </ac:graphicFrameMkLst>
+        </pc:graphicFrameChg>
+      </pc:sldChg>
+    </pc:docChg>
+  </pc:docChgLst>
+</pc:chgInfo>
 </file>
 
 <file path=ppt/slideLayouts/slideLayout1.xml><?xml version="1.0" encoding="utf-8"?>
@@ -265,7 +330,7 @@
           <a:p>
             <a:fld id="{03EC4E3E-8101-482F-A883-8B55DAFF7C07}" type="datetimeFigureOut">
               <a:rPr lang="en-SG" smtClean="0"/>
-              <a:t>6/7/2018</a:t>
+              <a:t>1/10/2018</a:t>
             </a:fld>
             <a:endParaRPr lang="en-SG"/>
           </a:p>
@@ -465,7 +530,7 @@
           <a:p>
             <a:fld id="{03EC4E3E-8101-482F-A883-8B55DAFF7C07}" type="datetimeFigureOut">
               <a:rPr lang="en-SG" smtClean="0"/>
-              <a:t>6/7/2018</a:t>
+              <a:t>1/10/2018</a:t>
             </a:fld>
             <a:endParaRPr lang="en-SG"/>
           </a:p>
@@ -675,7 +740,7 @@
           <a:p>
             <a:fld id="{03EC4E3E-8101-482F-A883-8B55DAFF7C07}" type="datetimeFigureOut">
               <a:rPr lang="en-SG" smtClean="0"/>
-              <a:t>6/7/2018</a:t>
+              <a:t>1/10/2018</a:t>
             </a:fld>
             <a:endParaRPr lang="en-SG"/>
           </a:p>
@@ -875,7 +940,7 @@
           <a:p>
             <a:fld id="{03EC4E3E-8101-482F-A883-8B55DAFF7C07}" type="datetimeFigureOut">
               <a:rPr lang="en-SG" smtClean="0"/>
-              <a:t>6/7/2018</a:t>
+              <a:t>1/10/2018</a:t>
             </a:fld>
             <a:endParaRPr lang="en-SG"/>
           </a:p>
@@ -1151,7 +1216,7 @@
           <a:p>
             <a:fld id="{03EC4E3E-8101-482F-A883-8B55DAFF7C07}" type="datetimeFigureOut">
               <a:rPr lang="en-SG" smtClean="0"/>
-              <a:t>6/7/2018</a:t>
+              <a:t>1/10/2018</a:t>
             </a:fld>
             <a:endParaRPr lang="en-SG"/>
           </a:p>
@@ -1419,7 +1484,7 @@
           <a:p>
             <a:fld id="{03EC4E3E-8101-482F-A883-8B55DAFF7C07}" type="datetimeFigureOut">
               <a:rPr lang="en-SG" smtClean="0"/>
-              <a:t>6/7/2018</a:t>
+              <a:t>1/10/2018</a:t>
             </a:fld>
             <a:endParaRPr lang="en-SG"/>
           </a:p>
@@ -1834,7 +1899,7 @@
           <a:p>
             <a:fld id="{03EC4E3E-8101-482F-A883-8B55DAFF7C07}" type="datetimeFigureOut">
               <a:rPr lang="en-SG" smtClean="0"/>
-              <a:t>6/7/2018</a:t>
+              <a:t>1/10/2018</a:t>
             </a:fld>
             <a:endParaRPr lang="en-SG"/>
           </a:p>
@@ -1976,7 +2041,7 @@
           <a:p>
             <a:fld id="{03EC4E3E-8101-482F-A883-8B55DAFF7C07}" type="datetimeFigureOut">
               <a:rPr lang="en-SG" smtClean="0"/>
-              <a:t>6/7/2018</a:t>
+              <a:t>1/10/2018</a:t>
             </a:fld>
             <a:endParaRPr lang="en-SG"/>
           </a:p>
@@ -2089,7 +2154,7 @@
           <a:p>
             <a:fld id="{03EC4E3E-8101-482F-A883-8B55DAFF7C07}" type="datetimeFigureOut">
               <a:rPr lang="en-SG" smtClean="0"/>
-              <a:t>6/7/2018</a:t>
+              <a:t>1/10/2018</a:t>
             </a:fld>
             <a:endParaRPr lang="en-SG"/>
           </a:p>
@@ -2402,7 +2467,7 @@
           <a:p>
             <a:fld id="{03EC4E3E-8101-482F-A883-8B55DAFF7C07}" type="datetimeFigureOut">
               <a:rPr lang="en-SG" smtClean="0"/>
-              <a:t>6/7/2018</a:t>
+              <a:t>1/10/2018</a:t>
             </a:fld>
             <a:endParaRPr lang="en-SG"/>
           </a:p>
@@ -2691,7 +2756,7 @@
           <a:p>
             <a:fld id="{03EC4E3E-8101-482F-A883-8B55DAFF7C07}" type="datetimeFigureOut">
               <a:rPr lang="en-SG" smtClean="0"/>
-              <a:t>6/7/2018</a:t>
+              <a:t>1/10/2018</a:t>
             </a:fld>
             <a:endParaRPr lang="en-SG"/>
           </a:p>
@@ -2934,7 +2999,7 @@
           <a:p>
             <a:fld id="{03EC4E3E-8101-482F-A883-8B55DAFF7C07}" type="datetimeFigureOut">
               <a:rPr lang="en-SG" smtClean="0"/>
-              <a:t>6/7/2018</a:t>
+              <a:t>1/10/2018</a:t>
             </a:fld>
             <a:endParaRPr lang="en-SG"/>
           </a:p>
@@ -3515,7 +3580,7 @@
           <p:nvPr>
             <p:extLst>
               <p:ext uri="{D42A27DB-BD31-4B8C-83A1-F6EECF244321}">
-                <p14:modId xmlns:p14="http://schemas.microsoft.com/office/powerpoint/2010/main" val="1674993041"/>
+                <p14:modId xmlns:p14="http://schemas.microsoft.com/office/powerpoint/2010/main" val="2538201663"/>
               </p:ext>
             </p:extLst>
           </p:nvPr>
@@ -3546,12 +3611,12 @@
                     <a:lstStyle/>
                     <a:p>
                       <a:r>
-                        <a:rPr lang="en-SG" u="sng" dirty="0"/>
-                        <a:t>ab0:</a:t>
+                        <a:rPr lang="en-SG" u="sng"/>
+                        <a:t>Ab0:Wish</a:t>
                       </a:r>
                       <a:r>
-                        <a:rPr lang="en-SG" sz="1800" u="sng" dirty="0"/>
-                        <a:t>AddressBook</a:t>
+                        <a:rPr lang="en-SG" sz="1800" u="sng"/>
+                        <a:t>Book</a:t>
                       </a:r>
                       <a:endParaRPr lang="en-SG" u="sng" dirty="0"/>
                     </a:p>
@@ -3719,7 +3784,7 @@
           <p:nvPr>
             <p:extLst>
               <p:ext uri="{D42A27DB-BD31-4B8C-83A1-F6EECF244321}">
-                <p14:modId xmlns:p14="http://schemas.microsoft.com/office/powerpoint/2010/main" val="3085921390"/>
+                <p14:modId xmlns:p14="http://schemas.microsoft.com/office/powerpoint/2010/main" val="1518161863"/>
               </p:ext>
             </p:extLst>
           </p:nvPr>
@@ -3755,7 +3820,7 @@
                       </a:r>
                       <a:r>
                         <a:rPr lang="en-SG" sz="1800" u="sng" dirty="0"/>
-                        <a:t>AddressBook</a:t>
+                        <a:t>WishBook</a:t>
                       </a:r>
                       <a:endParaRPr lang="en-SG" u="sng" dirty="0"/>
                     </a:p>
@@ -3787,7 +3852,7 @@
           <p:nvPr>
             <p:extLst>
               <p:ext uri="{D42A27DB-BD31-4B8C-83A1-F6EECF244321}">
-                <p14:modId xmlns:p14="http://schemas.microsoft.com/office/powerpoint/2010/main" val="3504448791"/>
+                <p14:modId xmlns:p14="http://schemas.microsoft.com/office/powerpoint/2010/main" val="2584981500"/>
               </p:ext>
             </p:extLst>
           </p:nvPr>
@@ -3823,7 +3888,7 @@
                       </a:r>
                       <a:r>
                         <a:rPr lang="en-SG" sz="1800" u="sng" dirty="0"/>
-                        <a:t>AddressBook</a:t>
+                        <a:t>WishBook</a:t>
                       </a:r>
                       <a:endParaRPr lang="en-SG" u="sng" dirty="0"/>
                     </a:p>
@@ -3855,7 +3920,7 @@
           <p:nvPr>
             <p:extLst>
               <p:ext uri="{D42A27DB-BD31-4B8C-83A1-F6EECF244321}">
-                <p14:modId xmlns:p14="http://schemas.microsoft.com/office/powerpoint/2010/main" val="3880678430"/>
+                <p14:modId xmlns:p14="http://schemas.microsoft.com/office/powerpoint/2010/main" val="4248240349"/>
               </p:ext>
             </p:extLst>
           </p:nvPr>
@@ -3891,7 +3956,7 @@
                       </a:r>
                       <a:r>
                         <a:rPr lang="en-SG" sz="1800" u="sng" dirty="0"/>
-                        <a:t>AddressBook</a:t>
+                        <a:t>WishBook</a:t>
                       </a:r>
                       <a:endParaRPr lang="en-SG" u="sng" dirty="0"/>
                     </a:p>
@@ -3923,7 +3988,7 @@
           <p:nvPr>
             <p:extLst>
               <p:ext uri="{D42A27DB-BD31-4B8C-83A1-F6EECF244321}">
-                <p14:modId xmlns:p14="http://schemas.microsoft.com/office/powerpoint/2010/main" val="719723626"/>
+                <p14:modId xmlns:p14="http://schemas.microsoft.com/office/powerpoint/2010/main" val="2749108194"/>
               </p:ext>
             </p:extLst>
           </p:nvPr>
@@ -3959,7 +4024,7 @@
                       </a:r>
                       <a:r>
                         <a:rPr lang="en-SG" sz="1800" u="sng" dirty="0"/>
-                        <a:t>AddressBook</a:t>
+                        <a:t>WishBook</a:t>
                       </a:r>
                       <a:endParaRPr lang="en-SG" u="sng" dirty="0"/>
                     </a:p>
@@ -3991,7 +4056,7 @@
           <p:nvPr>
             <p:extLst>
               <p:ext uri="{D42A27DB-BD31-4B8C-83A1-F6EECF244321}">
-                <p14:modId xmlns:p14="http://schemas.microsoft.com/office/powerpoint/2010/main" val="3592690620"/>
+                <p14:modId xmlns:p14="http://schemas.microsoft.com/office/powerpoint/2010/main" val="2782704029"/>
               </p:ext>
             </p:extLst>
           </p:nvPr>
@@ -4027,7 +4092,7 @@
                       </a:r>
                       <a:r>
                         <a:rPr lang="en-SG" sz="1800" u="sng" dirty="0"/>
-                        <a:t>AddressBook</a:t>
+                        <a:t>WishBook</a:t>
                       </a:r>
                       <a:endParaRPr lang="en-SG" u="sng" dirty="0"/>
                     </a:p>

--- a/docs/diagrams/UndoRedoExecuteUndoStateListDiagram.pptx
+++ b/docs/diagrams/UndoRedoExecuteUndoStateListDiagram.pptx
@@ -117,18 +117,26 @@
   <pc:docChgLst>
     <pc:chgData name="Shengmin Leong" userId="075411cc4697ef0d" providerId="LiveId" clId="{ADAD6A91-C6EF-4608-890F-A50551CB1388}"/>
     <pc:docChg chg="custSel modSld">
-      <pc:chgData name="Shengmin Leong" userId="075411cc4697ef0d" providerId="LiveId" clId="{ADAD6A91-C6EF-4608-890F-A50551CB1388}" dt="2018-10-01T05:15:12.730" v="56" actId="20577"/>
+      <pc:chgData name="Shengmin Leong" userId="075411cc4697ef0d" providerId="LiveId" clId="{ADAD6A91-C6EF-4608-890F-A50551CB1388}" dt="2018-10-14T08:09:06.223" v="83" actId="20577"/>
       <pc:docMkLst>
         <pc:docMk/>
       </pc:docMkLst>
       <pc:sldChg chg="modSp">
-        <pc:chgData name="Shengmin Leong" userId="075411cc4697ef0d" providerId="LiveId" clId="{ADAD6A91-C6EF-4608-890F-A50551CB1388}" dt="2018-10-01T05:15:12.730" v="56" actId="20577"/>
+        <pc:chgData name="Shengmin Leong" userId="075411cc4697ef0d" providerId="LiveId" clId="{ADAD6A91-C6EF-4608-890F-A50551CB1388}" dt="2018-10-14T08:09:06.223" v="83" actId="20577"/>
         <pc:sldMkLst>
           <pc:docMk/>
           <pc:sldMk cId="3338945851" sldId="256"/>
         </pc:sldMkLst>
+        <pc:spChg chg="mod">
+          <ac:chgData name="Shengmin Leong" userId="075411cc4697ef0d" providerId="LiveId" clId="{ADAD6A91-C6EF-4608-890F-A50551CB1388}" dt="2018-10-14T08:09:06.223" v="83" actId="20577"/>
+          <ac:spMkLst>
+            <pc:docMk/>
+            <pc:sldMk cId="3338945851" sldId="256"/>
+            <ac:spMk id="2" creationId="{032C4FEA-C10B-4133-9BF6-AF6F40CC1AD4}"/>
+          </ac:spMkLst>
+        </pc:spChg>
         <pc:graphicFrameChg chg="modGraphic">
-          <ac:chgData name="Shengmin Leong" userId="075411cc4697ef0d" providerId="LiveId" clId="{ADAD6A91-C6EF-4608-890F-A50551CB1388}" dt="2018-10-01T05:15:07.683" v="42" actId="20577"/>
+          <ac:chgData name="Shengmin Leong" userId="075411cc4697ef0d" providerId="LiveId" clId="{ADAD6A91-C6EF-4608-890F-A50551CB1388}" dt="2018-10-14T08:08:56.117" v="70" actId="20577"/>
           <ac:graphicFrameMkLst>
             <pc:docMk/>
             <pc:sldMk cId="3338945851" sldId="256"/>
@@ -136,7 +144,7 @@
           </ac:graphicFrameMkLst>
         </pc:graphicFrameChg>
         <pc:graphicFrameChg chg="modGraphic">
-          <ac:chgData name="Shengmin Leong" userId="075411cc4697ef0d" providerId="LiveId" clId="{ADAD6A91-C6EF-4608-890F-A50551CB1388}" dt="2018-10-01T05:15:12.730" v="56" actId="20577"/>
+          <ac:chgData name="Shengmin Leong" userId="075411cc4697ef0d" providerId="LiveId" clId="{ADAD6A91-C6EF-4608-890F-A50551CB1388}" dt="2018-10-14T08:08:53.748" v="68" actId="20577"/>
           <ac:graphicFrameMkLst>
             <pc:docMk/>
             <pc:sldMk cId="3338945851" sldId="256"/>
@@ -144,7 +152,7 @@
           </ac:graphicFrameMkLst>
         </pc:graphicFrameChg>
         <pc:graphicFrameChg chg="modGraphic">
-          <ac:chgData name="Shengmin Leong" userId="075411cc4697ef0d" providerId="LiveId" clId="{ADAD6A91-C6EF-4608-890F-A50551CB1388}" dt="2018-10-01T05:15:00.833" v="36" actId="20577"/>
+          <ac:chgData name="Shengmin Leong" userId="075411cc4697ef0d" providerId="LiveId" clId="{ADAD6A91-C6EF-4608-890F-A50551CB1388}" dt="2018-10-14T08:08:58.184" v="72" actId="20577"/>
           <ac:graphicFrameMkLst>
             <pc:docMk/>
             <pc:sldMk cId="3338945851" sldId="256"/>
@@ -152,7 +160,7 @@
           </ac:graphicFrameMkLst>
         </pc:graphicFrameChg>
         <pc:graphicFrameChg chg="modGraphic">
-          <ac:chgData name="Shengmin Leong" userId="075411cc4697ef0d" providerId="LiveId" clId="{ADAD6A91-C6EF-4608-890F-A50551CB1388}" dt="2018-10-01T05:14:44.174" v="20" actId="20577"/>
+          <ac:chgData name="Shengmin Leong" userId="075411cc4697ef0d" providerId="LiveId" clId="{ADAD6A91-C6EF-4608-890F-A50551CB1388}" dt="2018-10-14T08:08:51.373" v="66" actId="20577"/>
           <ac:graphicFrameMkLst>
             <pc:docMk/>
             <pc:sldMk cId="3338945851" sldId="256"/>
@@ -160,7 +168,7 @@
           </ac:graphicFrameMkLst>
         </pc:graphicFrameChg>
         <pc:graphicFrameChg chg="modGraphic">
-          <ac:chgData name="Shengmin Leong" userId="075411cc4697ef0d" providerId="LiveId" clId="{ADAD6A91-C6EF-4608-890F-A50551CB1388}" dt="2018-10-01T05:14:49.947" v="24" actId="20577"/>
+          <ac:chgData name="Shengmin Leong" userId="075411cc4697ef0d" providerId="LiveId" clId="{ADAD6A91-C6EF-4608-890F-A50551CB1388}" dt="2018-10-14T08:08:46.783" v="64" actId="20577"/>
           <ac:graphicFrameMkLst>
             <pc:docMk/>
             <pc:sldMk cId="3338945851" sldId="256"/>
@@ -168,7 +176,7 @@
           </ac:graphicFrameMkLst>
         </pc:graphicFrameChg>
         <pc:graphicFrameChg chg="modGraphic">
-          <ac:chgData name="Shengmin Leong" userId="075411cc4697ef0d" providerId="LiveId" clId="{ADAD6A91-C6EF-4608-890F-A50551CB1388}" dt="2018-10-01T05:14:54.583" v="32" actId="20577"/>
+          <ac:chgData name="Shengmin Leong" userId="075411cc4697ef0d" providerId="LiveId" clId="{ADAD6A91-C6EF-4608-890F-A50551CB1388}" dt="2018-10-14T08:08:44.082" v="62" actId="20577"/>
           <ac:graphicFrameMkLst>
             <pc:docMk/>
             <pc:sldMk cId="3338945851" sldId="256"/>
@@ -330,7 +338,7 @@
           <a:p>
             <a:fld id="{03EC4E3E-8101-482F-A883-8B55DAFF7C07}" type="datetimeFigureOut">
               <a:rPr lang="en-SG" smtClean="0"/>
-              <a:t>1/10/2018</a:t>
+              <a:t>14/10/2018</a:t>
             </a:fld>
             <a:endParaRPr lang="en-SG"/>
           </a:p>
@@ -530,7 +538,7 @@
           <a:p>
             <a:fld id="{03EC4E3E-8101-482F-A883-8B55DAFF7C07}" type="datetimeFigureOut">
               <a:rPr lang="en-SG" smtClean="0"/>
-              <a:t>1/10/2018</a:t>
+              <a:t>14/10/2018</a:t>
             </a:fld>
             <a:endParaRPr lang="en-SG"/>
           </a:p>
@@ -740,7 +748,7 @@
           <a:p>
             <a:fld id="{03EC4E3E-8101-482F-A883-8B55DAFF7C07}" type="datetimeFigureOut">
               <a:rPr lang="en-SG" smtClean="0"/>
-              <a:t>1/10/2018</a:t>
+              <a:t>14/10/2018</a:t>
             </a:fld>
             <a:endParaRPr lang="en-SG"/>
           </a:p>
@@ -940,7 +948,7 @@
           <a:p>
             <a:fld id="{03EC4E3E-8101-482F-A883-8B55DAFF7C07}" type="datetimeFigureOut">
               <a:rPr lang="en-SG" smtClean="0"/>
-              <a:t>1/10/2018</a:t>
+              <a:t>14/10/2018</a:t>
             </a:fld>
             <a:endParaRPr lang="en-SG"/>
           </a:p>
@@ -1216,7 +1224,7 @@
           <a:p>
             <a:fld id="{03EC4E3E-8101-482F-A883-8B55DAFF7C07}" type="datetimeFigureOut">
               <a:rPr lang="en-SG" smtClean="0"/>
-              <a:t>1/10/2018</a:t>
+              <a:t>14/10/2018</a:t>
             </a:fld>
             <a:endParaRPr lang="en-SG"/>
           </a:p>
@@ -1484,7 +1492,7 @@
           <a:p>
             <a:fld id="{03EC4E3E-8101-482F-A883-8B55DAFF7C07}" type="datetimeFigureOut">
               <a:rPr lang="en-SG" smtClean="0"/>
-              <a:t>1/10/2018</a:t>
+              <a:t>14/10/2018</a:t>
             </a:fld>
             <a:endParaRPr lang="en-SG"/>
           </a:p>
@@ -1899,7 +1907,7 @@
           <a:p>
             <a:fld id="{03EC4E3E-8101-482F-A883-8B55DAFF7C07}" type="datetimeFigureOut">
               <a:rPr lang="en-SG" smtClean="0"/>
-              <a:t>1/10/2018</a:t>
+              <a:t>14/10/2018</a:t>
             </a:fld>
             <a:endParaRPr lang="en-SG"/>
           </a:p>
@@ -2041,7 +2049,7 @@
           <a:p>
             <a:fld id="{03EC4E3E-8101-482F-A883-8B55DAFF7C07}" type="datetimeFigureOut">
               <a:rPr lang="en-SG" smtClean="0"/>
-              <a:t>1/10/2018</a:t>
+              <a:t>14/10/2018</a:t>
             </a:fld>
             <a:endParaRPr lang="en-SG"/>
           </a:p>
@@ -2154,7 +2162,7 @@
           <a:p>
             <a:fld id="{03EC4E3E-8101-482F-A883-8B55DAFF7C07}" type="datetimeFigureOut">
               <a:rPr lang="en-SG" smtClean="0"/>
-              <a:t>1/10/2018</a:t>
+              <a:t>14/10/2018</a:t>
             </a:fld>
             <a:endParaRPr lang="en-SG"/>
           </a:p>
@@ -2467,7 +2475,7 @@
           <a:p>
             <a:fld id="{03EC4E3E-8101-482F-A883-8B55DAFF7C07}" type="datetimeFigureOut">
               <a:rPr lang="en-SG" smtClean="0"/>
-              <a:t>1/10/2018</a:t>
+              <a:t>14/10/2018</a:t>
             </a:fld>
             <a:endParaRPr lang="en-SG"/>
           </a:p>
@@ -2756,7 +2764,7 @@
           <a:p>
             <a:fld id="{03EC4E3E-8101-482F-A883-8B55DAFF7C07}" type="datetimeFigureOut">
               <a:rPr lang="en-SG" smtClean="0"/>
-              <a:t>1/10/2018</a:t>
+              <a:t>14/10/2018</a:t>
             </a:fld>
             <a:endParaRPr lang="en-SG"/>
           </a:p>
@@ -2999,7 +3007,7 @@
           <a:p>
             <a:fld id="{03EC4E3E-8101-482F-A883-8B55DAFF7C07}" type="datetimeFigureOut">
               <a:rPr lang="en-SG" smtClean="0"/>
-              <a:t>1/10/2018</a:t>
+              <a:t>14/10/2018</a:t>
             </a:fld>
             <a:endParaRPr lang="en-SG"/>
           </a:p>
@@ -3472,7 +3480,23 @@
             <a:pPr algn="ctr"/>
             <a:r>
               <a:rPr lang="en-SG" dirty="0"/>
-              <a:t>The state of the address book (before ‘add n/David …’ was executed) will be restored to state ab1.</a:t>
+              <a:t>The state of the wish book (before ‘add n</a:t>
+            </a:r>
+            <a:r>
+              <a:rPr lang="en-SG"/>
+              <a:t>/iPhone </a:t>
+            </a:r>
+            <a:r>
+              <a:rPr lang="en-SG" dirty="0"/>
+              <a:t>…’ was executed) will be restored to </a:t>
+            </a:r>
+            <a:r>
+              <a:rPr lang="en-SG"/>
+              <a:t>state wb1</a:t>
+            </a:r>
+            <a:r>
+              <a:rPr lang="en-SG" dirty="0"/>
+              <a:t>.</a:t>
             </a:r>
           </a:p>
         </p:txBody>
@@ -3580,7 +3604,7 @@
           <p:nvPr>
             <p:extLst>
               <p:ext uri="{D42A27DB-BD31-4B8C-83A1-F6EECF244321}">
-                <p14:modId xmlns:p14="http://schemas.microsoft.com/office/powerpoint/2010/main" val="2538201663"/>
+                <p14:modId xmlns:p14="http://schemas.microsoft.com/office/powerpoint/2010/main" val="4157313373"/>
               </p:ext>
             </p:extLst>
           </p:nvPr>
@@ -3611,11 +3635,11 @@
                     <a:lstStyle/>
                     <a:p>
                       <a:r>
-                        <a:rPr lang="en-SG" u="sng"/>
-                        <a:t>Ab0:Wish</a:t>
+                        <a:rPr lang="en-SG" u="sng" dirty="0"/>
+                        <a:t>wb0:Wish</a:t>
                       </a:r>
                       <a:r>
-                        <a:rPr lang="en-SG" sz="1800" u="sng"/>
+                        <a:rPr lang="en-SG" sz="1800" u="sng" dirty="0"/>
                         <a:t>Book</a:t>
                       </a:r>
                       <a:endParaRPr lang="en-SG" u="sng" dirty="0"/>
@@ -3784,7 +3808,7 @@
           <p:nvPr>
             <p:extLst>
               <p:ext uri="{D42A27DB-BD31-4B8C-83A1-F6EECF244321}">
-                <p14:modId xmlns:p14="http://schemas.microsoft.com/office/powerpoint/2010/main" val="1518161863"/>
+                <p14:modId xmlns:p14="http://schemas.microsoft.com/office/powerpoint/2010/main" val="2932073957"/>
               </p:ext>
             </p:extLst>
           </p:nvPr>
@@ -3816,7 +3840,7 @@
                     <a:p>
                       <a:r>
                         <a:rPr lang="en-SG" u="sng" dirty="0"/>
-                        <a:t>ab1:</a:t>
+                        <a:t>wb1:</a:t>
                       </a:r>
                       <a:r>
                         <a:rPr lang="en-SG" sz="1800" u="sng" dirty="0"/>
@@ -3852,7 +3876,7 @@
           <p:nvPr>
             <p:extLst>
               <p:ext uri="{D42A27DB-BD31-4B8C-83A1-F6EECF244321}">
-                <p14:modId xmlns:p14="http://schemas.microsoft.com/office/powerpoint/2010/main" val="2584981500"/>
+                <p14:modId xmlns:p14="http://schemas.microsoft.com/office/powerpoint/2010/main" val="3569070063"/>
               </p:ext>
             </p:extLst>
           </p:nvPr>
@@ -3884,7 +3908,7 @@
                     <a:p>
                       <a:r>
                         <a:rPr lang="en-SG" u="sng" dirty="0"/>
-                        <a:t>ab2:</a:t>
+                        <a:t>wb2:</a:t>
                       </a:r>
                       <a:r>
                         <a:rPr lang="en-SG" sz="1800" u="sng" dirty="0"/>
@@ -3920,7 +3944,7 @@
           <p:nvPr>
             <p:extLst>
               <p:ext uri="{D42A27DB-BD31-4B8C-83A1-F6EECF244321}">
-                <p14:modId xmlns:p14="http://schemas.microsoft.com/office/powerpoint/2010/main" val="4248240349"/>
+                <p14:modId xmlns:p14="http://schemas.microsoft.com/office/powerpoint/2010/main" val="428752838"/>
               </p:ext>
             </p:extLst>
           </p:nvPr>
@@ -3952,7 +3976,7 @@
                     <a:p>
                       <a:r>
                         <a:rPr lang="en-SG" u="sng" dirty="0"/>
-                        <a:t>ab0:</a:t>
+                        <a:t>wb0:</a:t>
                       </a:r>
                       <a:r>
                         <a:rPr lang="en-SG" sz="1800" u="sng" dirty="0"/>
@@ -3988,7 +4012,7 @@
           <p:nvPr>
             <p:extLst>
               <p:ext uri="{D42A27DB-BD31-4B8C-83A1-F6EECF244321}">
-                <p14:modId xmlns:p14="http://schemas.microsoft.com/office/powerpoint/2010/main" val="2749108194"/>
+                <p14:modId xmlns:p14="http://schemas.microsoft.com/office/powerpoint/2010/main" val="915852567"/>
               </p:ext>
             </p:extLst>
           </p:nvPr>
@@ -4020,7 +4044,7 @@
                     <a:p>
                       <a:r>
                         <a:rPr lang="en-SG" u="sng" dirty="0"/>
-                        <a:t>ab1:</a:t>
+                        <a:t>wb1:</a:t>
                       </a:r>
                       <a:r>
                         <a:rPr lang="en-SG" sz="1800" u="sng" dirty="0"/>
@@ -4056,7 +4080,7 @@
           <p:nvPr>
             <p:extLst>
               <p:ext uri="{D42A27DB-BD31-4B8C-83A1-F6EECF244321}">
-                <p14:modId xmlns:p14="http://schemas.microsoft.com/office/powerpoint/2010/main" val="2782704029"/>
+                <p14:modId xmlns:p14="http://schemas.microsoft.com/office/powerpoint/2010/main" val="405252847"/>
               </p:ext>
             </p:extLst>
           </p:nvPr>
@@ -4088,7 +4112,7 @@
                     <a:p>
                       <a:r>
                         <a:rPr lang="en-SG" u="sng" dirty="0"/>
-                        <a:t>ab2:</a:t>
+                        <a:t>wb2:</a:t>
                       </a:r>
                       <a:r>
                         <a:rPr lang="en-SG" sz="1800" u="sng" dirty="0"/>

--- a/docs/diagrams/UndoRedoExecuteUndoStateListDiagram.pptx
+++ b/docs/diagrams/UndoRedoExecuteUndoStateListDiagram.pptx
@@ -112,8 +112,81 @@
 </p:presentation>
 </file>
 
-<file path=ppt/revisionInfo.xml><?xml version="1.0" encoding="utf-8"?>
-<p1510:revInfo xmlns:a="http://schemas.openxmlformats.org/drawingml/2006/main" xmlns:r="http://schemas.openxmlformats.org/officeDocument/2006/relationships" xmlns:p1510="http://schemas.microsoft.com/office/powerpoint/2015/10/main"/>
+<file path=ppt/changesInfos/changesInfo1.xml><?xml version="1.0" encoding="utf-8"?>
+<pc:chgInfo xmlns:a="http://schemas.openxmlformats.org/drawingml/2006/main" xmlns:r="http://schemas.openxmlformats.org/officeDocument/2006/relationships" xmlns:ac="http://schemas.microsoft.com/office/drawing/2013/main/command" xmlns:pc="http://schemas.microsoft.com/office/powerpoint/2013/main/command">
+  <pc:docChgLst>
+    <pc:chgData name="Lionel Tan Junzer" userId="04b849c6f1991e6b" providerId="LiveId" clId="{5A4F40D6-F68F-4CDD-AD56-26843C70E13C}"/>
+    <pc:docChg chg="modSld">
+      <pc:chgData name="Lionel Tan Junzer" userId="04b849c6f1991e6b" providerId="LiveId" clId="{5A4F40D6-F68F-4CDD-AD56-26843C70E13C}" dt="2018-10-15T06:22:12.837" v="101" actId="20577"/>
+      <pc:docMkLst>
+        <pc:docMk/>
+      </pc:docMkLst>
+      <pc:sldChg chg="modSp">
+        <pc:chgData name="Lionel Tan Junzer" userId="04b849c6f1991e6b" providerId="LiveId" clId="{5A4F40D6-F68F-4CDD-AD56-26843C70E13C}" dt="2018-10-15T06:22:12.837" v="101" actId="20577"/>
+        <pc:sldMkLst>
+          <pc:docMk/>
+          <pc:sldMk cId="3338945851" sldId="256"/>
+        </pc:sldMkLst>
+        <pc:spChg chg="mod">
+          <ac:chgData name="Lionel Tan Junzer" userId="04b849c6f1991e6b" providerId="LiveId" clId="{5A4F40D6-F68F-4CDD-AD56-26843C70E13C}" dt="2018-10-15T06:22:12.837" v="101" actId="20577"/>
+          <ac:spMkLst>
+            <pc:docMk/>
+            <pc:sldMk cId="3338945851" sldId="256"/>
+            <ac:spMk id="2" creationId="{032C4FEA-C10B-4133-9BF6-AF6F40CC1AD4}"/>
+          </ac:spMkLst>
+        </pc:spChg>
+        <pc:graphicFrameChg chg="modGraphic">
+          <ac:chgData name="Lionel Tan Junzer" userId="04b849c6f1991e6b" providerId="LiveId" clId="{5A4F40D6-F68F-4CDD-AD56-26843C70E13C}" dt="2018-10-15T06:21:27.584" v="25" actId="20577"/>
+          <ac:graphicFrameMkLst>
+            <pc:docMk/>
+            <pc:sldMk cId="3338945851" sldId="256"/>
+            <ac:graphicFrameMk id="16" creationId="{F545FAB8-F1CE-4886-9BDE-E772BCB0A9C4}"/>
+          </ac:graphicFrameMkLst>
+        </pc:graphicFrameChg>
+        <pc:graphicFrameChg chg="modGraphic">
+          <ac:chgData name="Lionel Tan Junzer" userId="04b849c6f1991e6b" providerId="LiveId" clId="{5A4F40D6-F68F-4CDD-AD56-26843C70E13C}" dt="2018-10-15T06:21:20.684" v="12" actId="20577"/>
+          <ac:graphicFrameMkLst>
+            <pc:docMk/>
+            <pc:sldMk cId="3338945851" sldId="256"/>
+            <ac:graphicFrameMk id="18" creationId="{F545FAB8-F1CE-4886-9BDE-E772BCB0A9C4}"/>
+          </ac:graphicFrameMkLst>
+        </pc:graphicFrameChg>
+        <pc:graphicFrameChg chg="modGraphic">
+          <ac:chgData name="Lionel Tan Junzer" userId="04b849c6f1991e6b" providerId="LiveId" clId="{5A4F40D6-F68F-4CDD-AD56-26843C70E13C}" dt="2018-10-15T06:21:37.294" v="38" actId="20577"/>
+          <ac:graphicFrameMkLst>
+            <pc:docMk/>
+            <pc:sldMk cId="3338945851" sldId="256"/>
+            <ac:graphicFrameMk id="20" creationId="{F545FAB8-F1CE-4886-9BDE-E772BCB0A9C4}"/>
+          </ac:graphicFrameMkLst>
+        </pc:graphicFrameChg>
+        <pc:graphicFrameChg chg="modGraphic">
+          <ac:chgData name="Lionel Tan Junzer" userId="04b849c6f1991e6b" providerId="LiveId" clId="{5A4F40D6-F68F-4CDD-AD56-26843C70E13C}" dt="2018-10-15T06:21:45.885" v="51" actId="20577"/>
+          <ac:graphicFrameMkLst>
+            <pc:docMk/>
+            <pc:sldMk cId="3338945851" sldId="256"/>
+            <ac:graphicFrameMk id="21" creationId="{F545FAB8-F1CE-4886-9BDE-E772BCB0A9C4}"/>
+          </ac:graphicFrameMkLst>
+        </pc:graphicFrameChg>
+        <pc:graphicFrameChg chg="modGraphic">
+          <ac:chgData name="Lionel Tan Junzer" userId="04b849c6f1991e6b" providerId="LiveId" clId="{5A4F40D6-F68F-4CDD-AD56-26843C70E13C}" dt="2018-10-15T06:21:51.225" v="64" actId="20577"/>
+          <ac:graphicFrameMkLst>
+            <pc:docMk/>
+            <pc:sldMk cId="3338945851" sldId="256"/>
+            <ac:graphicFrameMk id="22" creationId="{F545FAB8-F1CE-4886-9BDE-E772BCB0A9C4}"/>
+          </ac:graphicFrameMkLst>
+        </pc:graphicFrameChg>
+        <pc:graphicFrameChg chg="modGraphic">
+          <ac:chgData name="Lionel Tan Junzer" userId="04b849c6f1991e6b" providerId="LiveId" clId="{5A4F40D6-F68F-4CDD-AD56-26843C70E13C}" dt="2018-10-15T06:21:57.425" v="77" actId="20577"/>
+          <ac:graphicFrameMkLst>
+            <pc:docMk/>
+            <pc:sldMk cId="3338945851" sldId="256"/>
+            <ac:graphicFrameMk id="23" creationId="{F545FAB8-F1CE-4886-9BDE-E772BCB0A9C4}"/>
+          </ac:graphicFrameMkLst>
+        </pc:graphicFrameChg>
+      </pc:sldChg>
+    </pc:docChg>
+  </pc:docChgLst>
+</pc:chgInfo>
 </file>
 
 <file path=ppt/slideLayouts/slideLayout1.xml><?xml version="1.0" encoding="utf-8"?>
@@ -265,7 +338,7 @@
           <a:p>
             <a:fld id="{03EC4E3E-8101-482F-A883-8B55DAFF7C07}" type="datetimeFigureOut">
               <a:rPr lang="en-SG" smtClean="0"/>
-              <a:t>6/7/2018</a:t>
+              <a:t>15/10/2018</a:t>
             </a:fld>
             <a:endParaRPr lang="en-SG"/>
           </a:p>
@@ -465,7 +538,7 @@
           <a:p>
             <a:fld id="{03EC4E3E-8101-482F-A883-8B55DAFF7C07}" type="datetimeFigureOut">
               <a:rPr lang="en-SG" smtClean="0"/>
-              <a:t>6/7/2018</a:t>
+              <a:t>15/10/2018</a:t>
             </a:fld>
             <a:endParaRPr lang="en-SG"/>
           </a:p>
@@ -675,7 +748,7 @@
           <a:p>
             <a:fld id="{03EC4E3E-8101-482F-A883-8B55DAFF7C07}" type="datetimeFigureOut">
               <a:rPr lang="en-SG" smtClean="0"/>
-              <a:t>6/7/2018</a:t>
+              <a:t>15/10/2018</a:t>
             </a:fld>
             <a:endParaRPr lang="en-SG"/>
           </a:p>
@@ -875,7 +948,7 @@
           <a:p>
             <a:fld id="{03EC4E3E-8101-482F-A883-8B55DAFF7C07}" type="datetimeFigureOut">
               <a:rPr lang="en-SG" smtClean="0"/>
-              <a:t>6/7/2018</a:t>
+              <a:t>15/10/2018</a:t>
             </a:fld>
             <a:endParaRPr lang="en-SG"/>
           </a:p>
@@ -1151,7 +1224,7 @@
           <a:p>
             <a:fld id="{03EC4E3E-8101-482F-A883-8B55DAFF7C07}" type="datetimeFigureOut">
               <a:rPr lang="en-SG" smtClean="0"/>
-              <a:t>6/7/2018</a:t>
+              <a:t>15/10/2018</a:t>
             </a:fld>
             <a:endParaRPr lang="en-SG"/>
           </a:p>
@@ -1419,7 +1492,7 @@
           <a:p>
             <a:fld id="{03EC4E3E-8101-482F-A883-8B55DAFF7C07}" type="datetimeFigureOut">
               <a:rPr lang="en-SG" smtClean="0"/>
-              <a:t>6/7/2018</a:t>
+              <a:t>15/10/2018</a:t>
             </a:fld>
             <a:endParaRPr lang="en-SG"/>
           </a:p>
@@ -1834,7 +1907,7 @@
           <a:p>
             <a:fld id="{03EC4E3E-8101-482F-A883-8B55DAFF7C07}" type="datetimeFigureOut">
               <a:rPr lang="en-SG" smtClean="0"/>
-              <a:t>6/7/2018</a:t>
+              <a:t>15/10/2018</a:t>
             </a:fld>
             <a:endParaRPr lang="en-SG"/>
           </a:p>
@@ -1976,7 +2049,7 @@
           <a:p>
             <a:fld id="{03EC4E3E-8101-482F-A883-8B55DAFF7C07}" type="datetimeFigureOut">
               <a:rPr lang="en-SG" smtClean="0"/>
-              <a:t>6/7/2018</a:t>
+              <a:t>15/10/2018</a:t>
             </a:fld>
             <a:endParaRPr lang="en-SG"/>
           </a:p>
@@ -2089,7 +2162,7 @@
           <a:p>
             <a:fld id="{03EC4E3E-8101-482F-A883-8B55DAFF7C07}" type="datetimeFigureOut">
               <a:rPr lang="en-SG" smtClean="0"/>
-              <a:t>6/7/2018</a:t>
+              <a:t>15/10/2018</a:t>
             </a:fld>
             <a:endParaRPr lang="en-SG"/>
           </a:p>
@@ -2402,7 +2475,7 @@
           <a:p>
             <a:fld id="{03EC4E3E-8101-482F-A883-8B55DAFF7C07}" type="datetimeFigureOut">
               <a:rPr lang="en-SG" smtClean="0"/>
-              <a:t>6/7/2018</a:t>
+              <a:t>15/10/2018</a:t>
             </a:fld>
             <a:endParaRPr lang="en-SG"/>
           </a:p>
@@ -2691,7 +2764,7 @@
           <a:p>
             <a:fld id="{03EC4E3E-8101-482F-A883-8B55DAFF7C07}" type="datetimeFigureOut">
               <a:rPr lang="en-SG" smtClean="0"/>
-              <a:t>6/7/2018</a:t>
+              <a:t>15/10/2018</a:t>
             </a:fld>
             <a:endParaRPr lang="en-SG"/>
           </a:p>
@@ -2934,7 +3007,7 @@
           <a:p>
             <a:fld id="{03EC4E3E-8101-482F-A883-8B55DAFF7C07}" type="datetimeFigureOut">
               <a:rPr lang="en-SG" smtClean="0"/>
-              <a:t>6/7/2018</a:t>
+              <a:t>15/10/2018</a:t>
             </a:fld>
             <a:endParaRPr lang="en-SG"/>
           </a:p>
@@ -3407,7 +3480,23 @@
             <a:pPr algn="ctr"/>
             <a:r>
               <a:rPr lang="en-SG" dirty="0"/>
-              <a:t>The state of the address book (before ‘add n/David …’ was executed) will be restored to state ab1.</a:t>
+              <a:t>The state of the wish book (before ‘add n</a:t>
+            </a:r>
+            <a:r>
+              <a:rPr lang="en-SG"/>
+              <a:t>/iPhone </a:t>
+            </a:r>
+            <a:r>
+              <a:rPr lang="en-SG" dirty="0"/>
+              <a:t>…’ was executed) will be restored to </a:t>
+            </a:r>
+            <a:r>
+              <a:rPr lang="en-SG"/>
+              <a:t>state wb1</a:t>
+            </a:r>
+            <a:r>
+              <a:rPr lang="en-SG" dirty="0"/>
+              <a:t>.</a:t>
             </a:r>
           </a:p>
         </p:txBody>
@@ -3515,7 +3604,7 @@
           <p:nvPr>
             <p:extLst>
               <p:ext uri="{D42A27DB-BD31-4B8C-83A1-F6EECF244321}">
-                <p14:modId xmlns:p14="http://schemas.microsoft.com/office/powerpoint/2010/main" val="1674993041"/>
+                <p14:modId xmlns:p14="http://schemas.microsoft.com/office/powerpoint/2010/main" val="2763927600"/>
               </p:ext>
             </p:extLst>
           </p:nvPr>
@@ -3547,11 +3636,11 @@
                     <a:p>
                       <a:r>
                         <a:rPr lang="en-SG" u="sng" dirty="0"/>
-                        <a:t>ab0:</a:t>
+                        <a:t>wb0:</a:t>
                       </a:r>
                       <a:r>
                         <a:rPr lang="en-SG" sz="1800" u="sng" dirty="0"/>
-                        <a:t>AddressBook</a:t>
+                        <a:t>WishBook</a:t>
                       </a:r>
                       <a:endParaRPr lang="en-SG" u="sng" dirty="0"/>
                     </a:p>
@@ -3719,7 +3808,7 @@
           <p:nvPr>
             <p:extLst>
               <p:ext uri="{D42A27DB-BD31-4B8C-83A1-F6EECF244321}">
-                <p14:modId xmlns:p14="http://schemas.microsoft.com/office/powerpoint/2010/main" val="3085921390"/>
+                <p14:modId xmlns:p14="http://schemas.microsoft.com/office/powerpoint/2010/main" val="4230155605"/>
               </p:ext>
             </p:extLst>
           </p:nvPr>
@@ -3751,11 +3840,11 @@
                     <a:p>
                       <a:r>
                         <a:rPr lang="en-SG" u="sng" dirty="0"/>
-                        <a:t>ab1:</a:t>
+                        <a:t>wb1:</a:t>
                       </a:r>
                       <a:r>
                         <a:rPr lang="en-SG" sz="1800" u="sng" dirty="0"/>
-                        <a:t>AddressBook</a:t>
+                        <a:t>WishBook</a:t>
                       </a:r>
                       <a:endParaRPr lang="en-SG" u="sng" dirty="0"/>
                     </a:p>
@@ -3787,7 +3876,7 @@
           <p:nvPr>
             <p:extLst>
               <p:ext uri="{D42A27DB-BD31-4B8C-83A1-F6EECF244321}">
-                <p14:modId xmlns:p14="http://schemas.microsoft.com/office/powerpoint/2010/main" val="3504448791"/>
+                <p14:modId xmlns:p14="http://schemas.microsoft.com/office/powerpoint/2010/main" val="746722463"/>
               </p:ext>
             </p:extLst>
           </p:nvPr>
@@ -3819,11 +3908,11 @@
                     <a:p>
                       <a:r>
                         <a:rPr lang="en-SG" u="sng" dirty="0"/>
-                        <a:t>ab2:</a:t>
+                        <a:t>wb2:</a:t>
                       </a:r>
                       <a:r>
                         <a:rPr lang="en-SG" sz="1800" u="sng" dirty="0"/>
-                        <a:t>AddressBook</a:t>
+                        <a:t>WishBook</a:t>
                       </a:r>
                       <a:endParaRPr lang="en-SG" u="sng" dirty="0"/>
                     </a:p>
@@ -3855,7 +3944,7 @@
           <p:nvPr>
             <p:extLst>
               <p:ext uri="{D42A27DB-BD31-4B8C-83A1-F6EECF244321}">
-                <p14:modId xmlns:p14="http://schemas.microsoft.com/office/powerpoint/2010/main" val="3880678430"/>
+                <p14:modId xmlns:p14="http://schemas.microsoft.com/office/powerpoint/2010/main" val="2879520925"/>
               </p:ext>
             </p:extLst>
           </p:nvPr>
@@ -3887,11 +3976,11 @@
                     <a:p>
                       <a:r>
                         <a:rPr lang="en-SG" u="sng" dirty="0"/>
-                        <a:t>ab0:</a:t>
+                        <a:t>wb0:</a:t>
                       </a:r>
                       <a:r>
                         <a:rPr lang="en-SG" sz="1800" u="sng" dirty="0"/>
-                        <a:t>AddressBook</a:t>
+                        <a:t>WishBook</a:t>
                       </a:r>
                       <a:endParaRPr lang="en-SG" u="sng" dirty="0"/>
                     </a:p>
@@ -3923,7 +4012,7 @@
           <p:nvPr>
             <p:extLst>
               <p:ext uri="{D42A27DB-BD31-4B8C-83A1-F6EECF244321}">
-                <p14:modId xmlns:p14="http://schemas.microsoft.com/office/powerpoint/2010/main" val="719723626"/>
+                <p14:modId xmlns:p14="http://schemas.microsoft.com/office/powerpoint/2010/main" val="3623787718"/>
               </p:ext>
             </p:extLst>
           </p:nvPr>
@@ -3955,11 +4044,11 @@
                     <a:p>
                       <a:r>
                         <a:rPr lang="en-SG" u="sng" dirty="0"/>
-                        <a:t>ab1:</a:t>
+                        <a:t>wb1:</a:t>
                       </a:r>
                       <a:r>
                         <a:rPr lang="en-SG" sz="1800" u="sng" dirty="0"/>
-                        <a:t>AddressBook</a:t>
+                        <a:t>WishBook</a:t>
                       </a:r>
                       <a:endParaRPr lang="en-SG" u="sng" dirty="0"/>
                     </a:p>
@@ -3991,7 +4080,7 @@
           <p:nvPr>
             <p:extLst>
               <p:ext uri="{D42A27DB-BD31-4B8C-83A1-F6EECF244321}">
-                <p14:modId xmlns:p14="http://schemas.microsoft.com/office/powerpoint/2010/main" val="3592690620"/>
+                <p14:modId xmlns:p14="http://schemas.microsoft.com/office/powerpoint/2010/main" val="2698989312"/>
               </p:ext>
             </p:extLst>
           </p:nvPr>
@@ -4023,11 +4112,11 @@
                     <a:p>
                       <a:r>
                         <a:rPr lang="en-SG" u="sng" dirty="0"/>
-                        <a:t>ab2:</a:t>
+                        <a:t>wb2:</a:t>
                       </a:r>
                       <a:r>
                         <a:rPr lang="en-SG" sz="1800" u="sng" dirty="0"/>
-                        <a:t>AddressBook</a:t>
+                        <a:t>WishBook</a:t>
                       </a:r>
                       <a:endParaRPr lang="en-SG" u="sng" dirty="0"/>
                     </a:p>

--- a/docs/diagrams/UndoRedoExecuteUndoStateListDiagram.pptx
+++ b/docs/diagrams/UndoRedoExecuteUndoStateListDiagram.pptx
@@ -117,26 +117,18 @@
   <pc:docChgLst>
     <pc:chgData name="Shengmin Leong" userId="075411cc4697ef0d" providerId="LiveId" clId="{ADAD6A91-C6EF-4608-890F-A50551CB1388}"/>
     <pc:docChg chg="custSel modSld">
-      <pc:chgData name="Shengmin Leong" userId="075411cc4697ef0d" providerId="LiveId" clId="{ADAD6A91-C6EF-4608-890F-A50551CB1388}" dt="2018-10-14T08:09:06.223" v="83" actId="20577"/>
+      <pc:chgData name="Shengmin Leong" userId="075411cc4697ef0d" providerId="LiveId" clId="{ADAD6A91-C6EF-4608-890F-A50551CB1388}" dt="2018-10-01T05:15:12.730" v="56" actId="20577"/>
       <pc:docMkLst>
         <pc:docMk/>
       </pc:docMkLst>
       <pc:sldChg chg="modSp">
-        <pc:chgData name="Shengmin Leong" userId="075411cc4697ef0d" providerId="LiveId" clId="{ADAD6A91-C6EF-4608-890F-A50551CB1388}" dt="2018-10-14T08:09:06.223" v="83" actId="20577"/>
+        <pc:chgData name="Shengmin Leong" userId="075411cc4697ef0d" providerId="LiveId" clId="{ADAD6A91-C6EF-4608-890F-A50551CB1388}" dt="2018-10-01T05:15:12.730" v="56" actId="20577"/>
         <pc:sldMkLst>
           <pc:docMk/>
           <pc:sldMk cId="3338945851" sldId="256"/>
         </pc:sldMkLst>
-        <pc:spChg chg="mod">
-          <ac:chgData name="Shengmin Leong" userId="075411cc4697ef0d" providerId="LiveId" clId="{ADAD6A91-C6EF-4608-890F-A50551CB1388}" dt="2018-10-14T08:09:06.223" v="83" actId="20577"/>
-          <ac:spMkLst>
-            <pc:docMk/>
-            <pc:sldMk cId="3338945851" sldId="256"/>
-            <ac:spMk id="2" creationId="{032C4FEA-C10B-4133-9BF6-AF6F40CC1AD4}"/>
-          </ac:spMkLst>
-        </pc:spChg>
         <pc:graphicFrameChg chg="modGraphic">
-          <ac:chgData name="Shengmin Leong" userId="075411cc4697ef0d" providerId="LiveId" clId="{ADAD6A91-C6EF-4608-890F-A50551CB1388}" dt="2018-10-14T08:08:56.117" v="70" actId="20577"/>
+          <ac:chgData name="Shengmin Leong" userId="075411cc4697ef0d" providerId="LiveId" clId="{ADAD6A91-C6EF-4608-890F-A50551CB1388}" dt="2018-10-01T05:15:07.683" v="42" actId="20577"/>
           <ac:graphicFrameMkLst>
             <pc:docMk/>
             <pc:sldMk cId="3338945851" sldId="256"/>
@@ -144,7 +136,7 @@
           </ac:graphicFrameMkLst>
         </pc:graphicFrameChg>
         <pc:graphicFrameChg chg="modGraphic">
-          <ac:chgData name="Shengmin Leong" userId="075411cc4697ef0d" providerId="LiveId" clId="{ADAD6A91-C6EF-4608-890F-A50551CB1388}" dt="2018-10-14T08:08:53.748" v="68" actId="20577"/>
+          <ac:chgData name="Shengmin Leong" userId="075411cc4697ef0d" providerId="LiveId" clId="{ADAD6A91-C6EF-4608-890F-A50551CB1388}" dt="2018-10-01T05:15:12.730" v="56" actId="20577"/>
           <ac:graphicFrameMkLst>
             <pc:docMk/>
             <pc:sldMk cId="3338945851" sldId="256"/>
@@ -152,7 +144,7 @@
           </ac:graphicFrameMkLst>
         </pc:graphicFrameChg>
         <pc:graphicFrameChg chg="modGraphic">
-          <ac:chgData name="Shengmin Leong" userId="075411cc4697ef0d" providerId="LiveId" clId="{ADAD6A91-C6EF-4608-890F-A50551CB1388}" dt="2018-10-14T08:08:58.184" v="72" actId="20577"/>
+          <ac:chgData name="Shengmin Leong" userId="075411cc4697ef0d" providerId="LiveId" clId="{ADAD6A91-C6EF-4608-890F-A50551CB1388}" dt="2018-10-01T05:15:00.833" v="36" actId="20577"/>
           <ac:graphicFrameMkLst>
             <pc:docMk/>
             <pc:sldMk cId="3338945851" sldId="256"/>
@@ -160,7 +152,7 @@
           </ac:graphicFrameMkLst>
         </pc:graphicFrameChg>
         <pc:graphicFrameChg chg="modGraphic">
-          <ac:chgData name="Shengmin Leong" userId="075411cc4697ef0d" providerId="LiveId" clId="{ADAD6A91-C6EF-4608-890F-A50551CB1388}" dt="2018-10-14T08:08:51.373" v="66" actId="20577"/>
+          <ac:chgData name="Shengmin Leong" userId="075411cc4697ef0d" providerId="LiveId" clId="{ADAD6A91-C6EF-4608-890F-A50551CB1388}" dt="2018-10-01T05:14:44.174" v="20" actId="20577"/>
           <ac:graphicFrameMkLst>
             <pc:docMk/>
             <pc:sldMk cId="3338945851" sldId="256"/>
@@ -168,7 +160,7 @@
           </ac:graphicFrameMkLst>
         </pc:graphicFrameChg>
         <pc:graphicFrameChg chg="modGraphic">
-          <ac:chgData name="Shengmin Leong" userId="075411cc4697ef0d" providerId="LiveId" clId="{ADAD6A91-C6EF-4608-890F-A50551CB1388}" dt="2018-10-14T08:08:46.783" v="64" actId="20577"/>
+          <ac:chgData name="Shengmin Leong" userId="075411cc4697ef0d" providerId="LiveId" clId="{ADAD6A91-C6EF-4608-890F-A50551CB1388}" dt="2018-10-01T05:14:49.947" v="24" actId="20577"/>
           <ac:graphicFrameMkLst>
             <pc:docMk/>
             <pc:sldMk cId="3338945851" sldId="256"/>
@@ -176,7 +168,7 @@
           </ac:graphicFrameMkLst>
         </pc:graphicFrameChg>
         <pc:graphicFrameChg chg="modGraphic">
-          <ac:chgData name="Shengmin Leong" userId="075411cc4697ef0d" providerId="LiveId" clId="{ADAD6A91-C6EF-4608-890F-A50551CB1388}" dt="2018-10-14T08:08:44.082" v="62" actId="20577"/>
+          <ac:chgData name="Shengmin Leong" userId="075411cc4697ef0d" providerId="LiveId" clId="{ADAD6A91-C6EF-4608-890F-A50551CB1388}" dt="2018-10-01T05:14:54.583" v="32" actId="20577"/>
           <ac:graphicFrameMkLst>
             <pc:docMk/>
             <pc:sldMk cId="3338945851" sldId="256"/>
@@ -338,7 +330,7 @@
           <a:p>
             <a:fld id="{03EC4E3E-8101-482F-A883-8B55DAFF7C07}" type="datetimeFigureOut">
               <a:rPr lang="en-SG" smtClean="0"/>
-              <a:t>14/10/2018</a:t>
+              <a:t>1/10/2018</a:t>
             </a:fld>
             <a:endParaRPr lang="en-SG"/>
           </a:p>
@@ -538,7 +530,7 @@
           <a:p>
             <a:fld id="{03EC4E3E-8101-482F-A883-8B55DAFF7C07}" type="datetimeFigureOut">
               <a:rPr lang="en-SG" smtClean="0"/>
-              <a:t>14/10/2018</a:t>
+              <a:t>1/10/2018</a:t>
             </a:fld>
             <a:endParaRPr lang="en-SG"/>
           </a:p>
@@ -748,7 +740,7 @@
           <a:p>
             <a:fld id="{03EC4E3E-8101-482F-A883-8B55DAFF7C07}" type="datetimeFigureOut">
               <a:rPr lang="en-SG" smtClean="0"/>
-              <a:t>14/10/2018</a:t>
+              <a:t>1/10/2018</a:t>
             </a:fld>
             <a:endParaRPr lang="en-SG"/>
           </a:p>
@@ -948,7 +940,7 @@
           <a:p>
             <a:fld id="{03EC4E3E-8101-482F-A883-8B55DAFF7C07}" type="datetimeFigureOut">
               <a:rPr lang="en-SG" smtClean="0"/>
-              <a:t>14/10/2018</a:t>
+              <a:t>1/10/2018</a:t>
             </a:fld>
             <a:endParaRPr lang="en-SG"/>
           </a:p>
@@ -1224,7 +1216,7 @@
           <a:p>
             <a:fld id="{03EC4E3E-8101-482F-A883-8B55DAFF7C07}" type="datetimeFigureOut">
               <a:rPr lang="en-SG" smtClean="0"/>
-              <a:t>14/10/2018</a:t>
+              <a:t>1/10/2018</a:t>
             </a:fld>
             <a:endParaRPr lang="en-SG"/>
           </a:p>
@@ -1492,7 +1484,7 @@
           <a:p>
             <a:fld id="{03EC4E3E-8101-482F-A883-8B55DAFF7C07}" type="datetimeFigureOut">
               <a:rPr lang="en-SG" smtClean="0"/>
-              <a:t>14/10/2018</a:t>
+              <a:t>1/10/2018</a:t>
             </a:fld>
             <a:endParaRPr lang="en-SG"/>
           </a:p>
@@ -1907,7 +1899,7 @@
           <a:p>
             <a:fld id="{03EC4E3E-8101-482F-A883-8B55DAFF7C07}" type="datetimeFigureOut">
               <a:rPr lang="en-SG" smtClean="0"/>
-              <a:t>14/10/2018</a:t>
+              <a:t>1/10/2018</a:t>
             </a:fld>
             <a:endParaRPr lang="en-SG"/>
           </a:p>
@@ -2049,7 +2041,7 @@
           <a:p>
             <a:fld id="{03EC4E3E-8101-482F-A883-8B55DAFF7C07}" type="datetimeFigureOut">
               <a:rPr lang="en-SG" smtClean="0"/>
-              <a:t>14/10/2018</a:t>
+              <a:t>1/10/2018</a:t>
             </a:fld>
             <a:endParaRPr lang="en-SG"/>
           </a:p>
@@ -2162,7 +2154,7 @@
           <a:p>
             <a:fld id="{03EC4E3E-8101-482F-A883-8B55DAFF7C07}" type="datetimeFigureOut">
               <a:rPr lang="en-SG" smtClean="0"/>
-              <a:t>14/10/2018</a:t>
+              <a:t>1/10/2018</a:t>
             </a:fld>
             <a:endParaRPr lang="en-SG"/>
           </a:p>
@@ -2475,7 +2467,7 @@
           <a:p>
             <a:fld id="{03EC4E3E-8101-482F-A883-8B55DAFF7C07}" type="datetimeFigureOut">
               <a:rPr lang="en-SG" smtClean="0"/>
-              <a:t>14/10/2018</a:t>
+              <a:t>1/10/2018</a:t>
             </a:fld>
             <a:endParaRPr lang="en-SG"/>
           </a:p>
@@ -2764,7 +2756,7 @@
           <a:p>
             <a:fld id="{03EC4E3E-8101-482F-A883-8B55DAFF7C07}" type="datetimeFigureOut">
               <a:rPr lang="en-SG" smtClean="0"/>
-              <a:t>14/10/2018</a:t>
+              <a:t>1/10/2018</a:t>
             </a:fld>
             <a:endParaRPr lang="en-SG"/>
           </a:p>
@@ -3007,7 +2999,7 @@
           <a:p>
             <a:fld id="{03EC4E3E-8101-482F-A883-8B55DAFF7C07}" type="datetimeFigureOut">
               <a:rPr lang="en-SG" smtClean="0"/>
-              <a:t>14/10/2018</a:t>
+              <a:t>1/10/2018</a:t>
             </a:fld>
             <a:endParaRPr lang="en-SG"/>
           </a:p>
@@ -3480,23 +3472,7 @@
             <a:pPr algn="ctr"/>
             <a:r>
               <a:rPr lang="en-SG" dirty="0"/>
-              <a:t>The state of the wish book (before ‘add n</a:t>
-            </a:r>
-            <a:r>
-              <a:rPr lang="en-SG"/>
-              <a:t>/iPhone </a:t>
-            </a:r>
-            <a:r>
-              <a:rPr lang="en-SG" dirty="0"/>
-              <a:t>…’ was executed) will be restored to </a:t>
-            </a:r>
-            <a:r>
-              <a:rPr lang="en-SG"/>
-              <a:t>state wb1</a:t>
-            </a:r>
-            <a:r>
-              <a:rPr lang="en-SG" dirty="0"/>
-              <a:t>.</a:t>
+              <a:t>The state of the address book (before ‘add n/David …’ was executed) will be restored to state ab1.</a:t>
             </a:r>
           </a:p>
         </p:txBody>
@@ -3604,7 +3580,7 @@
           <p:nvPr>
             <p:extLst>
               <p:ext uri="{D42A27DB-BD31-4B8C-83A1-F6EECF244321}">
-                <p14:modId xmlns:p14="http://schemas.microsoft.com/office/powerpoint/2010/main" val="4157313373"/>
+                <p14:modId xmlns:p14="http://schemas.microsoft.com/office/powerpoint/2010/main" val="2538201663"/>
               </p:ext>
             </p:extLst>
           </p:nvPr>
@@ -3635,11 +3611,11 @@
                     <a:lstStyle/>
                     <a:p>
                       <a:r>
-                        <a:rPr lang="en-SG" u="sng" dirty="0"/>
-                        <a:t>wb0:Wish</a:t>
+                        <a:rPr lang="en-SG" u="sng"/>
+                        <a:t>Ab0:Wish</a:t>
                       </a:r>
                       <a:r>
-                        <a:rPr lang="en-SG" sz="1800" u="sng" dirty="0"/>
+                        <a:rPr lang="en-SG" sz="1800" u="sng"/>
                         <a:t>Book</a:t>
                       </a:r>
                       <a:endParaRPr lang="en-SG" u="sng" dirty="0"/>
@@ -3808,7 +3784,7 @@
           <p:nvPr>
             <p:extLst>
               <p:ext uri="{D42A27DB-BD31-4B8C-83A1-F6EECF244321}">
-                <p14:modId xmlns:p14="http://schemas.microsoft.com/office/powerpoint/2010/main" val="2932073957"/>
+                <p14:modId xmlns:p14="http://schemas.microsoft.com/office/powerpoint/2010/main" val="1518161863"/>
               </p:ext>
             </p:extLst>
           </p:nvPr>
@@ -3840,7 +3816,7 @@
                     <a:p>
                       <a:r>
                         <a:rPr lang="en-SG" u="sng" dirty="0"/>
-                        <a:t>wb1:</a:t>
+                        <a:t>ab1:</a:t>
                       </a:r>
                       <a:r>
                         <a:rPr lang="en-SG" sz="1800" u="sng" dirty="0"/>
@@ -3876,7 +3852,7 @@
           <p:nvPr>
             <p:extLst>
               <p:ext uri="{D42A27DB-BD31-4B8C-83A1-F6EECF244321}">
-                <p14:modId xmlns:p14="http://schemas.microsoft.com/office/powerpoint/2010/main" val="3569070063"/>
+                <p14:modId xmlns:p14="http://schemas.microsoft.com/office/powerpoint/2010/main" val="2584981500"/>
               </p:ext>
             </p:extLst>
           </p:nvPr>
@@ -3908,7 +3884,7 @@
                     <a:p>
                       <a:r>
                         <a:rPr lang="en-SG" u="sng" dirty="0"/>
-                        <a:t>wb2:</a:t>
+                        <a:t>ab2:</a:t>
                       </a:r>
                       <a:r>
                         <a:rPr lang="en-SG" sz="1800" u="sng" dirty="0"/>
@@ -3944,7 +3920,7 @@
           <p:nvPr>
             <p:extLst>
               <p:ext uri="{D42A27DB-BD31-4B8C-83A1-F6EECF244321}">
-                <p14:modId xmlns:p14="http://schemas.microsoft.com/office/powerpoint/2010/main" val="428752838"/>
+                <p14:modId xmlns:p14="http://schemas.microsoft.com/office/powerpoint/2010/main" val="4248240349"/>
               </p:ext>
             </p:extLst>
           </p:nvPr>
@@ -3976,7 +3952,7 @@
                     <a:p>
                       <a:r>
                         <a:rPr lang="en-SG" u="sng" dirty="0"/>
-                        <a:t>wb0:</a:t>
+                        <a:t>ab0:</a:t>
                       </a:r>
                       <a:r>
                         <a:rPr lang="en-SG" sz="1800" u="sng" dirty="0"/>
@@ -4012,7 +3988,7 @@
           <p:nvPr>
             <p:extLst>
               <p:ext uri="{D42A27DB-BD31-4B8C-83A1-F6EECF244321}">
-                <p14:modId xmlns:p14="http://schemas.microsoft.com/office/powerpoint/2010/main" val="915852567"/>
+                <p14:modId xmlns:p14="http://schemas.microsoft.com/office/powerpoint/2010/main" val="2749108194"/>
               </p:ext>
             </p:extLst>
           </p:nvPr>
@@ -4044,7 +4020,7 @@
                     <a:p>
                       <a:r>
                         <a:rPr lang="en-SG" u="sng" dirty="0"/>
-                        <a:t>wb1:</a:t>
+                        <a:t>ab1:</a:t>
                       </a:r>
                       <a:r>
                         <a:rPr lang="en-SG" sz="1800" u="sng" dirty="0"/>
@@ -4080,7 +4056,7 @@
           <p:nvPr>
             <p:extLst>
               <p:ext uri="{D42A27DB-BD31-4B8C-83A1-F6EECF244321}">
-                <p14:modId xmlns:p14="http://schemas.microsoft.com/office/powerpoint/2010/main" val="405252847"/>
+                <p14:modId xmlns:p14="http://schemas.microsoft.com/office/powerpoint/2010/main" val="2782704029"/>
               </p:ext>
             </p:extLst>
           </p:nvPr>
@@ -4112,7 +4088,7 @@
                     <a:p>
                       <a:r>
                         <a:rPr lang="en-SG" u="sng" dirty="0"/>
-                        <a:t>wb2:</a:t>
+                        <a:t>ab2:</a:t>
                       </a:r>
                       <a:r>
                         <a:rPr lang="en-SG" sz="1800" u="sng" dirty="0"/>

--- a/docs/diagrams/UndoRedoExecuteUndoStateListDiagram.pptx
+++ b/docs/diagrams/UndoRedoExecuteUndoStateListDiagram.pptx
@@ -138,7 +138,7 @@
           <p:cNvPr id="2" name="Title 1">
             <a:extLst>
               <a:ext uri="{FF2B5EF4-FFF2-40B4-BE49-F238E27FC236}">
-                <a16:creationId xmlns:a16="http://schemas.microsoft.com/office/drawing/2014/main" id="{39FCC519-EE2E-4054-A653-93D611E0133E}"/>
+                <a16:creationId xmlns:a16="http://schemas.microsoft.com/office/drawing/2014/main" xmlns="" id="{39FCC519-EE2E-4054-A653-93D611E0133E}"/>
               </a:ext>
             </a:extLst>
           </p:cNvPr>
@@ -176,7 +176,7 @@
           <p:cNvPr id="3" name="Subtitle 2">
             <a:extLst>
               <a:ext uri="{FF2B5EF4-FFF2-40B4-BE49-F238E27FC236}">
-                <a16:creationId xmlns:a16="http://schemas.microsoft.com/office/drawing/2014/main" id="{3EDEA74E-4030-4F69-A055-4C6319EEEC29}"/>
+                <a16:creationId xmlns:a16="http://schemas.microsoft.com/office/drawing/2014/main" xmlns="" id="{3EDEA74E-4030-4F69-A055-4C6319EEEC29}"/>
               </a:ext>
             </a:extLst>
           </p:cNvPr>
@@ -247,7 +247,7 @@
           <p:cNvPr id="4" name="Date Placeholder 3">
             <a:extLst>
               <a:ext uri="{FF2B5EF4-FFF2-40B4-BE49-F238E27FC236}">
-                <a16:creationId xmlns:a16="http://schemas.microsoft.com/office/drawing/2014/main" id="{E5CC99E3-37A6-4485-B9A2-AF27A72608C6}"/>
+                <a16:creationId xmlns:a16="http://schemas.microsoft.com/office/drawing/2014/main" xmlns="" id="{E5CC99E3-37A6-4485-B9A2-AF27A72608C6}"/>
               </a:ext>
             </a:extLst>
           </p:cNvPr>
@@ -265,7 +265,7 @@
           <a:p>
             <a:fld id="{03EC4E3E-8101-482F-A883-8B55DAFF7C07}" type="datetimeFigureOut">
               <a:rPr lang="en-SG" smtClean="0"/>
-              <a:t>6/7/2018</a:t>
+              <a:t>18/10/18</a:t>
             </a:fld>
             <a:endParaRPr lang="en-SG"/>
           </a:p>
@@ -276,7 +276,7 @@
           <p:cNvPr id="5" name="Footer Placeholder 4">
             <a:extLst>
               <a:ext uri="{FF2B5EF4-FFF2-40B4-BE49-F238E27FC236}">
-                <a16:creationId xmlns:a16="http://schemas.microsoft.com/office/drawing/2014/main" id="{D75BD546-D949-4A25-8EA4-47DF23229409}"/>
+                <a16:creationId xmlns:a16="http://schemas.microsoft.com/office/drawing/2014/main" xmlns="" id="{D75BD546-D949-4A25-8EA4-47DF23229409}"/>
               </a:ext>
             </a:extLst>
           </p:cNvPr>
@@ -301,7 +301,7 @@
           <p:cNvPr id="6" name="Slide Number Placeholder 5">
             <a:extLst>
               <a:ext uri="{FF2B5EF4-FFF2-40B4-BE49-F238E27FC236}">
-                <a16:creationId xmlns:a16="http://schemas.microsoft.com/office/drawing/2014/main" id="{68147391-4DF6-4ACF-BCE9-C1A9DAC803E3}"/>
+                <a16:creationId xmlns:a16="http://schemas.microsoft.com/office/drawing/2014/main" xmlns="" id="{68147391-4DF6-4ACF-BCE9-C1A9DAC803E3}"/>
               </a:ext>
             </a:extLst>
           </p:cNvPr>
@@ -360,7 +360,7 @@
           <p:cNvPr id="2" name="Title 1">
             <a:extLst>
               <a:ext uri="{FF2B5EF4-FFF2-40B4-BE49-F238E27FC236}">
-                <a16:creationId xmlns:a16="http://schemas.microsoft.com/office/drawing/2014/main" id="{251D3DFE-0C62-45F5-B1BF-FD1F194ED112}"/>
+                <a16:creationId xmlns:a16="http://schemas.microsoft.com/office/drawing/2014/main" xmlns="" id="{251D3DFE-0C62-45F5-B1BF-FD1F194ED112}"/>
               </a:ext>
             </a:extLst>
           </p:cNvPr>
@@ -389,7 +389,7 @@
           <p:cNvPr id="3" name="Vertical Text Placeholder 2">
             <a:extLst>
               <a:ext uri="{FF2B5EF4-FFF2-40B4-BE49-F238E27FC236}">
-                <a16:creationId xmlns:a16="http://schemas.microsoft.com/office/drawing/2014/main" id="{D2392762-3586-4B6D-A174-2D3ACF0A125B}"/>
+                <a16:creationId xmlns:a16="http://schemas.microsoft.com/office/drawing/2014/main" xmlns="" id="{D2392762-3586-4B6D-A174-2D3ACF0A125B}"/>
               </a:ext>
             </a:extLst>
           </p:cNvPr>
@@ -447,7 +447,7 @@
           <p:cNvPr id="4" name="Date Placeholder 3">
             <a:extLst>
               <a:ext uri="{FF2B5EF4-FFF2-40B4-BE49-F238E27FC236}">
-                <a16:creationId xmlns:a16="http://schemas.microsoft.com/office/drawing/2014/main" id="{73B232E7-84FB-4535-9FC1-1BEF8F17421F}"/>
+                <a16:creationId xmlns:a16="http://schemas.microsoft.com/office/drawing/2014/main" xmlns="" id="{73B232E7-84FB-4535-9FC1-1BEF8F17421F}"/>
               </a:ext>
             </a:extLst>
           </p:cNvPr>
@@ -465,7 +465,7 @@
           <a:p>
             <a:fld id="{03EC4E3E-8101-482F-A883-8B55DAFF7C07}" type="datetimeFigureOut">
               <a:rPr lang="en-SG" smtClean="0"/>
-              <a:t>6/7/2018</a:t>
+              <a:t>18/10/18</a:t>
             </a:fld>
             <a:endParaRPr lang="en-SG"/>
           </a:p>
@@ -476,7 +476,7 @@
           <p:cNvPr id="5" name="Footer Placeholder 4">
             <a:extLst>
               <a:ext uri="{FF2B5EF4-FFF2-40B4-BE49-F238E27FC236}">
-                <a16:creationId xmlns:a16="http://schemas.microsoft.com/office/drawing/2014/main" id="{76F796EF-04EF-401A-AC84-F7BDBC99DE80}"/>
+                <a16:creationId xmlns:a16="http://schemas.microsoft.com/office/drawing/2014/main" xmlns="" id="{76F796EF-04EF-401A-AC84-F7BDBC99DE80}"/>
               </a:ext>
             </a:extLst>
           </p:cNvPr>
@@ -501,7 +501,7 @@
           <p:cNvPr id="6" name="Slide Number Placeholder 5">
             <a:extLst>
               <a:ext uri="{FF2B5EF4-FFF2-40B4-BE49-F238E27FC236}">
-                <a16:creationId xmlns:a16="http://schemas.microsoft.com/office/drawing/2014/main" id="{8F55F009-0A64-4649-A732-4AA6D619F1F3}"/>
+                <a16:creationId xmlns:a16="http://schemas.microsoft.com/office/drawing/2014/main" xmlns="" id="{8F55F009-0A64-4649-A732-4AA6D619F1F3}"/>
               </a:ext>
             </a:extLst>
           </p:cNvPr>
@@ -560,7 +560,7 @@
           <p:cNvPr id="2" name="Vertical Title 1">
             <a:extLst>
               <a:ext uri="{FF2B5EF4-FFF2-40B4-BE49-F238E27FC236}">
-                <a16:creationId xmlns:a16="http://schemas.microsoft.com/office/drawing/2014/main" id="{F7DE9595-D7A8-4E19-B4C6-E295F978F6A4}"/>
+                <a16:creationId xmlns:a16="http://schemas.microsoft.com/office/drawing/2014/main" xmlns="" id="{F7DE9595-D7A8-4E19-B4C6-E295F978F6A4}"/>
               </a:ext>
             </a:extLst>
           </p:cNvPr>
@@ -594,7 +594,7 @@
           <p:cNvPr id="3" name="Vertical Text Placeholder 2">
             <a:extLst>
               <a:ext uri="{FF2B5EF4-FFF2-40B4-BE49-F238E27FC236}">
-                <a16:creationId xmlns:a16="http://schemas.microsoft.com/office/drawing/2014/main" id="{0D2975B7-7A6D-40EA-B2F6-338022AD2BF1}"/>
+                <a16:creationId xmlns:a16="http://schemas.microsoft.com/office/drawing/2014/main" xmlns="" id="{0D2975B7-7A6D-40EA-B2F6-338022AD2BF1}"/>
               </a:ext>
             </a:extLst>
           </p:cNvPr>
@@ -657,7 +657,7 @@
           <p:cNvPr id="4" name="Date Placeholder 3">
             <a:extLst>
               <a:ext uri="{FF2B5EF4-FFF2-40B4-BE49-F238E27FC236}">
-                <a16:creationId xmlns:a16="http://schemas.microsoft.com/office/drawing/2014/main" id="{C8230AC3-1BED-4D2B-96D3-51C50E14A9E6}"/>
+                <a16:creationId xmlns:a16="http://schemas.microsoft.com/office/drawing/2014/main" xmlns="" id="{C8230AC3-1BED-4D2B-96D3-51C50E14A9E6}"/>
               </a:ext>
             </a:extLst>
           </p:cNvPr>
@@ -675,7 +675,7 @@
           <a:p>
             <a:fld id="{03EC4E3E-8101-482F-A883-8B55DAFF7C07}" type="datetimeFigureOut">
               <a:rPr lang="en-SG" smtClean="0"/>
-              <a:t>6/7/2018</a:t>
+              <a:t>18/10/18</a:t>
             </a:fld>
             <a:endParaRPr lang="en-SG"/>
           </a:p>
@@ -686,7 +686,7 @@
           <p:cNvPr id="5" name="Footer Placeholder 4">
             <a:extLst>
               <a:ext uri="{FF2B5EF4-FFF2-40B4-BE49-F238E27FC236}">
-                <a16:creationId xmlns:a16="http://schemas.microsoft.com/office/drawing/2014/main" id="{4AD6CA96-231A-43AD-B530-7C509651DE3B}"/>
+                <a16:creationId xmlns:a16="http://schemas.microsoft.com/office/drawing/2014/main" xmlns="" id="{4AD6CA96-231A-43AD-B530-7C509651DE3B}"/>
               </a:ext>
             </a:extLst>
           </p:cNvPr>
@@ -711,7 +711,7 @@
           <p:cNvPr id="6" name="Slide Number Placeholder 5">
             <a:extLst>
               <a:ext uri="{FF2B5EF4-FFF2-40B4-BE49-F238E27FC236}">
-                <a16:creationId xmlns:a16="http://schemas.microsoft.com/office/drawing/2014/main" id="{12063E3B-180A-454E-A661-6CCD48D7062C}"/>
+                <a16:creationId xmlns:a16="http://schemas.microsoft.com/office/drawing/2014/main" xmlns="" id="{12063E3B-180A-454E-A661-6CCD48D7062C}"/>
               </a:ext>
             </a:extLst>
           </p:cNvPr>
@@ -770,7 +770,7 @@
           <p:cNvPr id="2" name="Title 1">
             <a:extLst>
               <a:ext uri="{FF2B5EF4-FFF2-40B4-BE49-F238E27FC236}">
-                <a16:creationId xmlns:a16="http://schemas.microsoft.com/office/drawing/2014/main" id="{7E861C8D-BAF0-4DD9-92B9-591B272791CA}"/>
+                <a16:creationId xmlns:a16="http://schemas.microsoft.com/office/drawing/2014/main" xmlns="" id="{7E861C8D-BAF0-4DD9-92B9-591B272791CA}"/>
               </a:ext>
             </a:extLst>
           </p:cNvPr>
@@ -799,7 +799,7 @@
           <p:cNvPr id="3" name="Content Placeholder 2">
             <a:extLst>
               <a:ext uri="{FF2B5EF4-FFF2-40B4-BE49-F238E27FC236}">
-                <a16:creationId xmlns:a16="http://schemas.microsoft.com/office/drawing/2014/main" id="{534DA4BD-1D78-446B-B79F-C1229642DDEB}"/>
+                <a16:creationId xmlns:a16="http://schemas.microsoft.com/office/drawing/2014/main" xmlns="" id="{534DA4BD-1D78-446B-B79F-C1229642DDEB}"/>
               </a:ext>
             </a:extLst>
           </p:cNvPr>
@@ -857,7 +857,7 @@
           <p:cNvPr id="4" name="Date Placeholder 3">
             <a:extLst>
               <a:ext uri="{FF2B5EF4-FFF2-40B4-BE49-F238E27FC236}">
-                <a16:creationId xmlns:a16="http://schemas.microsoft.com/office/drawing/2014/main" id="{AD6BEDB5-7B62-4953-BECB-7F7F3E909CAC}"/>
+                <a16:creationId xmlns:a16="http://schemas.microsoft.com/office/drawing/2014/main" xmlns="" id="{AD6BEDB5-7B62-4953-BECB-7F7F3E909CAC}"/>
               </a:ext>
             </a:extLst>
           </p:cNvPr>
@@ -875,7 +875,7 @@
           <a:p>
             <a:fld id="{03EC4E3E-8101-482F-A883-8B55DAFF7C07}" type="datetimeFigureOut">
               <a:rPr lang="en-SG" smtClean="0"/>
-              <a:t>6/7/2018</a:t>
+              <a:t>18/10/18</a:t>
             </a:fld>
             <a:endParaRPr lang="en-SG"/>
           </a:p>
@@ -886,7 +886,7 @@
           <p:cNvPr id="5" name="Footer Placeholder 4">
             <a:extLst>
               <a:ext uri="{FF2B5EF4-FFF2-40B4-BE49-F238E27FC236}">
-                <a16:creationId xmlns:a16="http://schemas.microsoft.com/office/drawing/2014/main" id="{349CD732-2DD1-42BE-8480-5C6507018294}"/>
+                <a16:creationId xmlns:a16="http://schemas.microsoft.com/office/drawing/2014/main" xmlns="" id="{349CD732-2DD1-42BE-8480-5C6507018294}"/>
               </a:ext>
             </a:extLst>
           </p:cNvPr>
@@ -911,7 +911,7 @@
           <p:cNvPr id="6" name="Slide Number Placeholder 5">
             <a:extLst>
               <a:ext uri="{FF2B5EF4-FFF2-40B4-BE49-F238E27FC236}">
-                <a16:creationId xmlns:a16="http://schemas.microsoft.com/office/drawing/2014/main" id="{574C27E0-F36A-4438-9402-C2CB0377D92D}"/>
+                <a16:creationId xmlns:a16="http://schemas.microsoft.com/office/drawing/2014/main" xmlns="" id="{574C27E0-F36A-4438-9402-C2CB0377D92D}"/>
               </a:ext>
             </a:extLst>
           </p:cNvPr>
@@ -970,7 +970,7 @@
           <p:cNvPr id="2" name="Title 1">
             <a:extLst>
               <a:ext uri="{FF2B5EF4-FFF2-40B4-BE49-F238E27FC236}">
-                <a16:creationId xmlns:a16="http://schemas.microsoft.com/office/drawing/2014/main" id="{80A42FFA-8A45-40F8-9C5C-9906971B38AB}"/>
+                <a16:creationId xmlns:a16="http://schemas.microsoft.com/office/drawing/2014/main" xmlns="" id="{80A42FFA-8A45-40F8-9C5C-9906971B38AB}"/>
               </a:ext>
             </a:extLst>
           </p:cNvPr>
@@ -1008,7 +1008,7 @@
           <p:cNvPr id="3" name="Text Placeholder 2">
             <a:extLst>
               <a:ext uri="{FF2B5EF4-FFF2-40B4-BE49-F238E27FC236}">
-                <a16:creationId xmlns:a16="http://schemas.microsoft.com/office/drawing/2014/main" id="{7D8879A7-8225-4473-B738-B780B6224EC5}"/>
+                <a16:creationId xmlns:a16="http://schemas.microsoft.com/office/drawing/2014/main" xmlns="" id="{7D8879A7-8225-4473-B738-B780B6224EC5}"/>
               </a:ext>
             </a:extLst>
           </p:cNvPr>
@@ -1133,7 +1133,7 @@
           <p:cNvPr id="4" name="Date Placeholder 3">
             <a:extLst>
               <a:ext uri="{FF2B5EF4-FFF2-40B4-BE49-F238E27FC236}">
-                <a16:creationId xmlns:a16="http://schemas.microsoft.com/office/drawing/2014/main" id="{6CF7978C-FE65-4091-9152-E33029C12AEA}"/>
+                <a16:creationId xmlns:a16="http://schemas.microsoft.com/office/drawing/2014/main" xmlns="" id="{6CF7978C-FE65-4091-9152-E33029C12AEA}"/>
               </a:ext>
             </a:extLst>
           </p:cNvPr>
@@ -1151,7 +1151,7 @@
           <a:p>
             <a:fld id="{03EC4E3E-8101-482F-A883-8B55DAFF7C07}" type="datetimeFigureOut">
               <a:rPr lang="en-SG" smtClean="0"/>
-              <a:t>6/7/2018</a:t>
+              <a:t>18/10/18</a:t>
             </a:fld>
             <a:endParaRPr lang="en-SG"/>
           </a:p>
@@ -1162,7 +1162,7 @@
           <p:cNvPr id="5" name="Footer Placeholder 4">
             <a:extLst>
               <a:ext uri="{FF2B5EF4-FFF2-40B4-BE49-F238E27FC236}">
-                <a16:creationId xmlns:a16="http://schemas.microsoft.com/office/drawing/2014/main" id="{B344C9CC-480F-4DCB-AC70-D7A4CCA0B8B7}"/>
+                <a16:creationId xmlns:a16="http://schemas.microsoft.com/office/drawing/2014/main" xmlns="" id="{B344C9CC-480F-4DCB-AC70-D7A4CCA0B8B7}"/>
               </a:ext>
             </a:extLst>
           </p:cNvPr>
@@ -1187,7 +1187,7 @@
           <p:cNvPr id="6" name="Slide Number Placeholder 5">
             <a:extLst>
               <a:ext uri="{FF2B5EF4-FFF2-40B4-BE49-F238E27FC236}">
-                <a16:creationId xmlns:a16="http://schemas.microsoft.com/office/drawing/2014/main" id="{8F5A07EC-843A-4ED9-8F1C-AD703CA36D58}"/>
+                <a16:creationId xmlns:a16="http://schemas.microsoft.com/office/drawing/2014/main" xmlns="" id="{8F5A07EC-843A-4ED9-8F1C-AD703CA36D58}"/>
               </a:ext>
             </a:extLst>
           </p:cNvPr>
@@ -1246,7 +1246,7 @@
           <p:cNvPr id="2" name="Title 1">
             <a:extLst>
               <a:ext uri="{FF2B5EF4-FFF2-40B4-BE49-F238E27FC236}">
-                <a16:creationId xmlns:a16="http://schemas.microsoft.com/office/drawing/2014/main" id="{056EE2DA-07D9-4774-A8CA-0CA247F8C72A}"/>
+                <a16:creationId xmlns:a16="http://schemas.microsoft.com/office/drawing/2014/main" xmlns="" id="{056EE2DA-07D9-4774-A8CA-0CA247F8C72A}"/>
               </a:ext>
             </a:extLst>
           </p:cNvPr>
@@ -1275,7 +1275,7 @@
           <p:cNvPr id="3" name="Content Placeholder 2">
             <a:extLst>
               <a:ext uri="{FF2B5EF4-FFF2-40B4-BE49-F238E27FC236}">
-                <a16:creationId xmlns:a16="http://schemas.microsoft.com/office/drawing/2014/main" id="{3CF93A59-4E25-4FFA-8796-AA06EF3E5C3E}"/>
+                <a16:creationId xmlns:a16="http://schemas.microsoft.com/office/drawing/2014/main" xmlns="" id="{3CF93A59-4E25-4FFA-8796-AA06EF3E5C3E}"/>
               </a:ext>
             </a:extLst>
           </p:cNvPr>
@@ -1338,7 +1338,7 @@
           <p:cNvPr id="4" name="Content Placeholder 3">
             <a:extLst>
               <a:ext uri="{FF2B5EF4-FFF2-40B4-BE49-F238E27FC236}">
-                <a16:creationId xmlns:a16="http://schemas.microsoft.com/office/drawing/2014/main" id="{81373B10-E346-4893-AFEE-65E014405E2D}"/>
+                <a16:creationId xmlns:a16="http://schemas.microsoft.com/office/drawing/2014/main" xmlns="" id="{81373B10-E346-4893-AFEE-65E014405E2D}"/>
               </a:ext>
             </a:extLst>
           </p:cNvPr>
@@ -1401,7 +1401,7 @@
           <p:cNvPr id="5" name="Date Placeholder 4">
             <a:extLst>
               <a:ext uri="{FF2B5EF4-FFF2-40B4-BE49-F238E27FC236}">
-                <a16:creationId xmlns:a16="http://schemas.microsoft.com/office/drawing/2014/main" id="{D9C411A1-6D64-4C63-A758-5D2FEE677F45}"/>
+                <a16:creationId xmlns:a16="http://schemas.microsoft.com/office/drawing/2014/main" xmlns="" id="{D9C411A1-6D64-4C63-A758-5D2FEE677F45}"/>
               </a:ext>
             </a:extLst>
           </p:cNvPr>
@@ -1419,7 +1419,7 @@
           <a:p>
             <a:fld id="{03EC4E3E-8101-482F-A883-8B55DAFF7C07}" type="datetimeFigureOut">
               <a:rPr lang="en-SG" smtClean="0"/>
-              <a:t>6/7/2018</a:t>
+              <a:t>18/10/18</a:t>
             </a:fld>
             <a:endParaRPr lang="en-SG"/>
           </a:p>
@@ -1430,7 +1430,7 @@
           <p:cNvPr id="6" name="Footer Placeholder 5">
             <a:extLst>
               <a:ext uri="{FF2B5EF4-FFF2-40B4-BE49-F238E27FC236}">
-                <a16:creationId xmlns:a16="http://schemas.microsoft.com/office/drawing/2014/main" id="{8D9C2E46-644C-4155-A697-764A7A0AB1F4}"/>
+                <a16:creationId xmlns:a16="http://schemas.microsoft.com/office/drawing/2014/main" xmlns="" id="{8D9C2E46-644C-4155-A697-764A7A0AB1F4}"/>
               </a:ext>
             </a:extLst>
           </p:cNvPr>
@@ -1455,7 +1455,7 @@
           <p:cNvPr id="7" name="Slide Number Placeholder 6">
             <a:extLst>
               <a:ext uri="{FF2B5EF4-FFF2-40B4-BE49-F238E27FC236}">
-                <a16:creationId xmlns:a16="http://schemas.microsoft.com/office/drawing/2014/main" id="{6192DEDD-6479-45E4-B1F5-6EDD41BBB103}"/>
+                <a16:creationId xmlns:a16="http://schemas.microsoft.com/office/drawing/2014/main" xmlns="" id="{6192DEDD-6479-45E4-B1F5-6EDD41BBB103}"/>
               </a:ext>
             </a:extLst>
           </p:cNvPr>
@@ -1514,7 +1514,7 @@
           <p:cNvPr id="2" name="Title 1">
             <a:extLst>
               <a:ext uri="{FF2B5EF4-FFF2-40B4-BE49-F238E27FC236}">
-                <a16:creationId xmlns:a16="http://schemas.microsoft.com/office/drawing/2014/main" id="{DC0ED888-63EF-4CC0-8500-9C8DB672FEC2}"/>
+                <a16:creationId xmlns:a16="http://schemas.microsoft.com/office/drawing/2014/main" xmlns="" id="{DC0ED888-63EF-4CC0-8500-9C8DB672FEC2}"/>
               </a:ext>
             </a:extLst>
           </p:cNvPr>
@@ -1548,7 +1548,7 @@
           <p:cNvPr id="3" name="Text Placeholder 2">
             <a:extLst>
               <a:ext uri="{FF2B5EF4-FFF2-40B4-BE49-F238E27FC236}">
-                <a16:creationId xmlns:a16="http://schemas.microsoft.com/office/drawing/2014/main" id="{3C33BC1E-FB79-4906-A967-9C7046C6D272}"/>
+                <a16:creationId xmlns:a16="http://schemas.microsoft.com/office/drawing/2014/main" xmlns="" id="{3C33BC1E-FB79-4906-A967-9C7046C6D272}"/>
               </a:ext>
             </a:extLst>
           </p:cNvPr>
@@ -1619,7 +1619,7 @@
           <p:cNvPr id="4" name="Content Placeholder 3">
             <a:extLst>
               <a:ext uri="{FF2B5EF4-FFF2-40B4-BE49-F238E27FC236}">
-                <a16:creationId xmlns:a16="http://schemas.microsoft.com/office/drawing/2014/main" id="{697A4EC6-1C42-4BA4-8108-32579276C17B}"/>
+                <a16:creationId xmlns:a16="http://schemas.microsoft.com/office/drawing/2014/main" xmlns="" id="{697A4EC6-1C42-4BA4-8108-32579276C17B}"/>
               </a:ext>
             </a:extLst>
           </p:cNvPr>
@@ -1682,7 +1682,7 @@
           <p:cNvPr id="5" name="Text Placeholder 4">
             <a:extLst>
               <a:ext uri="{FF2B5EF4-FFF2-40B4-BE49-F238E27FC236}">
-                <a16:creationId xmlns:a16="http://schemas.microsoft.com/office/drawing/2014/main" id="{8A2CA209-B9F5-4E1E-B302-74CC2D4CFDFB}"/>
+                <a16:creationId xmlns:a16="http://schemas.microsoft.com/office/drawing/2014/main" xmlns="" id="{8A2CA209-B9F5-4E1E-B302-74CC2D4CFDFB}"/>
               </a:ext>
             </a:extLst>
           </p:cNvPr>
@@ -1753,7 +1753,7 @@
           <p:cNvPr id="6" name="Content Placeholder 5">
             <a:extLst>
               <a:ext uri="{FF2B5EF4-FFF2-40B4-BE49-F238E27FC236}">
-                <a16:creationId xmlns:a16="http://schemas.microsoft.com/office/drawing/2014/main" id="{0E6E876D-DC4D-40EE-BA38-CD01089602CF}"/>
+                <a16:creationId xmlns:a16="http://schemas.microsoft.com/office/drawing/2014/main" xmlns="" id="{0E6E876D-DC4D-40EE-BA38-CD01089602CF}"/>
               </a:ext>
             </a:extLst>
           </p:cNvPr>
@@ -1816,7 +1816,7 @@
           <p:cNvPr id="7" name="Date Placeholder 6">
             <a:extLst>
               <a:ext uri="{FF2B5EF4-FFF2-40B4-BE49-F238E27FC236}">
-                <a16:creationId xmlns:a16="http://schemas.microsoft.com/office/drawing/2014/main" id="{F24E1D97-8B3C-41A1-B0BA-BA833AD8BC7C}"/>
+                <a16:creationId xmlns:a16="http://schemas.microsoft.com/office/drawing/2014/main" xmlns="" id="{F24E1D97-8B3C-41A1-B0BA-BA833AD8BC7C}"/>
               </a:ext>
             </a:extLst>
           </p:cNvPr>
@@ -1834,7 +1834,7 @@
           <a:p>
             <a:fld id="{03EC4E3E-8101-482F-A883-8B55DAFF7C07}" type="datetimeFigureOut">
               <a:rPr lang="en-SG" smtClean="0"/>
-              <a:t>6/7/2018</a:t>
+              <a:t>18/10/18</a:t>
             </a:fld>
             <a:endParaRPr lang="en-SG"/>
           </a:p>
@@ -1845,7 +1845,7 @@
           <p:cNvPr id="8" name="Footer Placeholder 7">
             <a:extLst>
               <a:ext uri="{FF2B5EF4-FFF2-40B4-BE49-F238E27FC236}">
-                <a16:creationId xmlns:a16="http://schemas.microsoft.com/office/drawing/2014/main" id="{FC358D8F-B7DA-4DCE-AC8F-706450EEC0DC}"/>
+                <a16:creationId xmlns:a16="http://schemas.microsoft.com/office/drawing/2014/main" xmlns="" id="{FC358D8F-B7DA-4DCE-AC8F-706450EEC0DC}"/>
               </a:ext>
             </a:extLst>
           </p:cNvPr>
@@ -1870,7 +1870,7 @@
           <p:cNvPr id="9" name="Slide Number Placeholder 8">
             <a:extLst>
               <a:ext uri="{FF2B5EF4-FFF2-40B4-BE49-F238E27FC236}">
-                <a16:creationId xmlns:a16="http://schemas.microsoft.com/office/drawing/2014/main" id="{40CE354E-2C73-4B6F-8AEB-14D1378A77E1}"/>
+                <a16:creationId xmlns:a16="http://schemas.microsoft.com/office/drawing/2014/main" xmlns="" id="{40CE354E-2C73-4B6F-8AEB-14D1378A77E1}"/>
               </a:ext>
             </a:extLst>
           </p:cNvPr>
@@ -1929,7 +1929,7 @@
           <p:cNvPr id="2" name="Title 1">
             <a:extLst>
               <a:ext uri="{FF2B5EF4-FFF2-40B4-BE49-F238E27FC236}">
-                <a16:creationId xmlns:a16="http://schemas.microsoft.com/office/drawing/2014/main" id="{17D9D381-288C-43FB-86C2-AAA4FCFD43FD}"/>
+                <a16:creationId xmlns:a16="http://schemas.microsoft.com/office/drawing/2014/main" xmlns="" id="{17D9D381-288C-43FB-86C2-AAA4FCFD43FD}"/>
               </a:ext>
             </a:extLst>
           </p:cNvPr>
@@ -1958,7 +1958,7 @@
           <p:cNvPr id="3" name="Date Placeholder 2">
             <a:extLst>
               <a:ext uri="{FF2B5EF4-FFF2-40B4-BE49-F238E27FC236}">
-                <a16:creationId xmlns:a16="http://schemas.microsoft.com/office/drawing/2014/main" id="{A85D75E5-4830-4F75-8132-91122609F925}"/>
+                <a16:creationId xmlns:a16="http://schemas.microsoft.com/office/drawing/2014/main" xmlns="" id="{A85D75E5-4830-4F75-8132-91122609F925}"/>
               </a:ext>
             </a:extLst>
           </p:cNvPr>
@@ -1976,7 +1976,7 @@
           <a:p>
             <a:fld id="{03EC4E3E-8101-482F-A883-8B55DAFF7C07}" type="datetimeFigureOut">
               <a:rPr lang="en-SG" smtClean="0"/>
-              <a:t>6/7/2018</a:t>
+              <a:t>18/10/18</a:t>
             </a:fld>
             <a:endParaRPr lang="en-SG"/>
           </a:p>
@@ -1987,7 +1987,7 @@
           <p:cNvPr id="4" name="Footer Placeholder 3">
             <a:extLst>
               <a:ext uri="{FF2B5EF4-FFF2-40B4-BE49-F238E27FC236}">
-                <a16:creationId xmlns:a16="http://schemas.microsoft.com/office/drawing/2014/main" id="{0C14A42C-834F-43EA-8053-84D5A665CEE7}"/>
+                <a16:creationId xmlns:a16="http://schemas.microsoft.com/office/drawing/2014/main" xmlns="" id="{0C14A42C-834F-43EA-8053-84D5A665CEE7}"/>
               </a:ext>
             </a:extLst>
           </p:cNvPr>
@@ -2012,7 +2012,7 @@
           <p:cNvPr id="5" name="Slide Number Placeholder 4">
             <a:extLst>
               <a:ext uri="{FF2B5EF4-FFF2-40B4-BE49-F238E27FC236}">
-                <a16:creationId xmlns:a16="http://schemas.microsoft.com/office/drawing/2014/main" id="{38C1E789-CDA9-48FF-A7BA-F21E31600226}"/>
+                <a16:creationId xmlns:a16="http://schemas.microsoft.com/office/drawing/2014/main" xmlns="" id="{38C1E789-CDA9-48FF-A7BA-F21E31600226}"/>
               </a:ext>
             </a:extLst>
           </p:cNvPr>
@@ -2071,7 +2071,7 @@
           <p:cNvPr id="2" name="Date Placeholder 1">
             <a:extLst>
               <a:ext uri="{FF2B5EF4-FFF2-40B4-BE49-F238E27FC236}">
-                <a16:creationId xmlns:a16="http://schemas.microsoft.com/office/drawing/2014/main" id="{21A40ECD-0ABD-4F35-B481-512A01FC643D}"/>
+                <a16:creationId xmlns:a16="http://schemas.microsoft.com/office/drawing/2014/main" xmlns="" id="{21A40ECD-0ABD-4F35-B481-512A01FC643D}"/>
               </a:ext>
             </a:extLst>
           </p:cNvPr>
@@ -2089,7 +2089,7 @@
           <a:p>
             <a:fld id="{03EC4E3E-8101-482F-A883-8B55DAFF7C07}" type="datetimeFigureOut">
               <a:rPr lang="en-SG" smtClean="0"/>
-              <a:t>6/7/2018</a:t>
+              <a:t>18/10/18</a:t>
             </a:fld>
             <a:endParaRPr lang="en-SG"/>
           </a:p>
@@ -2100,7 +2100,7 @@
           <p:cNvPr id="3" name="Footer Placeholder 2">
             <a:extLst>
               <a:ext uri="{FF2B5EF4-FFF2-40B4-BE49-F238E27FC236}">
-                <a16:creationId xmlns:a16="http://schemas.microsoft.com/office/drawing/2014/main" id="{D44B8F11-A412-4FA6-9070-B9C742F699F3}"/>
+                <a16:creationId xmlns:a16="http://schemas.microsoft.com/office/drawing/2014/main" xmlns="" id="{D44B8F11-A412-4FA6-9070-B9C742F699F3}"/>
               </a:ext>
             </a:extLst>
           </p:cNvPr>
@@ -2125,7 +2125,7 @@
           <p:cNvPr id="4" name="Slide Number Placeholder 3">
             <a:extLst>
               <a:ext uri="{FF2B5EF4-FFF2-40B4-BE49-F238E27FC236}">
-                <a16:creationId xmlns:a16="http://schemas.microsoft.com/office/drawing/2014/main" id="{E3EA086A-DA0B-4378-A128-F213644ECB0C}"/>
+                <a16:creationId xmlns:a16="http://schemas.microsoft.com/office/drawing/2014/main" xmlns="" id="{E3EA086A-DA0B-4378-A128-F213644ECB0C}"/>
               </a:ext>
             </a:extLst>
           </p:cNvPr>
@@ -2184,7 +2184,7 @@
           <p:cNvPr id="2" name="Title 1">
             <a:extLst>
               <a:ext uri="{FF2B5EF4-FFF2-40B4-BE49-F238E27FC236}">
-                <a16:creationId xmlns:a16="http://schemas.microsoft.com/office/drawing/2014/main" id="{765D165A-D423-4E89-A075-D59A9FB59792}"/>
+                <a16:creationId xmlns:a16="http://schemas.microsoft.com/office/drawing/2014/main" xmlns="" id="{765D165A-D423-4E89-A075-D59A9FB59792}"/>
               </a:ext>
             </a:extLst>
           </p:cNvPr>
@@ -2222,7 +2222,7 @@
           <p:cNvPr id="3" name="Content Placeholder 2">
             <a:extLst>
               <a:ext uri="{FF2B5EF4-FFF2-40B4-BE49-F238E27FC236}">
-                <a16:creationId xmlns:a16="http://schemas.microsoft.com/office/drawing/2014/main" id="{77C2A5CC-2876-49CA-993D-F4F73FC9D2B0}"/>
+                <a16:creationId xmlns:a16="http://schemas.microsoft.com/office/drawing/2014/main" xmlns="" id="{77C2A5CC-2876-49CA-993D-F4F73FC9D2B0}"/>
               </a:ext>
             </a:extLst>
           </p:cNvPr>
@@ -2313,7 +2313,7 @@
           <p:cNvPr id="4" name="Text Placeholder 3">
             <a:extLst>
               <a:ext uri="{FF2B5EF4-FFF2-40B4-BE49-F238E27FC236}">
-                <a16:creationId xmlns:a16="http://schemas.microsoft.com/office/drawing/2014/main" id="{7B4DE2E8-CCF6-4E88-A858-05A04CD0D736}"/>
+                <a16:creationId xmlns:a16="http://schemas.microsoft.com/office/drawing/2014/main" xmlns="" id="{7B4DE2E8-CCF6-4E88-A858-05A04CD0D736}"/>
               </a:ext>
             </a:extLst>
           </p:cNvPr>
@@ -2384,7 +2384,7 @@
           <p:cNvPr id="5" name="Date Placeholder 4">
             <a:extLst>
               <a:ext uri="{FF2B5EF4-FFF2-40B4-BE49-F238E27FC236}">
-                <a16:creationId xmlns:a16="http://schemas.microsoft.com/office/drawing/2014/main" id="{CAEBEC1E-DE48-4B55-A846-F8248E381145}"/>
+                <a16:creationId xmlns:a16="http://schemas.microsoft.com/office/drawing/2014/main" xmlns="" id="{CAEBEC1E-DE48-4B55-A846-F8248E381145}"/>
               </a:ext>
             </a:extLst>
           </p:cNvPr>
@@ -2402,7 +2402,7 @@
           <a:p>
             <a:fld id="{03EC4E3E-8101-482F-A883-8B55DAFF7C07}" type="datetimeFigureOut">
               <a:rPr lang="en-SG" smtClean="0"/>
-              <a:t>6/7/2018</a:t>
+              <a:t>18/10/18</a:t>
             </a:fld>
             <a:endParaRPr lang="en-SG"/>
           </a:p>
@@ -2413,7 +2413,7 @@
           <p:cNvPr id="6" name="Footer Placeholder 5">
             <a:extLst>
               <a:ext uri="{FF2B5EF4-FFF2-40B4-BE49-F238E27FC236}">
-                <a16:creationId xmlns:a16="http://schemas.microsoft.com/office/drawing/2014/main" id="{945A6E8B-6BC2-49E9-B4E5-DAD3F7A1A1BF}"/>
+                <a16:creationId xmlns:a16="http://schemas.microsoft.com/office/drawing/2014/main" xmlns="" id="{945A6E8B-6BC2-49E9-B4E5-DAD3F7A1A1BF}"/>
               </a:ext>
             </a:extLst>
           </p:cNvPr>
@@ -2438,7 +2438,7 @@
           <p:cNvPr id="7" name="Slide Number Placeholder 6">
             <a:extLst>
               <a:ext uri="{FF2B5EF4-FFF2-40B4-BE49-F238E27FC236}">
-                <a16:creationId xmlns:a16="http://schemas.microsoft.com/office/drawing/2014/main" id="{E5CF739B-EDF0-43CE-A87E-C49F040C85A5}"/>
+                <a16:creationId xmlns:a16="http://schemas.microsoft.com/office/drawing/2014/main" xmlns="" id="{E5CF739B-EDF0-43CE-A87E-C49F040C85A5}"/>
               </a:ext>
             </a:extLst>
           </p:cNvPr>
@@ -2497,7 +2497,7 @@
           <p:cNvPr id="2" name="Title 1">
             <a:extLst>
               <a:ext uri="{FF2B5EF4-FFF2-40B4-BE49-F238E27FC236}">
-                <a16:creationId xmlns:a16="http://schemas.microsoft.com/office/drawing/2014/main" id="{0091F49F-E849-4834-84DB-61CF2F2652D4}"/>
+                <a16:creationId xmlns:a16="http://schemas.microsoft.com/office/drawing/2014/main" xmlns="" id="{0091F49F-E849-4834-84DB-61CF2F2652D4}"/>
               </a:ext>
             </a:extLst>
           </p:cNvPr>
@@ -2535,7 +2535,7 @@
           <p:cNvPr id="3" name="Picture Placeholder 2">
             <a:extLst>
               <a:ext uri="{FF2B5EF4-FFF2-40B4-BE49-F238E27FC236}">
-                <a16:creationId xmlns:a16="http://schemas.microsoft.com/office/drawing/2014/main" id="{631D62A9-3420-4F1C-9EB9-09EF85106E78}"/>
+                <a16:creationId xmlns:a16="http://schemas.microsoft.com/office/drawing/2014/main" xmlns="" id="{631D62A9-3420-4F1C-9EB9-09EF85106E78}"/>
               </a:ext>
             </a:extLst>
           </p:cNvPr>
@@ -2602,7 +2602,7 @@
           <p:cNvPr id="4" name="Text Placeholder 3">
             <a:extLst>
               <a:ext uri="{FF2B5EF4-FFF2-40B4-BE49-F238E27FC236}">
-                <a16:creationId xmlns:a16="http://schemas.microsoft.com/office/drawing/2014/main" id="{E450EC8D-D7F4-45FC-AD8C-2E198A32CCA2}"/>
+                <a16:creationId xmlns:a16="http://schemas.microsoft.com/office/drawing/2014/main" xmlns="" id="{E450EC8D-D7F4-45FC-AD8C-2E198A32CCA2}"/>
               </a:ext>
             </a:extLst>
           </p:cNvPr>
@@ -2673,7 +2673,7 @@
           <p:cNvPr id="5" name="Date Placeholder 4">
             <a:extLst>
               <a:ext uri="{FF2B5EF4-FFF2-40B4-BE49-F238E27FC236}">
-                <a16:creationId xmlns:a16="http://schemas.microsoft.com/office/drawing/2014/main" id="{7A73D668-ABF4-41FE-958C-542EEDC5F6CC}"/>
+                <a16:creationId xmlns:a16="http://schemas.microsoft.com/office/drawing/2014/main" xmlns="" id="{7A73D668-ABF4-41FE-958C-542EEDC5F6CC}"/>
               </a:ext>
             </a:extLst>
           </p:cNvPr>
@@ -2691,7 +2691,7 @@
           <a:p>
             <a:fld id="{03EC4E3E-8101-482F-A883-8B55DAFF7C07}" type="datetimeFigureOut">
               <a:rPr lang="en-SG" smtClean="0"/>
-              <a:t>6/7/2018</a:t>
+              <a:t>18/10/18</a:t>
             </a:fld>
             <a:endParaRPr lang="en-SG"/>
           </a:p>
@@ -2702,7 +2702,7 @@
           <p:cNvPr id="6" name="Footer Placeholder 5">
             <a:extLst>
               <a:ext uri="{FF2B5EF4-FFF2-40B4-BE49-F238E27FC236}">
-                <a16:creationId xmlns:a16="http://schemas.microsoft.com/office/drawing/2014/main" id="{F4A83B1C-93E7-4D32-9D1B-3F37403B1ACD}"/>
+                <a16:creationId xmlns:a16="http://schemas.microsoft.com/office/drawing/2014/main" xmlns="" id="{F4A83B1C-93E7-4D32-9D1B-3F37403B1ACD}"/>
               </a:ext>
             </a:extLst>
           </p:cNvPr>
@@ -2727,7 +2727,7 @@
           <p:cNvPr id="7" name="Slide Number Placeholder 6">
             <a:extLst>
               <a:ext uri="{FF2B5EF4-FFF2-40B4-BE49-F238E27FC236}">
-                <a16:creationId xmlns:a16="http://schemas.microsoft.com/office/drawing/2014/main" id="{C6AF73BE-F17B-487B-943B-28655BB51C92}"/>
+                <a16:creationId xmlns:a16="http://schemas.microsoft.com/office/drawing/2014/main" xmlns="" id="{C6AF73BE-F17B-487B-943B-28655BB51C92}"/>
               </a:ext>
             </a:extLst>
           </p:cNvPr>
@@ -2791,7 +2791,7 @@
           <p:cNvPr id="2" name="Title Placeholder 1">
             <a:extLst>
               <a:ext uri="{FF2B5EF4-FFF2-40B4-BE49-F238E27FC236}">
-                <a16:creationId xmlns:a16="http://schemas.microsoft.com/office/drawing/2014/main" id="{96F7127E-5F47-4B37-9FDB-695AB14D9551}"/>
+                <a16:creationId xmlns:a16="http://schemas.microsoft.com/office/drawing/2014/main" xmlns="" id="{96F7127E-5F47-4B37-9FDB-695AB14D9551}"/>
               </a:ext>
             </a:extLst>
           </p:cNvPr>
@@ -2830,7 +2830,7 @@
           <p:cNvPr id="3" name="Text Placeholder 2">
             <a:extLst>
               <a:ext uri="{FF2B5EF4-FFF2-40B4-BE49-F238E27FC236}">
-                <a16:creationId xmlns:a16="http://schemas.microsoft.com/office/drawing/2014/main" id="{3BD20F0F-B303-4EE3-AF17-E303EA90B1A3}"/>
+                <a16:creationId xmlns:a16="http://schemas.microsoft.com/office/drawing/2014/main" xmlns="" id="{3BD20F0F-B303-4EE3-AF17-E303EA90B1A3}"/>
               </a:ext>
             </a:extLst>
           </p:cNvPr>
@@ -2898,7 +2898,7 @@
           <p:cNvPr id="4" name="Date Placeholder 3">
             <a:extLst>
               <a:ext uri="{FF2B5EF4-FFF2-40B4-BE49-F238E27FC236}">
-                <a16:creationId xmlns:a16="http://schemas.microsoft.com/office/drawing/2014/main" id="{7927ADFB-0C7F-4333-A456-815FAB4B0315}"/>
+                <a16:creationId xmlns:a16="http://schemas.microsoft.com/office/drawing/2014/main" xmlns="" id="{7927ADFB-0C7F-4333-A456-815FAB4B0315}"/>
               </a:ext>
             </a:extLst>
           </p:cNvPr>
@@ -2934,7 +2934,7 @@
           <a:p>
             <a:fld id="{03EC4E3E-8101-482F-A883-8B55DAFF7C07}" type="datetimeFigureOut">
               <a:rPr lang="en-SG" smtClean="0"/>
-              <a:t>6/7/2018</a:t>
+              <a:t>18/10/18</a:t>
             </a:fld>
             <a:endParaRPr lang="en-SG"/>
           </a:p>
@@ -2945,7 +2945,7 @@
           <p:cNvPr id="5" name="Footer Placeholder 4">
             <a:extLst>
               <a:ext uri="{FF2B5EF4-FFF2-40B4-BE49-F238E27FC236}">
-                <a16:creationId xmlns:a16="http://schemas.microsoft.com/office/drawing/2014/main" id="{A1992B28-8397-4C93-A277-5EE43A537825}"/>
+                <a16:creationId xmlns:a16="http://schemas.microsoft.com/office/drawing/2014/main" xmlns="" id="{A1992B28-8397-4C93-A277-5EE43A537825}"/>
               </a:ext>
             </a:extLst>
           </p:cNvPr>
@@ -2988,7 +2988,7 @@
           <p:cNvPr id="6" name="Slide Number Placeholder 5">
             <a:extLst>
               <a:ext uri="{FF2B5EF4-FFF2-40B4-BE49-F238E27FC236}">
-                <a16:creationId xmlns:a16="http://schemas.microsoft.com/office/drawing/2014/main" id="{D7231209-A74B-4134-87D0-421AB81BBB47}"/>
+                <a16:creationId xmlns:a16="http://schemas.microsoft.com/office/drawing/2014/main" xmlns="" id="{D7231209-A74B-4134-87D0-421AB81BBB47}"/>
               </a:ext>
             </a:extLst>
           </p:cNvPr>
@@ -3356,7 +3356,7 @@
           <p:cNvPr id="2" name="TextBox 1">
             <a:extLst>
               <a:ext uri="{FF2B5EF4-FFF2-40B4-BE49-F238E27FC236}">
-                <a16:creationId xmlns:a16="http://schemas.microsoft.com/office/drawing/2014/main" id="{032C4FEA-C10B-4133-9BF6-AF6F40CC1AD4}"/>
+                <a16:creationId xmlns:a16="http://schemas.microsoft.com/office/drawing/2014/main" xmlns="" id="{032C4FEA-C10B-4133-9BF6-AF6F40CC1AD4}"/>
               </a:ext>
             </a:extLst>
           </p:cNvPr>
@@ -3407,8 +3407,37 @@
             <a:pPr algn="ctr"/>
             <a:r>
               <a:rPr lang="en-SG" dirty="0"/>
-              <a:t>The state of the address book (before ‘add n/David …’ was executed) will be restored to state ab1.</a:t>
-            </a:r>
+              <a:t>The state of the </a:t>
+            </a:r>
+            <a:r>
+              <a:rPr lang="en-SG" dirty="0" smtClean="0"/>
+              <a:t>task manager(before </a:t>
+            </a:r>
+            <a:r>
+              <a:rPr lang="en-SG" dirty="0"/>
+              <a:t>‘</a:t>
+            </a:r>
+            <a:r>
+              <a:rPr lang="en-SG"/>
+              <a:t>add </a:t>
+            </a:r>
+            <a:r>
+              <a:rPr lang="en-SG" smtClean="0"/>
+              <a:t>n/Tutorial…’ </a:t>
+            </a:r>
+            <a:r>
+              <a:rPr lang="en-SG" dirty="0"/>
+              <a:t>was executed) will be restored to </a:t>
+            </a:r>
+            <a:r>
+              <a:rPr lang="en-SG"/>
+              <a:t>state </a:t>
+            </a:r>
+            <a:r>
+              <a:rPr lang="en-SG" smtClean="0"/>
+              <a:t>tm1.</a:t>
+            </a:r>
+            <a:endParaRPr lang="en-SG" dirty="0"/>
           </a:p>
         </p:txBody>
       </p:sp>
@@ -3461,7 +3490,7 @@
           <p:cNvPr id="17" name="TextBox 16">
             <a:extLst>
               <a:ext uri="{FF2B5EF4-FFF2-40B4-BE49-F238E27FC236}">
-                <a16:creationId xmlns:a16="http://schemas.microsoft.com/office/drawing/2014/main" id="{3151A13B-9509-43FA-BFEB-1D9866A00B84}"/>
+                <a16:creationId xmlns:a16="http://schemas.microsoft.com/office/drawing/2014/main" xmlns="" id="{3151A13B-9509-43FA-BFEB-1D9866A00B84}"/>
               </a:ext>
             </a:extLst>
           </p:cNvPr>
@@ -3505,7 +3534,7 @@
           <p:cNvPr id="18" name="Table 17">
             <a:extLst>
               <a:ext uri="{FF2B5EF4-FFF2-40B4-BE49-F238E27FC236}">
-                <a16:creationId xmlns:a16="http://schemas.microsoft.com/office/drawing/2014/main" id="{F545FAB8-F1CE-4886-9BDE-E772BCB0A9C4}"/>
+                <a16:creationId xmlns:a16="http://schemas.microsoft.com/office/drawing/2014/main" xmlns="" id="{F545FAB8-F1CE-4886-9BDE-E772BCB0A9C4}"/>
               </a:ext>
             </a:extLst>
           </p:cNvPr>
@@ -3515,14 +3544,14 @@
           <p:nvPr>
             <p:extLst>
               <p:ext uri="{D42A27DB-BD31-4B8C-83A1-F6EECF244321}">
-                <p14:modId xmlns:p14="http://schemas.microsoft.com/office/powerpoint/2010/main" val="1674993041"/>
+                <p14:modId xmlns:p14="http://schemas.microsoft.com/office/powerpoint/2010/main" val="1848669537"/>
               </p:ext>
             </p:extLst>
           </p:nvPr>
         </p:nvGraphicFramePr>
         <p:xfrm>
-          <a:off x="473240" y="1476102"/>
-          <a:ext cx="1825824" cy="417888"/>
+          <a:off x="387404" y="1476102"/>
+          <a:ext cx="1911660" cy="417888"/>
         </p:xfrm>
         <a:graphic>
           <a:graphicData uri="http://schemas.openxmlformats.org/drawingml/2006/table">
@@ -3531,10 +3560,10 @@
                 <a:tableStyleId>{638B1855-1B75-4FBE-930C-398BA8C253C6}</a:tableStyleId>
               </a:tblPr>
               <a:tblGrid>
-                <a:gridCol w="1825824">
+                <a:gridCol w="1911660">
                   <a:extLst>
                     <a:ext uri="{9D8B030D-6E8A-4147-A177-3AD203B41FA5}">
-                      <a16:colId xmlns:a16="http://schemas.microsoft.com/office/drawing/2014/main" val="4240773277"/>
+                      <a16:colId xmlns:a16="http://schemas.microsoft.com/office/drawing/2014/main" xmlns="" val="4240773277"/>
                     </a:ext>
                   </a:extLst>
                 </a:gridCol>
@@ -3546,21 +3575,45 @@
                     <a:lstStyle/>
                     <a:p>
                       <a:r>
-                        <a:rPr lang="en-SG" u="sng" dirty="0"/>
-                        <a:t>ab0:</a:t>
+                        <a:rPr lang="en-US" sz="1800" u="sng" kern="1200" dirty="0" smtClean="0">
+                          <a:solidFill>
+                            <a:schemeClr val="lt1"/>
+                          </a:solidFill>
+                          <a:effectLst/>
+                          <a:latin typeface="+mn-lt"/>
+                          <a:ea typeface="+mn-ea"/>
+                          <a:cs typeface="+mn-cs"/>
+                        </a:rPr>
+                        <a:t>tm0:TaskManager</a:t>
                       </a:r>
                       <a:r>
-                        <a:rPr lang="en-SG" sz="1800" u="sng" dirty="0"/>
-                        <a:t>AddressBook</a:t>
+                        <a:rPr lang="en-US" sz="1800" kern="1200" dirty="0" smtClean="0">
+                          <a:solidFill>
+                            <a:schemeClr val="lt1"/>
+                          </a:solidFill>
+                          <a:effectLst/>
+                          <a:latin typeface="+mn-lt"/>
+                          <a:ea typeface="+mn-ea"/>
+                          <a:cs typeface="+mn-cs"/>
+                        </a:rPr>
+                        <a:t> </a:t>
                       </a:r>
-                      <a:endParaRPr lang="en-SG" u="sng" dirty="0"/>
+                      <a:endParaRPr lang="en-US" sz="1800" kern="1200" dirty="0">
+                        <a:solidFill>
+                          <a:schemeClr val="lt1"/>
+                        </a:solidFill>
+                        <a:effectLst/>
+                        <a:latin typeface="+mn-lt"/>
+                        <a:ea typeface="+mn-ea"/>
+                        <a:cs typeface="+mn-cs"/>
+                      </a:endParaRPr>
                     </a:p>
                   </a:txBody>
                   <a:tcPr/>
                 </a:tc>
                 <a:extLst>
                   <a:ext uri="{0D108BD9-81ED-4DB2-BD59-A6C34878D82A}">
-                    <a16:rowId xmlns:a16="http://schemas.microsoft.com/office/drawing/2014/main" val="2194462629"/>
+                    <a16:rowId xmlns:a16="http://schemas.microsoft.com/office/drawing/2014/main" xmlns="" val="2194462629"/>
                   </a:ext>
                 </a:extLst>
               </a:tr>
@@ -3619,7 +3672,7 @@
           <p:cNvPr id="29" name="TextBox 28">
             <a:extLst>
               <a:ext uri="{FF2B5EF4-FFF2-40B4-BE49-F238E27FC236}">
-                <a16:creationId xmlns:a16="http://schemas.microsoft.com/office/drawing/2014/main" id="{3151A13B-9509-43FA-BFEB-1D9866A00B84}"/>
+                <a16:creationId xmlns:a16="http://schemas.microsoft.com/office/drawing/2014/main" xmlns="" id="{3151A13B-9509-43FA-BFEB-1D9866A00B84}"/>
               </a:ext>
             </a:extLst>
           </p:cNvPr>
@@ -3709,7 +3762,7 @@
           <p:cNvPr id="16" name="Table 15">
             <a:extLst>
               <a:ext uri="{FF2B5EF4-FFF2-40B4-BE49-F238E27FC236}">
-                <a16:creationId xmlns:a16="http://schemas.microsoft.com/office/drawing/2014/main" id="{F545FAB8-F1CE-4886-9BDE-E772BCB0A9C4}"/>
+                <a16:creationId xmlns:a16="http://schemas.microsoft.com/office/drawing/2014/main" xmlns="" id="{F545FAB8-F1CE-4886-9BDE-E772BCB0A9C4}"/>
               </a:ext>
             </a:extLst>
           </p:cNvPr>
@@ -3719,14 +3772,14 @@
           <p:nvPr>
             <p:extLst>
               <p:ext uri="{D42A27DB-BD31-4B8C-83A1-F6EECF244321}">
-                <p14:modId xmlns:p14="http://schemas.microsoft.com/office/powerpoint/2010/main" val="3085921390"/>
+                <p14:modId xmlns:p14="http://schemas.microsoft.com/office/powerpoint/2010/main" val="1404344214"/>
               </p:ext>
             </p:extLst>
           </p:nvPr>
         </p:nvGraphicFramePr>
         <p:xfrm>
-          <a:off x="2440458" y="1476102"/>
-          <a:ext cx="1825824" cy="417888"/>
+          <a:off x="2440457" y="1476102"/>
+          <a:ext cx="1969327" cy="417888"/>
         </p:xfrm>
         <a:graphic>
           <a:graphicData uri="http://schemas.openxmlformats.org/drawingml/2006/table">
@@ -3735,10 +3788,10 @@
                 <a:tableStyleId>{638B1855-1B75-4FBE-930C-398BA8C253C6}</a:tableStyleId>
               </a:tblPr>
               <a:tblGrid>
-                <a:gridCol w="1825824">
+                <a:gridCol w="1969327">
                   <a:extLst>
                     <a:ext uri="{9D8B030D-6E8A-4147-A177-3AD203B41FA5}">
-                      <a16:colId xmlns:a16="http://schemas.microsoft.com/office/drawing/2014/main" val="4240773277"/>
+                      <a16:colId xmlns:a16="http://schemas.microsoft.com/office/drawing/2014/main" xmlns="" val="4240773277"/>
                     </a:ext>
                   </a:extLst>
                 </a:gridCol>
@@ -3750,21 +3803,33 @@
                     <a:lstStyle/>
                     <a:p>
                       <a:r>
-                        <a:rPr lang="en-SG" u="sng" dirty="0"/>
-                        <a:t>ab1:</a:t>
+                        <a:rPr lang="en-US" sz="1800" u="sng" kern="1200" dirty="0" smtClean="0">
+                          <a:solidFill>
+                            <a:schemeClr val="lt1"/>
+                          </a:solidFill>
+                          <a:effectLst/>
+                          <a:latin typeface="+mn-lt"/>
+                          <a:ea typeface="+mn-ea"/>
+                          <a:cs typeface="+mn-cs"/>
+                        </a:rPr>
+                        <a:t>tm1:TaskManager</a:t>
                       </a:r>
-                      <a:r>
-                        <a:rPr lang="en-SG" sz="1800" u="sng" dirty="0"/>
-                        <a:t>AddressBook</a:t>
-                      </a:r>
-                      <a:endParaRPr lang="en-SG" u="sng" dirty="0"/>
+                      <a:endParaRPr lang="en-US" sz="1800" kern="1200" dirty="0">
+                        <a:solidFill>
+                          <a:schemeClr val="lt1"/>
+                        </a:solidFill>
+                        <a:effectLst/>
+                        <a:latin typeface="+mn-lt"/>
+                        <a:ea typeface="+mn-ea"/>
+                        <a:cs typeface="+mn-cs"/>
+                      </a:endParaRPr>
                     </a:p>
                   </a:txBody>
                   <a:tcPr/>
                 </a:tc>
                 <a:extLst>
                   <a:ext uri="{0D108BD9-81ED-4DB2-BD59-A6C34878D82A}">
-                    <a16:rowId xmlns:a16="http://schemas.microsoft.com/office/drawing/2014/main" val="2194462629"/>
+                    <a16:rowId xmlns:a16="http://schemas.microsoft.com/office/drawing/2014/main" xmlns="" val="2194462629"/>
                   </a:ext>
                 </a:extLst>
               </a:tr>
@@ -3777,7 +3842,7 @@
           <p:cNvPr id="20" name="Table 19">
             <a:extLst>
               <a:ext uri="{FF2B5EF4-FFF2-40B4-BE49-F238E27FC236}">
-                <a16:creationId xmlns:a16="http://schemas.microsoft.com/office/drawing/2014/main" id="{F545FAB8-F1CE-4886-9BDE-E772BCB0A9C4}"/>
+                <a16:creationId xmlns:a16="http://schemas.microsoft.com/office/drawing/2014/main" xmlns="" id="{F545FAB8-F1CE-4886-9BDE-E772BCB0A9C4}"/>
               </a:ext>
             </a:extLst>
           </p:cNvPr>
@@ -3787,14 +3852,14 @@
           <p:nvPr>
             <p:extLst>
               <p:ext uri="{D42A27DB-BD31-4B8C-83A1-F6EECF244321}">
-                <p14:modId xmlns:p14="http://schemas.microsoft.com/office/powerpoint/2010/main" val="3504448791"/>
+                <p14:modId xmlns:p14="http://schemas.microsoft.com/office/powerpoint/2010/main" val="965757094"/>
               </p:ext>
             </p:extLst>
           </p:nvPr>
         </p:nvGraphicFramePr>
         <p:xfrm>
-          <a:off x="4409785" y="1476102"/>
-          <a:ext cx="1825824" cy="417888"/>
+          <a:off x="4483354" y="1455082"/>
+          <a:ext cx="1969997" cy="417888"/>
         </p:xfrm>
         <a:graphic>
           <a:graphicData uri="http://schemas.openxmlformats.org/drawingml/2006/table">
@@ -3803,10 +3868,10 @@
                 <a:tableStyleId>{638B1855-1B75-4FBE-930C-398BA8C253C6}</a:tableStyleId>
               </a:tblPr>
               <a:tblGrid>
-                <a:gridCol w="1825824">
+                <a:gridCol w="1969997">
                   <a:extLst>
                     <a:ext uri="{9D8B030D-6E8A-4147-A177-3AD203B41FA5}">
-                      <a16:colId xmlns:a16="http://schemas.microsoft.com/office/drawing/2014/main" val="4240773277"/>
+                      <a16:colId xmlns:a16="http://schemas.microsoft.com/office/drawing/2014/main" xmlns="" val="4240773277"/>
                     </a:ext>
                   </a:extLst>
                 </a:gridCol>
@@ -3818,21 +3883,45 @@
                     <a:lstStyle/>
                     <a:p>
                       <a:r>
-                        <a:rPr lang="en-SG" u="sng" dirty="0"/>
-                        <a:t>ab2:</a:t>
+                        <a:rPr lang="en-US" sz="1800" u="sng" kern="1200" dirty="0" smtClean="0">
+                          <a:solidFill>
+                            <a:schemeClr val="lt1"/>
+                          </a:solidFill>
+                          <a:effectLst/>
+                          <a:latin typeface="+mn-lt"/>
+                          <a:ea typeface="+mn-ea"/>
+                          <a:cs typeface="+mn-cs"/>
+                        </a:rPr>
+                        <a:t>tm2:TaskManager</a:t>
                       </a:r>
                       <a:r>
-                        <a:rPr lang="en-SG" sz="1800" u="sng" dirty="0"/>
-                        <a:t>AddressBook</a:t>
+                        <a:rPr lang="en-US" sz="1800" kern="1200" dirty="0" smtClean="0">
+                          <a:solidFill>
+                            <a:schemeClr val="lt1"/>
+                          </a:solidFill>
+                          <a:effectLst/>
+                          <a:latin typeface="+mn-lt"/>
+                          <a:ea typeface="+mn-ea"/>
+                          <a:cs typeface="+mn-cs"/>
+                        </a:rPr>
+                        <a:t> </a:t>
                       </a:r>
-                      <a:endParaRPr lang="en-SG" u="sng" dirty="0"/>
+                      <a:endParaRPr lang="en-US" sz="1800" kern="1200" dirty="0">
+                        <a:solidFill>
+                          <a:schemeClr val="lt1"/>
+                        </a:solidFill>
+                        <a:effectLst/>
+                        <a:latin typeface="+mn-lt"/>
+                        <a:ea typeface="+mn-ea"/>
+                        <a:cs typeface="+mn-cs"/>
+                      </a:endParaRPr>
                     </a:p>
                   </a:txBody>
                   <a:tcPr/>
                 </a:tc>
                 <a:extLst>
                   <a:ext uri="{0D108BD9-81ED-4DB2-BD59-A6C34878D82A}">
-                    <a16:rowId xmlns:a16="http://schemas.microsoft.com/office/drawing/2014/main" val="2194462629"/>
+                    <a16:rowId xmlns:a16="http://schemas.microsoft.com/office/drawing/2014/main" xmlns="" val="2194462629"/>
                   </a:ext>
                 </a:extLst>
               </a:tr>
@@ -3845,7 +3934,7 @@
           <p:cNvPr id="21" name="Table 20">
             <a:extLst>
               <a:ext uri="{FF2B5EF4-FFF2-40B4-BE49-F238E27FC236}">
-                <a16:creationId xmlns:a16="http://schemas.microsoft.com/office/drawing/2014/main" id="{F545FAB8-F1CE-4886-9BDE-E772BCB0A9C4}"/>
+                <a16:creationId xmlns:a16="http://schemas.microsoft.com/office/drawing/2014/main" xmlns="" id="{F545FAB8-F1CE-4886-9BDE-E772BCB0A9C4}"/>
               </a:ext>
             </a:extLst>
           </p:cNvPr>
@@ -3855,14 +3944,14 @@
           <p:nvPr>
             <p:extLst>
               <p:ext uri="{D42A27DB-BD31-4B8C-83A1-F6EECF244321}">
-                <p14:modId xmlns:p14="http://schemas.microsoft.com/office/powerpoint/2010/main" val="3880678430"/>
+                <p14:modId xmlns:p14="http://schemas.microsoft.com/office/powerpoint/2010/main" val="1942680766"/>
               </p:ext>
             </p:extLst>
           </p:nvPr>
         </p:nvGraphicFramePr>
         <p:xfrm>
-          <a:off x="473240" y="3922133"/>
-          <a:ext cx="1825824" cy="417888"/>
+          <a:off x="364797" y="3922133"/>
+          <a:ext cx="1934267" cy="417888"/>
         </p:xfrm>
         <a:graphic>
           <a:graphicData uri="http://schemas.openxmlformats.org/drawingml/2006/table">
@@ -3871,10 +3960,10 @@
                 <a:tableStyleId>{638B1855-1B75-4FBE-930C-398BA8C253C6}</a:tableStyleId>
               </a:tblPr>
               <a:tblGrid>
-                <a:gridCol w="1825824">
+                <a:gridCol w="1934267">
                   <a:extLst>
                     <a:ext uri="{9D8B030D-6E8A-4147-A177-3AD203B41FA5}">
-                      <a16:colId xmlns:a16="http://schemas.microsoft.com/office/drawing/2014/main" val="4240773277"/>
+                      <a16:colId xmlns:a16="http://schemas.microsoft.com/office/drawing/2014/main" xmlns="" val="4240773277"/>
                     </a:ext>
                   </a:extLst>
                 </a:gridCol>
@@ -3886,21 +3975,45 @@
                     <a:lstStyle/>
                     <a:p>
                       <a:r>
-                        <a:rPr lang="en-SG" u="sng" dirty="0"/>
-                        <a:t>ab0:</a:t>
+                        <a:rPr lang="en-US" sz="1800" u="sng" kern="1200" dirty="0" smtClean="0">
+                          <a:solidFill>
+                            <a:schemeClr val="lt1"/>
+                          </a:solidFill>
+                          <a:effectLst/>
+                          <a:latin typeface="+mn-lt"/>
+                          <a:ea typeface="+mn-ea"/>
+                          <a:cs typeface="+mn-cs"/>
+                        </a:rPr>
+                        <a:t>tm0:TaskManager</a:t>
                       </a:r>
                       <a:r>
-                        <a:rPr lang="en-SG" sz="1800" u="sng" dirty="0"/>
-                        <a:t>AddressBook</a:t>
+                        <a:rPr lang="en-US" sz="1800" kern="1200" dirty="0" smtClean="0">
+                          <a:solidFill>
+                            <a:schemeClr val="lt1"/>
+                          </a:solidFill>
+                          <a:effectLst/>
+                          <a:latin typeface="+mn-lt"/>
+                          <a:ea typeface="+mn-ea"/>
+                          <a:cs typeface="+mn-cs"/>
+                        </a:rPr>
+                        <a:t> </a:t>
                       </a:r>
-                      <a:endParaRPr lang="en-SG" u="sng" dirty="0"/>
+                      <a:endParaRPr lang="en-US" sz="1800" kern="1200" dirty="0">
+                        <a:solidFill>
+                          <a:schemeClr val="lt1"/>
+                        </a:solidFill>
+                        <a:effectLst/>
+                        <a:latin typeface="+mn-lt"/>
+                        <a:ea typeface="+mn-ea"/>
+                        <a:cs typeface="+mn-cs"/>
+                      </a:endParaRPr>
                     </a:p>
                   </a:txBody>
                   <a:tcPr/>
                 </a:tc>
                 <a:extLst>
                   <a:ext uri="{0D108BD9-81ED-4DB2-BD59-A6C34878D82A}">
-                    <a16:rowId xmlns:a16="http://schemas.microsoft.com/office/drawing/2014/main" val="2194462629"/>
+                    <a16:rowId xmlns:a16="http://schemas.microsoft.com/office/drawing/2014/main" xmlns="" val="2194462629"/>
                   </a:ext>
                 </a:extLst>
               </a:tr>
@@ -3913,7 +4026,7 @@
           <p:cNvPr id="22" name="Table 21">
             <a:extLst>
               <a:ext uri="{FF2B5EF4-FFF2-40B4-BE49-F238E27FC236}">
-                <a16:creationId xmlns:a16="http://schemas.microsoft.com/office/drawing/2014/main" id="{F545FAB8-F1CE-4886-9BDE-E772BCB0A9C4}"/>
+                <a16:creationId xmlns:a16="http://schemas.microsoft.com/office/drawing/2014/main" xmlns="" id="{F545FAB8-F1CE-4886-9BDE-E772BCB0A9C4}"/>
               </a:ext>
             </a:extLst>
           </p:cNvPr>
@@ -3923,14 +4036,14 @@
           <p:nvPr>
             <p:extLst>
               <p:ext uri="{D42A27DB-BD31-4B8C-83A1-F6EECF244321}">
-                <p14:modId xmlns:p14="http://schemas.microsoft.com/office/powerpoint/2010/main" val="719723626"/>
+                <p14:modId xmlns:p14="http://schemas.microsoft.com/office/powerpoint/2010/main" val="373681462"/>
               </p:ext>
             </p:extLst>
           </p:nvPr>
         </p:nvGraphicFramePr>
         <p:xfrm>
           <a:off x="2440458" y="3922133"/>
-          <a:ext cx="1825824" cy="417888"/>
+          <a:ext cx="1969326" cy="417888"/>
         </p:xfrm>
         <a:graphic>
           <a:graphicData uri="http://schemas.openxmlformats.org/drawingml/2006/table">
@@ -3939,10 +4052,10 @@
                 <a:tableStyleId>{638B1855-1B75-4FBE-930C-398BA8C253C6}</a:tableStyleId>
               </a:tblPr>
               <a:tblGrid>
-                <a:gridCol w="1825824">
+                <a:gridCol w="1969326">
                   <a:extLst>
                     <a:ext uri="{9D8B030D-6E8A-4147-A177-3AD203B41FA5}">
-                      <a16:colId xmlns:a16="http://schemas.microsoft.com/office/drawing/2014/main" val="4240773277"/>
+                      <a16:colId xmlns:a16="http://schemas.microsoft.com/office/drawing/2014/main" xmlns="" val="4240773277"/>
                     </a:ext>
                   </a:extLst>
                 </a:gridCol>
@@ -3954,21 +4067,33 @@
                     <a:lstStyle/>
                     <a:p>
                       <a:r>
-                        <a:rPr lang="en-SG" u="sng" dirty="0"/>
-                        <a:t>ab1:</a:t>
+                        <a:rPr lang="en-US" sz="1800" u="sng" kern="1200" dirty="0" smtClean="0">
+                          <a:solidFill>
+                            <a:schemeClr val="lt1"/>
+                          </a:solidFill>
+                          <a:effectLst/>
+                          <a:latin typeface="+mn-lt"/>
+                          <a:ea typeface="+mn-ea"/>
+                          <a:cs typeface="+mn-cs"/>
+                        </a:rPr>
+                        <a:t>tm1:TaskManager</a:t>
                       </a:r>
-                      <a:r>
-                        <a:rPr lang="en-SG" sz="1800" u="sng" dirty="0"/>
-                        <a:t>AddressBook</a:t>
-                      </a:r>
-                      <a:endParaRPr lang="en-SG" u="sng" dirty="0"/>
+                      <a:endParaRPr lang="en-US" sz="1800" kern="1200" dirty="0">
+                        <a:solidFill>
+                          <a:schemeClr val="lt1"/>
+                        </a:solidFill>
+                        <a:effectLst/>
+                        <a:latin typeface="+mn-lt"/>
+                        <a:ea typeface="+mn-ea"/>
+                        <a:cs typeface="+mn-cs"/>
+                      </a:endParaRPr>
                     </a:p>
                   </a:txBody>
                   <a:tcPr/>
                 </a:tc>
                 <a:extLst>
                   <a:ext uri="{0D108BD9-81ED-4DB2-BD59-A6C34878D82A}">
-                    <a16:rowId xmlns:a16="http://schemas.microsoft.com/office/drawing/2014/main" val="2194462629"/>
+                    <a16:rowId xmlns:a16="http://schemas.microsoft.com/office/drawing/2014/main" xmlns="" val="2194462629"/>
                   </a:ext>
                 </a:extLst>
               </a:tr>
@@ -3981,7 +4106,7 @@
           <p:cNvPr id="23" name="Table 22">
             <a:extLst>
               <a:ext uri="{FF2B5EF4-FFF2-40B4-BE49-F238E27FC236}">
-                <a16:creationId xmlns:a16="http://schemas.microsoft.com/office/drawing/2014/main" id="{F545FAB8-F1CE-4886-9BDE-E772BCB0A9C4}"/>
+                <a16:creationId xmlns:a16="http://schemas.microsoft.com/office/drawing/2014/main" xmlns="" id="{F545FAB8-F1CE-4886-9BDE-E772BCB0A9C4}"/>
               </a:ext>
             </a:extLst>
           </p:cNvPr>
@@ -3991,14 +4116,14 @@
           <p:nvPr>
             <p:extLst>
               <p:ext uri="{D42A27DB-BD31-4B8C-83A1-F6EECF244321}">
-                <p14:modId xmlns:p14="http://schemas.microsoft.com/office/powerpoint/2010/main" val="3592690620"/>
+                <p14:modId xmlns:p14="http://schemas.microsoft.com/office/powerpoint/2010/main" val="60842262"/>
               </p:ext>
             </p:extLst>
           </p:nvPr>
         </p:nvGraphicFramePr>
         <p:xfrm>
-          <a:off x="4409785" y="3922133"/>
-          <a:ext cx="1825824" cy="417888"/>
+          <a:off x="4513576" y="3930326"/>
+          <a:ext cx="1909551" cy="417888"/>
         </p:xfrm>
         <a:graphic>
           <a:graphicData uri="http://schemas.openxmlformats.org/drawingml/2006/table">
@@ -4007,10 +4132,10 @@
                 <a:tableStyleId>{638B1855-1B75-4FBE-930C-398BA8C253C6}</a:tableStyleId>
               </a:tblPr>
               <a:tblGrid>
-                <a:gridCol w="1825824">
+                <a:gridCol w="1909551">
                   <a:extLst>
                     <a:ext uri="{9D8B030D-6E8A-4147-A177-3AD203B41FA5}">
-                      <a16:colId xmlns:a16="http://schemas.microsoft.com/office/drawing/2014/main" val="4240773277"/>
+                      <a16:colId xmlns:a16="http://schemas.microsoft.com/office/drawing/2014/main" xmlns="" val="4240773277"/>
                     </a:ext>
                   </a:extLst>
                 </a:gridCol>
@@ -4022,21 +4147,45 @@
                     <a:lstStyle/>
                     <a:p>
                       <a:r>
-                        <a:rPr lang="en-SG" u="sng" dirty="0"/>
-                        <a:t>ab2:</a:t>
+                        <a:rPr lang="en-US" sz="1800" u="sng" kern="1200" dirty="0" smtClean="0">
+                          <a:solidFill>
+                            <a:schemeClr val="lt1"/>
+                          </a:solidFill>
+                          <a:effectLst/>
+                          <a:latin typeface="+mn-lt"/>
+                          <a:ea typeface="+mn-ea"/>
+                          <a:cs typeface="+mn-cs"/>
+                        </a:rPr>
+                        <a:t>tm2:TaskManager</a:t>
                       </a:r>
                       <a:r>
-                        <a:rPr lang="en-SG" sz="1800" u="sng" dirty="0"/>
-                        <a:t>AddressBook</a:t>
+                        <a:rPr lang="en-US" sz="1800" kern="1200" dirty="0" smtClean="0">
+                          <a:solidFill>
+                            <a:schemeClr val="lt1"/>
+                          </a:solidFill>
+                          <a:effectLst/>
+                          <a:latin typeface="+mn-lt"/>
+                          <a:ea typeface="+mn-ea"/>
+                          <a:cs typeface="+mn-cs"/>
+                        </a:rPr>
+                        <a:t> </a:t>
                       </a:r>
-                      <a:endParaRPr lang="en-SG" u="sng" dirty="0"/>
+                      <a:endParaRPr lang="en-US" sz="1800" kern="1200" dirty="0">
+                        <a:solidFill>
+                          <a:schemeClr val="lt1"/>
+                        </a:solidFill>
+                        <a:effectLst/>
+                        <a:latin typeface="+mn-lt"/>
+                        <a:ea typeface="+mn-ea"/>
+                        <a:cs typeface="+mn-cs"/>
+                      </a:endParaRPr>
                     </a:p>
                   </a:txBody>
                   <a:tcPr/>
                 </a:tc>
                 <a:extLst>
                   <a:ext uri="{0D108BD9-81ED-4DB2-BD59-A6C34878D82A}">
-                    <a16:rowId xmlns:a16="http://schemas.microsoft.com/office/drawing/2014/main" val="2194462629"/>
+                    <a16:rowId xmlns:a16="http://schemas.microsoft.com/office/drawing/2014/main" xmlns="" val="2194462629"/>
                   </a:ext>
                 </a:extLst>
               </a:tr>
@@ -4049,7 +4198,7 @@
           <p:cNvPr id="19" name="Straight Arrow Connector 18">
             <a:extLst>
               <a:ext uri="{FF2B5EF4-FFF2-40B4-BE49-F238E27FC236}">
-                <a16:creationId xmlns:a16="http://schemas.microsoft.com/office/drawing/2014/main" id="{DC8F2CFA-FFF8-41BD-B884-8ACDF8C96486}"/>
+                <a16:creationId xmlns:a16="http://schemas.microsoft.com/office/drawing/2014/main" xmlns="" id="{DC8F2CFA-FFF8-41BD-B884-8ACDF8C96486}"/>
               </a:ext>
             </a:extLst>
           </p:cNvPr>
@@ -4093,7 +4242,7 @@
           <p:cNvPr id="25" name="Straight Arrow Connector 24">
             <a:extLst>
               <a:ext uri="{FF2B5EF4-FFF2-40B4-BE49-F238E27FC236}">
-                <a16:creationId xmlns:a16="http://schemas.microsoft.com/office/drawing/2014/main" id="{CC39FF7A-ED45-4697-B75C-01E9C1C55F2A}"/>
+                <a16:creationId xmlns:a16="http://schemas.microsoft.com/office/drawing/2014/main" xmlns="" id="{CC39FF7A-ED45-4697-B75C-01E9C1C55F2A}"/>
               </a:ext>
             </a:extLst>
           </p:cNvPr>

--- a/docs/diagrams/UndoRedoExecuteUndoStateListDiagram.pptx
+++ b/docs/diagrams/UndoRedoExecuteUndoStateListDiagram.pptx
@@ -112,10 +112,6 @@
 </p:presentation>
 </file>
 
-<file path=ppt/revisionInfo.xml><?xml version="1.0" encoding="utf-8"?>
-<p1510:revInfo xmlns:a="http://schemas.openxmlformats.org/drawingml/2006/main" xmlns:r="http://schemas.openxmlformats.org/officeDocument/2006/relationships" xmlns:p1510="http://schemas.microsoft.com/office/powerpoint/2015/10/main"/>
-</file>
-
 <file path=ppt/slideLayouts/slideLayout1.xml><?xml version="1.0" encoding="utf-8"?>
 <p:sldLayout xmlns:a="http://schemas.openxmlformats.org/drawingml/2006/main" xmlns:r="http://schemas.openxmlformats.org/officeDocument/2006/relationships" xmlns:p="http://schemas.openxmlformats.org/presentationml/2006/main" type="title" preserve="1">
   <p:cSld name="Title Slide">
@@ -265,7 +261,7 @@
           <a:p>
             <a:fld id="{03EC4E3E-8101-482F-A883-8B55DAFF7C07}" type="datetimeFigureOut">
               <a:rPr lang="en-SG" smtClean="0"/>
-              <a:t>6/7/2018</a:t>
+              <a:t>22/10/2018</a:t>
             </a:fld>
             <a:endParaRPr lang="en-SG"/>
           </a:p>
@@ -465,7 +461,7 @@
           <a:p>
             <a:fld id="{03EC4E3E-8101-482F-A883-8B55DAFF7C07}" type="datetimeFigureOut">
               <a:rPr lang="en-SG" smtClean="0"/>
-              <a:t>6/7/2018</a:t>
+              <a:t>22/10/2018</a:t>
             </a:fld>
             <a:endParaRPr lang="en-SG"/>
           </a:p>
@@ -675,7 +671,7 @@
           <a:p>
             <a:fld id="{03EC4E3E-8101-482F-A883-8B55DAFF7C07}" type="datetimeFigureOut">
               <a:rPr lang="en-SG" smtClean="0"/>
-              <a:t>6/7/2018</a:t>
+              <a:t>22/10/2018</a:t>
             </a:fld>
             <a:endParaRPr lang="en-SG"/>
           </a:p>
@@ -875,7 +871,7 @@
           <a:p>
             <a:fld id="{03EC4E3E-8101-482F-A883-8B55DAFF7C07}" type="datetimeFigureOut">
               <a:rPr lang="en-SG" smtClean="0"/>
-              <a:t>6/7/2018</a:t>
+              <a:t>22/10/2018</a:t>
             </a:fld>
             <a:endParaRPr lang="en-SG"/>
           </a:p>
@@ -1151,7 +1147,7 @@
           <a:p>
             <a:fld id="{03EC4E3E-8101-482F-A883-8B55DAFF7C07}" type="datetimeFigureOut">
               <a:rPr lang="en-SG" smtClean="0"/>
-              <a:t>6/7/2018</a:t>
+              <a:t>22/10/2018</a:t>
             </a:fld>
             <a:endParaRPr lang="en-SG"/>
           </a:p>
@@ -1419,7 +1415,7 @@
           <a:p>
             <a:fld id="{03EC4E3E-8101-482F-A883-8B55DAFF7C07}" type="datetimeFigureOut">
               <a:rPr lang="en-SG" smtClean="0"/>
-              <a:t>6/7/2018</a:t>
+              <a:t>22/10/2018</a:t>
             </a:fld>
             <a:endParaRPr lang="en-SG"/>
           </a:p>
@@ -1834,7 +1830,7 @@
           <a:p>
             <a:fld id="{03EC4E3E-8101-482F-A883-8B55DAFF7C07}" type="datetimeFigureOut">
               <a:rPr lang="en-SG" smtClean="0"/>
-              <a:t>6/7/2018</a:t>
+              <a:t>22/10/2018</a:t>
             </a:fld>
             <a:endParaRPr lang="en-SG"/>
           </a:p>
@@ -1976,7 +1972,7 @@
           <a:p>
             <a:fld id="{03EC4E3E-8101-482F-A883-8B55DAFF7C07}" type="datetimeFigureOut">
               <a:rPr lang="en-SG" smtClean="0"/>
-              <a:t>6/7/2018</a:t>
+              <a:t>22/10/2018</a:t>
             </a:fld>
             <a:endParaRPr lang="en-SG"/>
           </a:p>
@@ -2089,7 +2085,7 @@
           <a:p>
             <a:fld id="{03EC4E3E-8101-482F-A883-8B55DAFF7C07}" type="datetimeFigureOut">
               <a:rPr lang="en-SG" smtClean="0"/>
-              <a:t>6/7/2018</a:t>
+              <a:t>22/10/2018</a:t>
             </a:fld>
             <a:endParaRPr lang="en-SG"/>
           </a:p>
@@ -2402,7 +2398,7 @@
           <a:p>
             <a:fld id="{03EC4E3E-8101-482F-A883-8B55DAFF7C07}" type="datetimeFigureOut">
               <a:rPr lang="en-SG" smtClean="0"/>
-              <a:t>6/7/2018</a:t>
+              <a:t>22/10/2018</a:t>
             </a:fld>
             <a:endParaRPr lang="en-SG"/>
           </a:p>
@@ -2691,7 +2687,7 @@
           <a:p>
             <a:fld id="{03EC4E3E-8101-482F-A883-8B55DAFF7C07}" type="datetimeFigureOut">
               <a:rPr lang="en-SG" smtClean="0"/>
-              <a:t>6/7/2018</a:t>
+              <a:t>22/10/2018</a:t>
             </a:fld>
             <a:endParaRPr lang="en-SG"/>
           </a:p>
@@ -2934,7 +2930,7 @@
           <a:p>
             <a:fld id="{03EC4E3E-8101-482F-A883-8B55DAFF7C07}" type="datetimeFigureOut">
               <a:rPr lang="en-SG" smtClean="0"/>
-              <a:t>6/7/2018</a:t>
+              <a:t>22/10/2018</a:t>
             </a:fld>
             <a:endParaRPr lang="en-SG"/>
           </a:p>
@@ -3365,7 +3361,7 @@
         </p:nvSpPr>
         <p:spPr>
           <a:xfrm>
-            <a:off x="5890055" y="4704348"/>
+            <a:off x="6575855" y="4704348"/>
             <a:ext cx="5504846" cy="646331"/>
           </a:xfrm>
           <a:prstGeom prst="rect">
@@ -3407,7 +3403,15 @@
             <a:pPr algn="ctr"/>
             <a:r>
               <a:rPr lang="en-SG" dirty="0"/>
-              <a:t>The state of the address book (before ‘add n/David …’ was executed) will be restored to state ab1.</a:t>
+              <a:t>The state of the schedule planner(before ‘add n/CS2100 </a:t>
+            </a:r>
+            <a:r>
+              <a:rPr lang="en-SG" dirty="0" err="1"/>
+              <a:t>Lec</a:t>
+            </a:r>
+            <a:r>
+              <a:rPr lang="en-SG" dirty="0"/>
+              <a:t> …’ was executed) will be restored to state sp1.</a:t>
             </a:r>
           </a:p>
         </p:txBody>
@@ -3420,7 +3424,7 @@
         </p:nvSpPr>
         <p:spPr>
           <a:xfrm>
-            <a:off x="7512000" y="2116184"/>
+            <a:off x="8197800" y="2116184"/>
             <a:ext cx="1335908" cy="1558834"/>
           </a:xfrm>
           <a:prstGeom prst="downArrow">
@@ -3470,7 +3474,7 @@
         </p:nvSpPr>
         <p:spPr>
           <a:xfrm>
-            <a:off x="3917960" y="2726030"/>
+            <a:off x="4603760" y="2726030"/>
             <a:ext cx="3207000" cy="369332"/>
           </a:xfrm>
           <a:prstGeom prst="rect">
@@ -3515,14 +3519,14 @@
           <p:nvPr>
             <p:extLst>
               <p:ext uri="{D42A27DB-BD31-4B8C-83A1-F6EECF244321}">
-                <p14:modId xmlns:p14="http://schemas.microsoft.com/office/powerpoint/2010/main" val="1674993041"/>
+                <p14:modId xmlns:p14="http://schemas.microsoft.com/office/powerpoint/2010/main" val="4218053055"/>
               </p:ext>
             </p:extLst>
           </p:nvPr>
         </p:nvGraphicFramePr>
         <p:xfrm>
           <a:off x="473240" y="1476102"/>
-          <a:ext cx="1825824" cy="417888"/>
+          <a:ext cx="2140238" cy="417888"/>
         </p:xfrm>
         <a:graphic>
           <a:graphicData uri="http://schemas.openxmlformats.org/drawingml/2006/table">
@@ -3531,7 +3535,7 @@
                 <a:tableStyleId>{638B1855-1B75-4FBE-930C-398BA8C253C6}</a:tableStyleId>
               </a:tblPr>
               <a:tblGrid>
-                <a:gridCol w="1825824">
+                <a:gridCol w="2140238">
                   <a:extLst>
                     <a:ext uri="{9D8B030D-6E8A-4147-A177-3AD203B41FA5}">
                       <a16:colId xmlns:a16="http://schemas.microsoft.com/office/drawing/2014/main" val="4240773277"/>
@@ -3547,11 +3551,11 @@
                     <a:p>
                       <a:r>
                         <a:rPr lang="en-SG" u="sng" dirty="0"/>
-                        <a:t>ab0:</a:t>
+                        <a:t>sp0:</a:t>
                       </a:r>
                       <a:r>
                         <a:rPr lang="en-SG" sz="1800" u="sng" dirty="0"/>
-                        <a:t>AddressBook</a:t>
+                        <a:t>SchedulePlanner</a:t>
                       </a:r>
                       <a:endParaRPr lang="en-SG" u="sng" dirty="0"/>
                     </a:p>
@@ -3628,7 +3632,7 @@
         </p:nvSpPr>
         <p:spPr>
           <a:xfrm>
-            <a:off x="1939992" y="5234888"/>
+            <a:off x="2256515" y="5234888"/>
             <a:ext cx="3207000" cy="369332"/>
           </a:xfrm>
           <a:prstGeom prst="rect">
@@ -3719,14 +3723,14 @@
           <p:nvPr>
             <p:extLst>
               <p:ext uri="{D42A27DB-BD31-4B8C-83A1-F6EECF244321}">
-                <p14:modId xmlns:p14="http://schemas.microsoft.com/office/powerpoint/2010/main" val="3085921390"/>
+                <p14:modId xmlns:p14="http://schemas.microsoft.com/office/powerpoint/2010/main" val="1484837435"/>
               </p:ext>
             </p:extLst>
           </p:nvPr>
         </p:nvGraphicFramePr>
         <p:xfrm>
-          <a:off x="2440458" y="1476102"/>
-          <a:ext cx="1825824" cy="417888"/>
+          <a:off x="2756981" y="1476102"/>
+          <a:ext cx="2140238" cy="417888"/>
         </p:xfrm>
         <a:graphic>
           <a:graphicData uri="http://schemas.openxmlformats.org/drawingml/2006/table">
@@ -3735,7 +3739,7 @@
                 <a:tableStyleId>{638B1855-1B75-4FBE-930C-398BA8C253C6}</a:tableStyleId>
               </a:tblPr>
               <a:tblGrid>
-                <a:gridCol w="1825824">
+                <a:gridCol w="2140238">
                   <a:extLst>
                     <a:ext uri="{9D8B030D-6E8A-4147-A177-3AD203B41FA5}">
                       <a16:colId xmlns:a16="http://schemas.microsoft.com/office/drawing/2014/main" val="4240773277"/>
@@ -3751,11 +3755,11 @@
                     <a:p>
                       <a:r>
                         <a:rPr lang="en-SG" u="sng" dirty="0"/>
-                        <a:t>ab1:</a:t>
+                        <a:t>sp1:</a:t>
                       </a:r>
                       <a:r>
                         <a:rPr lang="en-SG" sz="1800" u="sng" dirty="0"/>
-                        <a:t>AddressBook</a:t>
+                        <a:t>SchedulePlanner</a:t>
                       </a:r>
                       <a:endParaRPr lang="en-SG" u="sng" dirty="0"/>
                     </a:p>
@@ -3787,14 +3791,14 @@
           <p:nvPr>
             <p:extLst>
               <p:ext uri="{D42A27DB-BD31-4B8C-83A1-F6EECF244321}">
-                <p14:modId xmlns:p14="http://schemas.microsoft.com/office/powerpoint/2010/main" val="3504448791"/>
+                <p14:modId xmlns:p14="http://schemas.microsoft.com/office/powerpoint/2010/main" val="1507003716"/>
               </p:ext>
             </p:extLst>
           </p:nvPr>
         </p:nvGraphicFramePr>
         <p:xfrm>
-          <a:off x="4409785" y="1476102"/>
-          <a:ext cx="1825824" cy="417888"/>
+          <a:off x="5095584" y="1476102"/>
+          <a:ext cx="2140237" cy="417888"/>
         </p:xfrm>
         <a:graphic>
           <a:graphicData uri="http://schemas.openxmlformats.org/drawingml/2006/table">
@@ -3803,7 +3807,7 @@
                 <a:tableStyleId>{638B1855-1B75-4FBE-930C-398BA8C253C6}</a:tableStyleId>
               </a:tblPr>
               <a:tblGrid>
-                <a:gridCol w="1825824">
+                <a:gridCol w="2140237">
                   <a:extLst>
                     <a:ext uri="{9D8B030D-6E8A-4147-A177-3AD203B41FA5}">
                       <a16:colId xmlns:a16="http://schemas.microsoft.com/office/drawing/2014/main" val="4240773277"/>
@@ -3819,11 +3823,11 @@
                     <a:p>
                       <a:r>
                         <a:rPr lang="en-SG" u="sng" dirty="0"/>
-                        <a:t>ab2:</a:t>
+                        <a:t>sp2:</a:t>
                       </a:r>
                       <a:r>
                         <a:rPr lang="en-SG" sz="1800" u="sng" dirty="0"/>
-                        <a:t>AddressBook</a:t>
+                        <a:t>SchedulePlanner</a:t>
                       </a:r>
                       <a:endParaRPr lang="en-SG" u="sng" dirty="0"/>
                     </a:p>
@@ -3855,14 +3859,14 @@
           <p:nvPr>
             <p:extLst>
               <p:ext uri="{D42A27DB-BD31-4B8C-83A1-F6EECF244321}">
-                <p14:modId xmlns:p14="http://schemas.microsoft.com/office/powerpoint/2010/main" val="3880678430"/>
+                <p14:modId xmlns:p14="http://schemas.microsoft.com/office/powerpoint/2010/main" val="2752329395"/>
               </p:ext>
             </p:extLst>
           </p:nvPr>
         </p:nvGraphicFramePr>
         <p:xfrm>
           <a:off x="473240" y="3922133"/>
-          <a:ext cx="1825824" cy="417888"/>
+          <a:ext cx="2140238" cy="417888"/>
         </p:xfrm>
         <a:graphic>
           <a:graphicData uri="http://schemas.openxmlformats.org/drawingml/2006/table">
@@ -3871,7 +3875,7 @@
                 <a:tableStyleId>{638B1855-1B75-4FBE-930C-398BA8C253C6}</a:tableStyleId>
               </a:tblPr>
               <a:tblGrid>
-                <a:gridCol w="1825824">
+                <a:gridCol w="2140238">
                   <a:extLst>
                     <a:ext uri="{9D8B030D-6E8A-4147-A177-3AD203B41FA5}">
                       <a16:colId xmlns:a16="http://schemas.microsoft.com/office/drawing/2014/main" val="4240773277"/>
@@ -3887,11 +3891,11 @@
                     <a:p>
                       <a:r>
                         <a:rPr lang="en-SG" u="sng" dirty="0"/>
-                        <a:t>ab0:</a:t>
+                        <a:t>sp0:</a:t>
                       </a:r>
                       <a:r>
                         <a:rPr lang="en-SG" sz="1800" u="sng" dirty="0"/>
-                        <a:t>AddressBook</a:t>
+                        <a:t>SchedulePlanner</a:t>
                       </a:r>
                       <a:endParaRPr lang="en-SG" u="sng" dirty="0"/>
                     </a:p>
@@ -3923,14 +3927,14 @@
           <p:nvPr>
             <p:extLst>
               <p:ext uri="{D42A27DB-BD31-4B8C-83A1-F6EECF244321}">
-                <p14:modId xmlns:p14="http://schemas.microsoft.com/office/powerpoint/2010/main" val="719723626"/>
+                <p14:modId xmlns:p14="http://schemas.microsoft.com/office/powerpoint/2010/main" val="341091899"/>
               </p:ext>
             </p:extLst>
           </p:nvPr>
         </p:nvGraphicFramePr>
         <p:xfrm>
-          <a:off x="2440458" y="3922133"/>
-          <a:ext cx="1825824" cy="417888"/>
+          <a:off x="2756981" y="3922133"/>
+          <a:ext cx="2140238" cy="417888"/>
         </p:xfrm>
         <a:graphic>
           <a:graphicData uri="http://schemas.openxmlformats.org/drawingml/2006/table">
@@ -3939,7 +3943,7 @@
                 <a:tableStyleId>{638B1855-1B75-4FBE-930C-398BA8C253C6}</a:tableStyleId>
               </a:tblPr>
               <a:tblGrid>
-                <a:gridCol w="1825824">
+                <a:gridCol w="2140238">
                   <a:extLst>
                     <a:ext uri="{9D8B030D-6E8A-4147-A177-3AD203B41FA5}">
                       <a16:colId xmlns:a16="http://schemas.microsoft.com/office/drawing/2014/main" val="4240773277"/>
@@ -3955,11 +3959,11 @@
                     <a:p>
                       <a:r>
                         <a:rPr lang="en-SG" u="sng" dirty="0"/>
-                        <a:t>ab1:</a:t>
+                        <a:t>sp1:</a:t>
                       </a:r>
                       <a:r>
                         <a:rPr lang="en-SG" sz="1800" u="sng" dirty="0"/>
-                        <a:t>AddressBook</a:t>
+                        <a:t>SchedulePlanner</a:t>
                       </a:r>
                       <a:endParaRPr lang="en-SG" u="sng" dirty="0"/>
                     </a:p>
@@ -3991,14 +3995,14 @@
           <p:nvPr>
             <p:extLst>
               <p:ext uri="{D42A27DB-BD31-4B8C-83A1-F6EECF244321}">
-                <p14:modId xmlns:p14="http://schemas.microsoft.com/office/powerpoint/2010/main" val="3592690620"/>
+                <p14:modId xmlns:p14="http://schemas.microsoft.com/office/powerpoint/2010/main" val="2654598802"/>
               </p:ext>
             </p:extLst>
           </p:nvPr>
         </p:nvGraphicFramePr>
         <p:xfrm>
-          <a:off x="4409785" y="3922133"/>
-          <a:ext cx="1825824" cy="417888"/>
+          <a:off x="5095585" y="3922133"/>
+          <a:ext cx="2140236" cy="417888"/>
         </p:xfrm>
         <a:graphic>
           <a:graphicData uri="http://schemas.openxmlformats.org/drawingml/2006/table">
@@ -4007,7 +4011,7 @@
                 <a:tableStyleId>{638B1855-1B75-4FBE-930C-398BA8C253C6}</a:tableStyleId>
               </a:tblPr>
               <a:tblGrid>
-                <a:gridCol w="1825824">
+                <a:gridCol w="2140236">
                   <a:extLst>
                     <a:ext uri="{9D8B030D-6E8A-4147-A177-3AD203B41FA5}">
                       <a16:colId xmlns:a16="http://schemas.microsoft.com/office/drawing/2014/main" val="4240773277"/>
@@ -4023,11 +4027,11 @@
                     <a:p>
                       <a:r>
                         <a:rPr lang="en-SG" u="sng" dirty="0"/>
-                        <a:t>ab2:</a:t>
+                        <a:t>sp2:</a:t>
                       </a:r>
                       <a:r>
                         <a:rPr lang="en-SG" sz="1800" u="sng" dirty="0"/>
-                        <a:t>AddressBook</a:t>
+                        <a:t>SchedulePlanner</a:t>
                       </a:r>
                       <a:endParaRPr lang="en-SG" u="sng" dirty="0"/>
                     </a:p>
@@ -4060,7 +4064,7 @@
         </p:nvCxnSpPr>
         <p:spPr>
           <a:xfrm flipV="1">
-            <a:off x="5377343" y="2019157"/>
+            <a:off x="6063143" y="2019157"/>
             <a:ext cx="0" cy="706873"/>
           </a:xfrm>
           <a:prstGeom prst="straightConnector1">
@@ -4104,7 +4108,7 @@
         </p:nvCxnSpPr>
         <p:spPr>
           <a:xfrm flipV="1">
-            <a:off x="3380763" y="4504888"/>
+            <a:off x="3697286" y="4504888"/>
             <a:ext cx="0" cy="730001"/>
           </a:xfrm>
           <a:prstGeom prst="straightConnector1">

--- a/docs/diagrams/UndoRedoExecuteUndoStateListDiagram.pptx
+++ b/docs/diagrams/UndoRedoExecuteUndoStateListDiagram.pptx
@@ -112,10 +112,6 @@
 </p:presentation>
 </file>
 
-<file path=ppt/revisionInfo.xml><?xml version="1.0" encoding="utf-8"?>
-<p1510:revInfo xmlns:a="http://schemas.openxmlformats.org/drawingml/2006/main" xmlns:r="http://schemas.openxmlformats.org/officeDocument/2006/relationships" xmlns:p1510="http://schemas.microsoft.com/office/powerpoint/2015/10/main"/>
-</file>
-
 <file path=ppt/slideLayouts/slideLayout1.xml><?xml version="1.0" encoding="utf-8"?>
 <p:sldLayout xmlns:a="http://schemas.openxmlformats.org/drawingml/2006/main" xmlns:r="http://schemas.openxmlformats.org/officeDocument/2006/relationships" xmlns:p="http://schemas.openxmlformats.org/presentationml/2006/main" type="title" preserve="1">
   <p:cSld name="Title Slide">
@@ -265,7 +261,7 @@
           <a:p>
             <a:fld id="{03EC4E3E-8101-482F-A883-8B55DAFF7C07}" type="datetimeFigureOut">
               <a:rPr lang="en-SG" smtClean="0"/>
-              <a:t>6/7/2018</a:t>
+              <a:t>6/11/2018</a:t>
             </a:fld>
             <a:endParaRPr lang="en-SG"/>
           </a:p>
@@ -465,7 +461,7 @@
           <a:p>
             <a:fld id="{03EC4E3E-8101-482F-A883-8B55DAFF7C07}" type="datetimeFigureOut">
               <a:rPr lang="en-SG" smtClean="0"/>
-              <a:t>6/7/2018</a:t>
+              <a:t>6/11/2018</a:t>
             </a:fld>
             <a:endParaRPr lang="en-SG"/>
           </a:p>
@@ -675,7 +671,7 @@
           <a:p>
             <a:fld id="{03EC4E3E-8101-482F-A883-8B55DAFF7C07}" type="datetimeFigureOut">
               <a:rPr lang="en-SG" smtClean="0"/>
-              <a:t>6/7/2018</a:t>
+              <a:t>6/11/2018</a:t>
             </a:fld>
             <a:endParaRPr lang="en-SG"/>
           </a:p>
@@ -875,7 +871,7 @@
           <a:p>
             <a:fld id="{03EC4E3E-8101-482F-A883-8B55DAFF7C07}" type="datetimeFigureOut">
               <a:rPr lang="en-SG" smtClean="0"/>
-              <a:t>6/7/2018</a:t>
+              <a:t>6/11/2018</a:t>
             </a:fld>
             <a:endParaRPr lang="en-SG"/>
           </a:p>
@@ -1151,7 +1147,7 @@
           <a:p>
             <a:fld id="{03EC4E3E-8101-482F-A883-8B55DAFF7C07}" type="datetimeFigureOut">
               <a:rPr lang="en-SG" smtClean="0"/>
-              <a:t>6/7/2018</a:t>
+              <a:t>6/11/2018</a:t>
             </a:fld>
             <a:endParaRPr lang="en-SG"/>
           </a:p>
@@ -1419,7 +1415,7 @@
           <a:p>
             <a:fld id="{03EC4E3E-8101-482F-A883-8B55DAFF7C07}" type="datetimeFigureOut">
               <a:rPr lang="en-SG" smtClean="0"/>
-              <a:t>6/7/2018</a:t>
+              <a:t>6/11/2018</a:t>
             </a:fld>
             <a:endParaRPr lang="en-SG"/>
           </a:p>
@@ -1834,7 +1830,7 @@
           <a:p>
             <a:fld id="{03EC4E3E-8101-482F-A883-8B55DAFF7C07}" type="datetimeFigureOut">
               <a:rPr lang="en-SG" smtClean="0"/>
-              <a:t>6/7/2018</a:t>
+              <a:t>6/11/2018</a:t>
             </a:fld>
             <a:endParaRPr lang="en-SG"/>
           </a:p>
@@ -1976,7 +1972,7 @@
           <a:p>
             <a:fld id="{03EC4E3E-8101-482F-A883-8B55DAFF7C07}" type="datetimeFigureOut">
               <a:rPr lang="en-SG" smtClean="0"/>
-              <a:t>6/7/2018</a:t>
+              <a:t>6/11/2018</a:t>
             </a:fld>
             <a:endParaRPr lang="en-SG"/>
           </a:p>
@@ -2089,7 +2085,7 @@
           <a:p>
             <a:fld id="{03EC4E3E-8101-482F-A883-8B55DAFF7C07}" type="datetimeFigureOut">
               <a:rPr lang="en-SG" smtClean="0"/>
-              <a:t>6/7/2018</a:t>
+              <a:t>6/11/2018</a:t>
             </a:fld>
             <a:endParaRPr lang="en-SG"/>
           </a:p>
@@ -2402,7 +2398,7 @@
           <a:p>
             <a:fld id="{03EC4E3E-8101-482F-A883-8B55DAFF7C07}" type="datetimeFigureOut">
               <a:rPr lang="en-SG" smtClean="0"/>
-              <a:t>6/7/2018</a:t>
+              <a:t>6/11/2018</a:t>
             </a:fld>
             <a:endParaRPr lang="en-SG"/>
           </a:p>
@@ -2691,7 +2687,7 @@
           <a:p>
             <a:fld id="{03EC4E3E-8101-482F-A883-8B55DAFF7C07}" type="datetimeFigureOut">
               <a:rPr lang="en-SG" smtClean="0"/>
-              <a:t>6/7/2018</a:t>
+              <a:t>6/11/2018</a:t>
             </a:fld>
             <a:endParaRPr lang="en-SG"/>
           </a:p>
@@ -2934,7 +2930,7 @@
           <a:p>
             <a:fld id="{03EC4E3E-8101-482F-A883-8B55DAFF7C07}" type="datetimeFigureOut">
               <a:rPr lang="en-SG" smtClean="0"/>
-              <a:t>6/7/2018</a:t>
+              <a:t>6/11/2018</a:t>
             </a:fld>
             <a:endParaRPr lang="en-SG"/>
           </a:p>
@@ -3407,7 +3403,7 @@
             <a:pPr algn="ctr"/>
             <a:r>
               <a:rPr lang="en-SG" dirty="0"/>
-              <a:t>The state of the address book (before ‘add n/David …’ was executed) will be restored to state ab1.</a:t>
+              <a:t>The state of the article list (before ‘add n/Wallet …’ was executed) will be restored to state al1.</a:t>
             </a:r>
           </a:p>
         </p:txBody>
@@ -3515,7 +3511,7 @@
           <p:nvPr>
             <p:extLst>
               <p:ext uri="{D42A27DB-BD31-4B8C-83A1-F6EECF244321}">
-                <p14:modId xmlns:p14="http://schemas.microsoft.com/office/powerpoint/2010/main" val="1674993041"/>
+                <p14:modId xmlns:p14="http://schemas.microsoft.com/office/powerpoint/2010/main" val="4263944023"/>
               </p:ext>
             </p:extLst>
           </p:nvPr>
@@ -3545,13 +3541,14 @@
                     <a:bodyPr/>
                     <a:lstStyle/>
                     <a:p>
+                      <a:pPr algn="ctr"/>
                       <a:r>
                         <a:rPr lang="en-SG" u="sng" dirty="0"/>
-                        <a:t>ab0:</a:t>
+                        <a:t>al0:</a:t>
                       </a:r>
                       <a:r>
                         <a:rPr lang="en-SG" sz="1800" u="sng" dirty="0"/>
-                        <a:t>AddressBook</a:t>
+                        <a:t>ArticleList</a:t>
                       </a:r>
                       <a:endParaRPr lang="en-SG" u="sng" dirty="0"/>
                     </a:p>
@@ -3719,7 +3716,7 @@
           <p:nvPr>
             <p:extLst>
               <p:ext uri="{D42A27DB-BD31-4B8C-83A1-F6EECF244321}">
-                <p14:modId xmlns:p14="http://schemas.microsoft.com/office/powerpoint/2010/main" val="3085921390"/>
+                <p14:modId xmlns:p14="http://schemas.microsoft.com/office/powerpoint/2010/main" val="428048978"/>
               </p:ext>
             </p:extLst>
           </p:nvPr>
@@ -3749,13 +3746,14 @@
                     <a:bodyPr/>
                     <a:lstStyle/>
                     <a:p>
+                      <a:pPr algn="ctr"/>
                       <a:r>
                         <a:rPr lang="en-SG" u="sng" dirty="0"/>
-                        <a:t>ab1:</a:t>
+                        <a:t>al1:</a:t>
                       </a:r>
                       <a:r>
                         <a:rPr lang="en-SG" sz="1800" u="sng" dirty="0"/>
-                        <a:t>AddressBook</a:t>
+                        <a:t>ArticleList</a:t>
                       </a:r>
                       <a:endParaRPr lang="en-SG" u="sng" dirty="0"/>
                     </a:p>
@@ -3787,7 +3785,7 @@
           <p:nvPr>
             <p:extLst>
               <p:ext uri="{D42A27DB-BD31-4B8C-83A1-F6EECF244321}">
-                <p14:modId xmlns:p14="http://schemas.microsoft.com/office/powerpoint/2010/main" val="3504448791"/>
+                <p14:modId xmlns:p14="http://schemas.microsoft.com/office/powerpoint/2010/main" val="1063506559"/>
               </p:ext>
             </p:extLst>
           </p:nvPr>
@@ -3817,217 +3815,14 @@
                     <a:bodyPr/>
                     <a:lstStyle/>
                     <a:p>
+                      <a:pPr algn="ctr"/>
                       <a:r>
                         <a:rPr lang="en-SG" u="sng" dirty="0"/>
-                        <a:t>ab2:</a:t>
+                        <a:t>al2:</a:t>
                       </a:r>
                       <a:r>
                         <a:rPr lang="en-SG" sz="1800" u="sng" dirty="0"/>
-                        <a:t>AddressBook</a:t>
-                      </a:r>
-                      <a:endParaRPr lang="en-SG" u="sng" dirty="0"/>
-                    </a:p>
-                  </a:txBody>
-                  <a:tcPr/>
-                </a:tc>
-                <a:extLst>
-                  <a:ext uri="{0D108BD9-81ED-4DB2-BD59-A6C34878D82A}">
-                    <a16:rowId xmlns:a16="http://schemas.microsoft.com/office/drawing/2014/main" val="2194462629"/>
-                  </a:ext>
-                </a:extLst>
-              </a:tr>
-            </a:tbl>
-          </a:graphicData>
-        </a:graphic>
-      </p:graphicFrame>
-      <p:graphicFrame>
-        <p:nvGraphicFramePr>
-          <p:cNvPr id="21" name="Table 20">
-            <a:extLst>
-              <a:ext uri="{FF2B5EF4-FFF2-40B4-BE49-F238E27FC236}">
-                <a16:creationId xmlns:a16="http://schemas.microsoft.com/office/drawing/2014/main" id="{F545FAB8-F1CE-4886-9BDE-E772BCB0A9C4}"/>
-              </a:ext>
-            </a:extLst>
-          </p:cNvPr>
-          <p:cNvGraphicFramePr>
-            <a:graphicFrameLocks noGrp="1"/>
-          </p:cNvGraphicFramePr>
-          <p:nvPr>
-            <p:extLst>
-              <p:ext uri="{D42A27DB-BD31-4B8C-83A1-F6EECF244321}">
-                <p14:modId xmlns:p14="http://schemas.microsoft.com/office/powerpoint/2010/main" val="3880678430"/>
-              </p:ext>
-            </p:extLst>
-          </p:nvPr>
-        </p:nvGraphicFramePr>
-        <p:xfrm>
-          <a:off x="473240" y="3922133"/>
-          <a:ext cx="1825824" cy="417888"/>
-        </p:xfrm>
-        <a:graphic>
-          <a:graphicData uri="http://schemas.openxmlformats.org/drawingml/2006/table">
-            <a:tbl>
-              <a:tblPr>
-                <a:tableStyleId>{638B1855-1B75-4FBE-930C-398BA8C253C6}</a:tableStyleId>
-              </a:tblPr>
-              <a:tblGrid>
-                <a:gridCol w="1825824">
-                  <a:extLst>
-                    <a:ext uri="{9D8B030D-6E8A-4147-A177-3AD203B41FA5}">
-                      <a16:colId xmlns:a16="http://schemas.microsoft.com/office/drawing/2014/main" val="4240773277"/>
-                    </a:ext>
-                  </a:extLst>
-                </a:gridCol>
-              </a:tblGrid>
-              <a:tr h="417888">
-                <a:tc>
-                  <a:txBody>
-                    <a:bodyPr/>
-                    <a:lstStyle/>
-                    <a:p>
-                      <a:r>
-                        <a:rPr lang="en-SG" u="sng" dirty="0"/>
-                        <a:t>ab0:</a:t>
-                      </a:r>
-                      <a:r>
-                        <a:rPr lang="en-SG" sz="1800" u="sng" dirty="0"/>
-                        <a:t>AddressBook</a:t>
-                      </a:r>
-                      <a:endParaRPr lang="en-SG" u="sng" dirty="0"/>
-                    </a:p>
-                  </a:txBody>
-                  <a:tcPr/>
-                </a:tc>
-                <a:extLst>
-                  <a:ext uri="{0D108BD9-81ED-4DB2-BD59-A6C34878D82A}">
-                    <a16:rowId xmlns:a16="http://schemas.microsoft.com/office/drawing/2014/main" val="2194462629"/>
-                  </a:ext>
-                </a:extLst>
-              </a:tr>
-            </a:tbl>
-          </a:graphicData>
-        </a:graphic>
-      </p:graphicFrame>
-      <p:graphicFrame>
-        <p:nvGraphicFramePr>
-          <p:cNvPr id="22" name="Table 21">
-            <a:extLst>
-              <a:ext uri="{FF2B5EF4-FFF2-40B4-BE49-F238E27FC236}">
-                <a16:creationId xmlns:a16="http://schemas.microsoft.com/office/drawing/2014/main" id="{F545FAB8-F1CE-4886-9BDE-E772BCB0A9C4}"/>
-              </a:ext>
-            </a:extLst>
-          </p:cNvPr>
-          <p:cNvGraphicFramePr>
-            <a:graphicFrameLocks noGrp="1"/>
-          </p:cNvGraphicFramePr>
-          <p:nvPr>
-            <p:extLst>
-              <p:ext uri="{D42A27DB-BD31-4B8C-83A1-F6EECF244321}">
-                <p14:modId xmlns:p14="http://schemas.microsoft.com/office/powerpoint/2010/main" val="719723626"/>
-              </p:ext>
-            </p:extLst>
-          </p:nvPr>
-        </p:nvGraphicFramePr>
-        <p:xfrm>
-          <a:off x="2440458" y="3922133"/>
-          <a:ext cx="1825824" cy="417888"/>
-        </p:xfrm>
-        <a:graphic>
-          <a:graphicData uri="http://schemas.openxmlformats.org/drawingml/2006/table">
-            <a:tbl>
-              <a:tblPr>
-                <a:tableStyleId>{638B1855-1B75-4FBE-930C-398BA8C253C6}</a:tableStyleId>
-              </a:tblPr>
-              <a:tblGrid>
-                <a:gridCol w="1825824">
-                  <a:extLst>
-                    <a:ext uri="{9D8B030D-6E8A-4147-A177-3AD203B41FA5}">
-                      <a16:colId xmlns:a16="http://schemas.microsoft.com/office/drawing/2014/main" val="4240773277"/>
-                    </a:ext>
-                  </a:extLst>
-                </a:gridCol>
-              </a:tblGrid>
-              <a:tr h="417888">
-                <a:tc>
-                  <a:txBody>
-                    <a:bodyPr/>
-                    <a:lstStyle/>
-                    <a:p>
-                      <a:r>
-                        <a:rPr lang="en-SG" u="sng" dirty="0"/>
-                        <a:t>ab1:</a:t>
-                      </a:r>
-                      <a:r>
-                        <a:rPr lang="en-SG" sz="1800" u="sng" dirty="0"/>
-                        <a:t>AddressBook</a:t>
-                      </a:r>
-                      <a:endParaRPr lang="en-SG" u="sng" dirty="0"/>
-                    </a:p>
-                  </a:txBody>
-                  <a:tcPr/>
-                </a:tc>
-                <a:extLst>
-                  <a:ext uri="{0D108BD9-81ED-4DB2-BD59-A6C34878D82A}">
-                    <a16:rowId xmlns:a16="http://schemas.microsoft.com/office/drawing/2014/main" val="2194462629"/>
-                  </a:ext>
-                </a:extLst>
-              </a:tr>
-            </a:tbl>
-          </a:graphicData>
-        </a:graphic>
-      </p:graphicFrame>
-      <p:graphicFrame>
-        <p:nvGraphicFramePr>
-          <p:cNvPr id="23" name="Table 22">
-            <a:extLst>
-              <a:ext uri="{FF2B5EF4-FFF2-40B4-BE49-F238E27FC236}">
-                <a16:creationId xmlns:a16="http://schemas.microsoft.com/office/drawing/2014/main" id="{F545FAB8-F1CE-4886-9BDE-E772BCB0A9C4}"/>
-              </a:ext>
-            </a:extLst>
-          </p:cNvPr>
-          <p:cNvGraphicFramePr>
-            <a:graphicFrameLocks noGrp="1"/>
-          </p:cNvGraphicFramePr>
-          <p:nvPr>
-            <p:extLst>
-              <p:ext uri="{D42A27DB-BD31-4B8C-83A1-F6EECF244321}">
-                <p14:modId xmlns:p14="http://schemas.microsoft.com/office/powerpoint/2010/main" val="3592690620"/>
-              </p:ext>
-            </p:extLst>
-          </p:nvPr>
-        </p:nvGraphicFramePr>
-        <p:xfrm>
-          <a:off x="4409785" y="3922133"/>
-          <a:ext cx="1825824" cy="417888"/>
-        </p:xfrm>
-        <a:graphic>
-          <a:graphicData uri="http://schemas.openxmlformats.org/drawingml/2006/table">
-            <a:tbl>
-              <a:tblPr>
-                <a:tableStyleId>{638B1855-1B75-4FBE-930C-398BA8C253C6}</a:tableStyleId>
-              </a:tblPr>
-              <a:tblGrid>
-                <a:gridCol w="1825824">
-                  <a:extLst>
-                    <a:ext uri="{9D8B030D-6E8A-4147-A177-3AD203B41FA5}">
-                      <a16:colId xmlns:a16="http://schemas.microsoft.com/office/drawing/2014/main" val="4240773277"/>
-                    </a:ext>
-                  </a:extLst>
-                </a:gridCol>
-              </a:tblGrid>
-              <a:tr h="417888">
-                <a:tc>
-                  <a:txBody>
-                    <a:bodyPr/>
-                    <a:lstStyle/>
-                    <a:p>
-                      <a:r>
-                        <a:rPr lang="en-SG" u="sng" dirty="0"/>
-                        <a:t>ab2:</a:t>
-                      </a:r>
-                      <a:r>
-                        <a:rPr lang="en-SG" sz="1800" u="sng" dirty="0"/>
-                        <a:t>AddressBook</a:t>
+                        <a:t>ArticleList</a:t>
                       </a:r>
                       <a:endParaRPr lang="en-SG" u="sng" dirty="0"/>
                     </a:p>
@@ -4132,6 +3927,213 @@
           </a:fontRef>
         </p:style>
       </p:cxnSp>
+      <p:graphicFrame>
+        <p:nvGraphicFramePr>
+          <p:cNvPr id="26" name="Table 25">
+            <a:extLst>
+              <a:ext uri="{FF2B5EF4-FFF2-40B4-BE49-F238E27FC236}">
+                <a16:creationId xmlns:a16="http://schemas.microsoft.com/office/drawing/2014/main" id="{89694C09-571E-475D-B62A-A256A76E385A}"/>
+              </a:ext>
+            </a:extLst>
+          </p:cNvPr>
+          <p:cNvGraphicFramePr>
+            <a:graphicFrameLocks noGrp="1"/>
+          </p:cNvGraphicFramePr>
+          <p:nvPr>
+            <p:extLst>
+              <p:ext uri="{D42A27DB-BD31-4B8C-83A1-F6EECF244321}">
+                <p14:modId xmlns:p14="http://schemas.microsoft.com/office/powerpoint/2010/main" val="948582605"/>
+              </p:ext>
+            </p:extLst>
+          </p:nvPr>
+        </p:nvGraphicFramePr>
+        <p:xfrm>
+          <a:off x="473240" y="3926613"/>
+          <a:ext cx="1825824" cy="417888"/>
+        </p:xfrm>
+        <a:graphic>
+          <a:graphicData uri="http://schemas.openxmlformats.org/drawingml/2006/table">
+            <a:tbl>
+              <a:tblPr>
+                <a:tableStyleId>{638B1855-1B75-4FBE-930C-398BA8C253C6}</a:tableStyleId>
+              </a:tblPr>
+              <a:tblGrid>
+                <a:gridCol w="1825824">
+                  <a:extLst>
+                    <a:ext uri="{9D8B030D-6E8A-4147-A177-3AD203B41FA5}">
+                      <a16:colId xmlns:a16="http://schemas.microsoft.com/office/drawing/2014/main" val="4240773277"/>
+                    </a:ext>
+                  </a:extLst>
+                </a:gridCol>
+              </a:tblGrid>
+              <a:tr h="417888">
+                <a:tc>
+                  <a:txBody>
+                    <a:bodyPr/>
+                    <a:lstStyle/>
+                    <a:p>
+                      <a:pPr algn="ctr"/>
+                      <a:r>
+                        <a:rPr lang="en-SG" u="sng" dirty="0"/>
+                        <a:t>al0:</a:t>
+                      </a:r>
+                      <a:r>
+                        <a:rPr lang="en-SG" sz="1800" u="sng" dirty="0"/>
+                        <a:t>ArticleList</a:t>
+                      </a:r>
+                      <a:endParaRPr lang="en-SG" u="sng" dirty="0"/>
+                    </a:p>
+                  </a:txBody>
+                  <a:tcPr/>
+                </a:tc>
+                <a:extLst>
+                  <a:ext uri="{0D108BD9-81ED-4DB2-BD59-A6C34878D82A}">
+                    <a16:rowId xmlns:a16="http://schemas.microsoft.com/office/drawing/2014/main" val="2194462629"/>
+                  </a:ext>
+                </a:extLst>
+              </a:tr>
+            </a:tbl>
+          </a:graphicData>
+        </a:graphic>
+      </p:graphicFrame>
+      <p:graphicFrame>
+        <p:nvGraphicFramePr>
+          <p:cNvPr id="27" name="Table 26">
+            <a:extLst>
+              <a:ext uri="{FF2B5EF4-FFF2-40B4-BE49-F238E27FC236}">
+                <a16:creationId xmlns:a16="http://schemas.microsoft.com/office/drawing/2014/main" id="{44CE690A-C330-4E05-9A98-06A292A1B71C}"/>
+              </a:ext>
+            </a:extLst>
+          </p:cNvPr>
+          <p:cNvGraphicFramePr>
+            <a:graphicFrameLocks noGrp="1"/>
+          </p:cNvGraphicFramePr>
+          <p:nvPr>
+            <p:extLst>
+              <p:ext uri="{D42A27DB-BD31-4B8C-83A1-F6EECF244321}">
+                <p14:modId xmlns:p14="http://schemas.microsoft.com/office/powerpoint/2010/main" val="2188976749"/>
+              </p:ext>
+            </p:extLst>
+          </p:nvPr>
+        </p:nvGraphicFramePr>
+        <p:xfrm>
+          <a:off x="2440458" y="3926613"/>
+          <a:ext cx="1825824" cy="417888"/>
+        </p:xfrm>
+        <a:graphic>
+          <a:graphicData uri="http://schemas.openxmlformats.org/drawingml/2006/table">
+            <a:tbl>
+              <a:tblPr>
+                <a:tableStyleId>{638B1855-1B75-4FBE-930C-398BA8C253C6}</a:tableStyleId>
+              </a:tblPr>
+              <a:tblGrid>
+                <a:gridCol w="1825824">
+                  <a:extLst>
+                    <a:ext uri="{9D8B030D-6E8A-4147-A177-3AD203B41FA5}">
+                      <a16:colId xmlns:a16="http://schemas.microsoft.com/office/drawing/2014/main" val="4240773277"/>
+                    </a:ext>
+                  </a:extLst>
+                </a:gridCol>
+              </a:tblGrid>
+              <a:tr h="417888">
+                <a:tc>
+                  <a:txBody>
+                    <a:bodyPr/>
+                    <a:lstStyle/>
+                    <a:p>
+                      <a:pPr algn="ctr"/>
+                      <a:r>
+                        <a:rPr lang="en-SG" u="sng" dirty="0"/>
+                        <a:t>al1:</a:t>
+                      </a:r>
+                      <a:r>
+                        <a:rPr lang="en-SG" sz="1800" u="sng" dirty="0"/>
+                        <a:t>ArticleList</a:t>
+                      </a:r>
+                      <a:endParaRPr lang="en-SG" u="sng" dirty="0"/>
+                    </a:p>
+                  </a:txBody>
+                  <a:tcPr/>
+                </a:tc>
+                <a:extLst>
+                  <a:ext uri="{0D108BD9-81ED-4DB2-BD59-A6C34878D82A}">
+                    <a16:rowId xmlns:a16="http://schemas.microsoft.com/office/drawing/2014/main" val="2194462629"/>
+                  </a:ext>
+                </a:extLst>
+              </a:tr>
+            </a:tbl>
+          </a:graphicData>
+        </a:graphic>
+      </p:graphicFrame>
+      <p:graphicFrame>
+        <p:nvGraphicFramePr>
+          <p:cNvPr id="30" name="Table 29">
+            <a:extLst>
+              <a:ext uri="{FF2B5EF4-FFF2-40B4-BE49-F238E27FC236}">
+                <a16:creationId xmlns:a16="http://schemas.microsoft.com/office/drawing/2014/main" id="{FA363FC4-2A4E-4D3D-AB2C-FC70013DDD46}"/>
+              </a:ext>
+            </a:extLst>
+          </p:cNvPr>
+          <p:cNvGraphicFramePr>
+            <a:graphicFrameLocks noGrp="1"/>
+          </p:cNvGraphicFramePr>
+          <p:nvPr>
+            <p:extLst>
+              <p:ext uri="{D42A27DB-BD31-4B8C-83A1-F6EECF244321}">
+                <p14:modId xmlns:p14="http://schemas.microsoft.com/office/powerpoint/2010/main" val="893978457"/>
+              </p:ext>
+            </p:extLst>
+          </p:nvPr>
+        </p:nvGraphicFramePr>
+        <p:xfrm>
+          <a:off x="4409785" y="3926613"/>
+          <a:ext cx="1825824" cy="417888"/>
+        </p:xfrm>
+        <a:graphic>
+          <a:graphicData uri="http://schemas.openxmlformats.org/drawingml/2006/table">
+            <a:tbl>
+              <a:tblPr>
+                <a:tableStyleId>{638B1855-1B75-4FBE-930C-398BA8C253C6}</a:tableStyleId>
+              </a:tblPr>
+              <a:tblGrid>
+                <a:gridCol w="1825824">
+                  <a:extLst>
+                    <a:ext uri="{9D8B030D-6E8A-4147-A177-3AD203B41FA5}">
+                      <a16:colId xmlns:a16="http://schemas.microsoft.com/office/drawing/2014/main" val="4240773277"/>
+                    </a:ext>
+                  </a:extLst>
+                </a:gridCol>
+              </a:tblGrid>
+              <a:tr h="417888">
+                <a:tc>
+                  <a:txBody>
+                    <a:bodyPr/>
+                    <a:lstStyle/>
+                    <a:p>
+                      <a:pPr algn="ctr"/>
+                      <a:r>
+                        <a:rPr lang="en-SG" u="sng" dirty="0"/>
+                        <a:t>al2:</a:t>
+                      </a:r>
+                      <a:r>
+                        <a:rPr lang="en-SG" sz="1800" u="sng" dirty="0"/>
+                        <a:t>ArticleList</a:t>
+                      </a:r>
+                      <a:endParaRPr lang="en-SG" u="sng" dirty="0"/>
+                    </a:p>
+                  </a:txBody>
+                  <a:tcPr/>
+                </a:tc>
+                <a:extLst>
+                  <a:ext uri="{0D108BD9-81ED-4DB2-BD59-A6C34878D82A}">
+                    <a16:rowId xmlns:a16="http://schemas.microsoft.com/office/drawing/2014/main" val="2194462629"/>
+                  </a:ext>
+                </a:extLst>
+              </a:tr>
+            </a:tbl>
+          </a:graphicData>
+        </a:graphic>
+      </p:graphicFrame>
     </p:spTree>
     <p:extLst>
       <p:ext uri="{BB962C8B-B14F-4D97-AF65-F5344CB8AC3E}">

--- a/docs/diagrams/UndoRedoExecuteUndoStateListDiagram.pptx
+++ b/docs/diagrams/UndoRedoExecuteUndoStateListDiagram.pptx
@@ -112,10 +112,6 @@
 </p:presentation>
 </file>
 
-<file path=ppt/revisionInfo.xml><?xml version="1.0" encoding="utf-8"?>
-<p1510:revInfo xmlns:a="http://schemas.openxmlformats.org/drawingml/2006/main" xmlns:r="http://schemas.openxmlformats.org/officeDocument/2006/relationships" xmlns:p1510="http://schemas.microsoft.com/office/powerpoint/2015/10/main"/>
-</file>
-
 <file path=ppt/slideLayouts/slideLayout1.xml><?xml version="1.0" encoding="utf-8"?>
 <p:sldLayout xmlns:a="http://schemas.openxmlformats.org/drawingml/2006/main" xmlns:r="http://schemas.openxmlformats.org/officeDocument/2006/relationships" xmlns:p="http://schemas.openxmlformats.org/presentationml/2006/main" type="title" preserve="1">
   <p:cSld name="Title Slide">
@@ -265,7 +261,7 @@
           <a:p>
             <a:fld id="{03EC4E3E-8101-482F-A883-8B55DAFF7C07}" type="datetimeFigureOut">
               <a:rPr lang="en-SG" smtClean="0"/>
-              <a:t>6/7/2018</a:t>
+              <a:t>9/11/2018</a:t>
             </a:fld>
             <a:endParaRPr lang="en-SG"/>
           </a:p>
@@ -465,7 +461,7 @@
           <a:p>
             <a:fld id="{03EC4E3E-8101-482F-A883-8B55DAFF7C07}" type="datetimeFigureOut">
               <a:rPr lang="en-SG" smtClean="0"/>
-              <a:t>6/7/2018</a:t>
+              <a:t>9/11/2018</a:t>
             </a:fld>
             <a:endParaRPr lang="en-SG"/>
           </a:p>
@@ -675,7 +671,7 @@
           <a:p>
             <a:fld id="{03EC4E3E-8101-482F-A883-8B55DAFF7C07}" type="datetimeFigureOut">
               <a:rPr lang="en-SG" smtClean="0"/>
-              <a:t>6/7/2018</a:t>
+              <a:t>9/11/2018</a:t>
             </a:fld>
             <a:endParaRPr lang="en-SG"/>
           </a:p>
@@ -875,7 +871,7 @@
           <a:p>
             <a:fld id="{03EC4E3E-8101-482F-A883-8B55DAFF7C07}" type="datetimeFigureOut">
               <a:rPr lang="en-SG" smtClean="0"/>
-              <a:t>6/7/2018</a:t>
+              <a:t>9/11/2018</a:t>
             </a:fld>
             <a:endParaRPr lang="en-SG"/>
           </a:p>
@@ -1151,7 +1147,7 @@
           <a:p>
             <a:fld id="{03EC4E3E-8101-482F-A883-8B55DAFF7C07}" type="datetimeFigureOut">
               <a:rPr lang="en-SG" smtClean="0"/>
-              <a:t>6/7/2018</a:t>
+              <a:t>9/11/2018</a:t>
             </a:fld>
             <a:endParaRPr lang="en-SG"/>
           </a:p>
@@ -1419,7 +1415,7 @@
           <a:p>
             <a:fld id="{03EC4E3E-8101-482F-A883-8B55DAFF7C07}" type="datetimeFigureOut">
               <a:rPr lang="en-SG" smtClean="0"/>
-              <a:t>6/7/2018</a:t>
+              <a:t>9/11/2018</a:t>
             </a:fld>
             <a:endParaRPr lang="en-SG"/>
           </a:p>
@@ -1834,7 +1830,7 @@
           <a:p>
             <a:fld id="{03EC4E3E-8101-482F-A883-8B55DAFF7C07}" type="datetimeFigureOut">
               <a:rPr lang="en-SG" smtClean="0"/>
-              <a:t>6/7/2018</a:t>
+              <a:t>9/11/2018</a:t>
             </a:fld>
             <a:endParaRPr lang="en-SG"/>
           </a:p>
@@ -1976,7 +1972,7 @@
           <a:p>
             <a:fld id="{03EC4E3E-8101-482F-A883-8B55DAFF7C07}" type="datetimeFigureOut">
               <a:rPr lang="en-SG" smtClean="0"/>
-              <a:t>6/7/2018</a:t>
+              <a:t>9/11/2018</a:t>
             </a:fld>
             <a:endParaRPr lang="en-SG"/>
           </a:p>
@@ -2089,7 +2085,7 @@
           <a:p>
             <a:fld id="{03EC4E3E-8101-482F-A883-8B55DAFF7C07}" type="datetimeFigureOut">
               <a:rPr lang="en-SG" smtClean="0"/>
-              <a:t>6/7/2018</a:t>
+              <a:t>9/11/2018</a:t>
             </a:fld>
             <a:endParaRPr lang="en-SG"/>
           </a:p>
@@ -2402,7 +2398,7 @@
           <a:p>
             <a:fld id="{03EC4E3E-8101-482F-A883-8B55DAFF7C07}" type="datetimeFigureOut">
               <a:rPr lang="en-SG" smtClean="0"/>
-              <a:t>6/7/2018</a:t>
+              <a:t>9/11/2018</a:t>
             </a:fld>
             <a:endParaRPr lang="en-SG"/>
           </a:p>
@@ -2691,7 +2687,7 @@
           <a:p>
             <a:fld id="{03EC4E3E-8101-482F-A883-8B55DAFF7C07}" type="datetimeFigureOut">
               <a:rPr lang="en-SG" smtClean="0"/>
-              <a:t>6/7/2018</a:t>
+              <a:t>9/11/2018</a:t>
             </a:fld>
             <a:endParaRPr lang="en-SG"/>
           </a:p>
@@ -2934,7 +2930,7 @@
           <a:p>
             <a:fld id="{03EC4E3E-8101-482F-A883-8B55DAFF7C07}" type="datetimeFigureOut">
               <a:rPr lang="en-SG" smtClean="0"/>
-              <a:t>6/7/2018</a:t>
+              <a:t>9/11/2018</a:t>
             </a:fld>
             <a:endParaRPr lang="en-SG"/>
           </a:p>
@@ -3407,7 +3403,23 @@
             <a:pPr algn="ctr"/>
             <a:r>
               <a:rPr lang="en-SG" dirty="0"/>
-              <a:t>The state of the address book (before ‘add n/David …’ was executed) will be restored to state ab1.</a:t>
+              <a:t>The state of the restaurant book (before ‘register id</a:t>
+            </a:r>
+            <a:r>
+              <a:rPr lang="en-SG"/>
+              <a:t>/azhikai </a:t>
+            </a:r>
+            <a:r>
+              <a:rPr lang="en-SG" dirty="0"/>
+              <a:t>…’ was executed) will be restored to </a:t>
+            </a:r>
+            <a:r>
+              <a:rPr lang="en-SG"/>
+              <a:t>state rb1</a:t>
+            </a:r>
+            <a:r>
+              <a:rPr lang="en-SG" dirty="0"/>
+              <a:t>.</a:t>
             </a:r>
           </a:p>
         </p:txBody>
@@ -3470,7 +3482,7 @@
         </p:nvSpPr>
         <p:spPr>
           <a:xfrm>
-            <a:off x="3917960" y="2726030"/>
+            <a:off x="4360411" y="2726030"/>
             <a:ext cx="3207000" cy="369332"/>
           </a:xfrm>
           <a:prstGeom prst="rect">
@@ -3515,14 +3527,14 @@
           <p:nvPr>
             <p:extLst>
               <p:ext uri="{D42A27DB-BD31-4B8C-83A1-F6EECF244321}">
-                <p14:modId xmlns:p14="http://schemas.microsoft.com/office/powerpoint/2010/main" val="1674993041"/>
+                <p14:modId xmlns:p14="http://schemas.microsoft.com/office/powerpoint/2010/main" val="1153757806"/>
               </p:ext>
             </p:extLst>
           </p:nvPr>
         </p:nvGraphicFramePr>
         <p:xfrm>
-          <a:off x="473240" y="1476102"/>
-          <a:ext cx="1825824" cy="417888"/>
+          <a:off x="473239" y="1476102"/>
+          <a:ext cx="2073314" cy="417888"/>
         </p:xfrm>
         <a:graphic>
           <a:graphicData uri="http://schemas.openxmlformats.org/drawingml/2006/table">
@@ -3531,7 +3543,7 @@
                 <a:tableStyleId>{638B1855-1B75-4FBE-930C-398BA8C253C6}</a:tableStyleId>
               </a:tblPr>
               <a:tblGrid>
-                <a:gridCol w="1825824">
+                <a:gridCol w="2073314">
                   <a:extLst>
                     <a:ext uri="{9D8B030D-6E8A-4147-A177-3AD203B41FA5}">
                       <a16:colId xmlns:a16="http://schemas.microsoft.com/office/drawing/2014/main" val="4240773277"/>
@@ -3547,11 +3559,11 @@
                     <a:p>
                       <a:r>
                         <a:rPr lang="en-SG" u="sng" dirty="0"/>
-                        <a:t>ab0:</a:t>
+                        <a:t>rb0:</a:t>
                       </a:r>
                       <a:r>
                         <a:rPr lang="en-SG" sz="1800" u="sng" dirty="0"/>
-                        <a:t>AddressBook</a:t>
+                        <a:t>RestaurantBook</a:t>
                       </a:r>
                       <a:endParaRPr lang="en-SG" u="sng" dirty="0"/>
                     </a:p>
@@ -3719,14 +3731,14 @@
           <p:nvPr>
             <p:extLst>
               <p:ext uri="{D42A27DB-BD31-4B8C-83A1-F6EECF244321}">
-                <p14:modId xmlns:p14="http://schemas.microsoft.com/office/powerpoint/2010/main" val="3085921390"/>
+                <p14:modId xmlns:p14="http://schemas.microsoft.com/office/powerpoint/2010/main" val="1822736888"/>
               </p:ext>
             </p:extLst>
           </p:nvPr>
         </p:nvGraphicFramePr>
         <p:xfrm>
-          <a:off x="2440458" y="1476102"/>
-          <a:ext cx="1825824" cy="417888"/>
+          <a:off x="2637102" y="1476102"/>
+          <a:ext cx="2138499" cy="417888"/>
         </p:xfrm>
         <a:graphic>
           <a:graphicData uri="http://schemas.openxmlformats.org/drawingml/2006/table">
@@ -3735,7 +3747,7 @@
                 <a:tableStyleId>{638B1855-1B75-4FBE-930C-398BA8C253C6}</a:tableStyleId>
               </a:tblPr>
               <a:tblGrid>
-                <a:gridCol w="1825824">
+                <a:gridCol w="2138499">
                   <a:extLst>
                     <a:ext uri="{9D8B030D-6E8A-4147-A177-3AD203B41FA5}">
                       <a16:colId xmlns:a16="http://schemas.microsoft.com/office/drawing/2014/main" val="4240773277"/>
@@ -3751,11 +3763,11 @@
                     <a:p>
                       <a:r>
                         <a:rPr lang="en-SG" u="sng" dirty="0"/>
-                        <a:t>ab1:</a:t>
+                        <a:t>rb1:</a:t>
                       </a:r>
                       <a:r>
                         <a:rPr lang="en-SG" sz="1800" u="sng" dirty="0"/>
-                        <a:t>AddressBook</a:t>
+                        <a:t>RestaurantBook</a:t>
                       </a:r>
                       <a:endParaRPr lang="en-SG" u="sng" dirty="0"/>
                     </a:p>
@@ -3787,14 +3799,14 @@
           <p:nvPr>
             <p:extLst>
               <p:ext uri="{D42A27DB-BD31-4B8C-83A1-F6EECF244321}">
-                <p14:modId xmlns:p14="http://schemas.microsoft.com/office/powerpoint/2010/main" val="3504448791"/>
+                <p14:modId xmlns:p14="http://schemas.microsoft.com/office/powerpoint/2010/main" val="444544616"/>
               </p:ext>
             </p:extLst>
           </p:nvPr>
         </p:nvGraphicFramePr>
         <p:xfrm>
-          <a:off x="4409785" y="1476102"/>
-          <a:ext cx="1825824" cy="417888"/>
+          <a:off x="4852235" y="1476102"/>
+          <a:ext cx="2138500" cy="417888"/>
         </p:xfrm>
         <a:graphic>
           <a:graphicData uri="http://schemas.openxmlformats.org/drawingml/2006/table">
@@ -3803,7 +3815,7 @@
                 <a:tableStyleId>{638B1855-1B75-4FBE-930C-398BA8C253C6}</a:tableStyleId>
               </a:tblPr>
               <a:tblGrid>
-                <a:gridCol w="1825824">
+                <a:gridCol w="2138500">
                   <a:extLst>
                     <a:ext uri="{9D8B030D-6E8A-4147-A177-3AD203B41FA5}">
                       <a16:colId xmlns:a16="http://schemas.microsoft.com/office/drawing/2014/main" val="4240773277"/>
@@ -3819,215 +3831,11 @@
                     <a:p>
                       <a:r>
                         <a:rPr lang="en-SG" u="sng" dirty="0"/>
-                        <a:t>ab2:</a:t>
+                        <a:t>rb2:</a:t>
                       </a:r>
                       <a:r>
                         <a:rPr lang="en-SG" sz="1800" u="sng" dirty="0"/>
-                        <a:t>AddressBook</a:t>
-                      </a:r>
-                      <a:endParaRPr lang="en-SG" u="sng" dirty="0"/>
-                    </a:p>
-                  </a:txBody>
-                  <a:tcPr/>
-                </a:tc>
-                <a:extLst>
-                  <a:ext uri="{0D108BD9-81ED-4DB2-BD59-A6C34878D82A}">
-                    <a16:rowId xmlns:a16="http://schemas.microsoft.com/office/drawing/2014/main" val="2194462629"/>
-                  </a:ext>
-                </a:extLst>
-              </a:tr>
-            </a:tbl>
-          </a:graphicData>
-        </a:graphic>
-      </p:graphicFrame>
-      <p:graphicFrame>
-        <p:nvGraphicFramePr>
-          <p:cNvPr id="21" name="Table 20">
-            <a:extLst>
-              <a:ext uri="{FF2B5EF4-FFF2-40B4-BE49-F238E27FC236}">
-                <a16:creationId xmlns:a16="http://schemas.microsoft.com/office/drawing/2014/main" id="{F545FAB8-F1CE-4886-9BDE-E772BCB0A9C4}"/>
-              </a:ext>
-            </a:extLst>
-          </p:cNvPr>
-          <p:cNvGraphicFramePr>
-            <a:graphicFrameLocks noGrp="1"/>
-          </p:cNvGraphicFramePr>
-          <p:nvPr>
-            <p:extLst>
-              <p:ext uri="{D42A27DB-BD31-4B8C-83A1-F6EECF244321}">
-                <p14:modId xmlns:p14="http://schemas.microsoft.com/office/powerpoint/2010/main" val="3880678430"/>
-              </p:ext>
-            </p:extLst>
-          </p:nvPr>
-        </p:nvGraphicFramePr>
-        <p:xfrm>
-          <a:off x="473240" y="3922133"/>
-          <a:ext cx="1825824" cy="417888"/>
-        </p:xfrm>
-        <a:graphic>
-          <a:graphicData uri="http://schemas.openxmlformats.org/drawingml/2006/table">
-            <a:tbl>
-              <a:tblPr>
-                <a:tableStyleId>{638B1855-1B75-4FBE-930C-398BA8C253C6}</a:tableStyleId>
-              </a:tblPr>
-              <a:tblGrid>
-                <a:gridCol w="1825824">
-                  <a:extLst>
-                    <a:ext uri="{9D8B030D-6E8A-4147-A177-3AD203B41FA5}">
-                      <a16:colId xmlns:a16="http://schemas.microsoft.com/office/drawing/2014/main" val="4240773277"/>
-                    </a:ext>
-                  </a:extLst>
-                </a:gridCol>
-              </a:tblGrid>
-              <a:tr h="417888">
-                <a:tc>
-                  <a:txBody>
-                    <a:bodyPr/>
-                    <a:lstStyle/>
-                    <a:p>
-                      <a:r>
-                        <a:rPr lang="en-SG" u="sng" dirty="0"/>
-                        <a:t>ab0:</a:t>
-                      </a:r>
-                      <a:r>
-                        <a:rPr lang="en-SG" sz="1800" u="sng" dirty="0"/>
-                        <a:t>AddressBook</a:t>
-                      </a:r>
-                      <a:endParaRPr lang="en-SG" u="sng" dirty="0"/>
-                    </a:p>
-                  </a:txBody>
-                  <a:tcPr/>
-                </a:tc>
-                <a:extLst>
-                  <a:ext uri="{0D108BD9-81ED-4DB2-BD59-A6C34878D82A}">
-                    <a16:rowId xmlns:a16="http://schemas.microsoft.com/office/drawing/2014/main" val="2194462629"/>
-                  </a:ext>
-                </a:extLst>
-              </a:tr>
-            </a:tbl>
-          </a:graphicData>
-        </a:graphic>
-      </p:graphicFrame>
-      <p:graphicFrame>
-        <p:nvGraphicFramePr>
-          <p:cNvPr id="22" name="Table 21">
-            <a:extLst>
-              <a:ext uri="{FF2B5EF4-FFF2-40B4-BE49-F238E27FC236}">
-                <a16:creationId xmlns:a16="http://schemas.microsoft.com/office/drawing/2014/main" id="{F545FAB8-F1CE-4886-9BDE-E772BCB0A9C4}"/>
-              </a:ext>
-            </a:extLst>
-          </p:cNvPr>
-          <p:cNvGraphicFramePr>
-            <a:graphicFrameLocks noGrp="1"/>
-          </p:cNvGraphicFramePr>
-          <p:nvPr>
-            <p:extLst>
-              <p:ext uri="{D42A27DB-BD31-4B8C-83A1-F6EECF244321}">
-                <p14:modId xmlns:p14="http://schemas.microsoft.com/office/powerpoint/2010/main" val="719723626"/>
-              </p:ext>
-            </p:extLst>
-          </p:nvPr>
-        </p:nvGraphicFramePr>
-        <p:xfrm>
-          <a:off x="2440458" y="3922133"/>
-          <a:ext cx="1825824" cy="417888"/>
-        </p:xfrm>
-        <a:graphic>
-          <a:graphicData uri="http://schemas.openxmlformats.org/drawingml/2006/table">
-            <a:tbl>
-              <a:tblPr>
-                <a:tableStyleId>{638B1855-1B75-4FBE-930C-398BA8C253C6}</a:tableStyleId>
-              </a:tblPr>
-              <a:tblGrid>
-                <a:gridCol w="1825824">
-                  <a:extLst>
-                    <a:ext uri="{9D8B030D-6E8A-4147-A177-3AD203B41FA5}">
-                      <a16:colId xmlns:a16="http://schemas.microsoft.com/office/drawing/2014/main" val="4240773277"/>
-                    </a:ext>
-                  </a:extLst>
-                </a:gridCol>
-              </a:tblGrid>
-              <a:tr h="417888">
-                <a:tc>
-                  <a:txBody>
-                    <a:bodyPr/>
-                    <a:lstStyle/>
-                    <a:p>
-                      <a:r>
-                        <a:rPr lang="en-SG" u="sng" dirty="0"/>
-                        <a:t>ab1:</a:t>
-                      </a:r>
-                      <a:r>
-                        <a:rPr lang="en-SG" sz="1800" u="sng" dirty="0"/>
-                        <a:t>AddressBook</a:t>
-                      </a:r>
-                      <a:endParaRPr lang="en-SG" u="sng" dirty="0"/>
-                    </a:p>
-                  </a:txBody>
-                  <a:tcPr/>
-                </a:tc>
-                <a:extLst>
-                  <a:ext uri="{0D108BD9-81ED-4DB2-BD59-A6C34878D82A}">
-                    <a16:rowId xmlns:a16="http://schemas.microsoft.com/office/drawing/2014/main" val="2194462629"/>
-                  </a:ext>
-                </a:extLst>
-              </a:tr>
-            </a:tbl>
-          </a:graphicData>
-        </a:graphic>
-      </p:graphicFrame>
-      <p:graphicFrame>
-        <p:nvGraphicFramePr>
-          <p:cNvPr id="23" name="Table 22">
-            <a:extLst>
-              <a:ext uri="{FF2B5EF4-FFF2-40B4-BE49-F238E27FC236}">
-                <a16:creationId xmlns:a16="http://schemas.microsoft.com/office/drawing/2014/main" id="{F545FAB8-F1CE-4886-9BDE-E772BCB0A9C4}"/>
-              </a:ext>
-            </a:extLst>
-          </p:cNvPr>
-          <p:cNvGraphicFramePr>
-            <a:graphicFrameLocks noGrp="1"/>
-          </p:cNvGraphicFramePr>
-          <p:nvPr>
-            <p:extLst>
-              <p:ext uri="{D42A27DB-BD31-4B8C-83A1-F6EECF244321}">
-                <p14:modId xmlns:p14="http://schemas.microsoft.com/office/powerpoint/2010/main" val="3592690620"/>
-              </p:ext>
-            </p:extLst>
-          </p:nvPr>
-        </p:nvGraphicFramePr>
-        <p:xfrm>
-          <a:off x="4409785" y="3922133"/>
-          <a:ext cx="1825824" cy="417888"/>
-        </p:xfrm>
-        <a:graphic>
-          <a:graphicData uri="http://schemas.openxmlformats.org/drawingml/2006/table">
-            <a:tbl>
-              <a:tblPr>
-                <a:tableStyleId>{638B1855-1B75-4FBE-930C-398BA8C253C6}</a:tableStyleId>
-              </a:tblPr>
-              <a:tblGrid>
-                <a:gridCol w="1825824">
-                  <a:extLst>
-                    <a:ext uri="{9D8B030D-6E8A-4147-A177-3AD203B41FA5}">
-                      <a16:colId xmlns:a16="http://schemas.microsoft.com/office/drawing/2014/main" val="4240773277"/>
-                    </a:ext>
-                  </a:extLst>
-                </a:gridCol>
-              </a:tblGrid>
-              <a:tr h="417888">
-                <a:tc>
-                  <a:txBody>
-                    <a:bodyPr/>
-                    <a:lstStyle/>
-                    <a:p>
-                      <a:r>
-                        <a:rPr lang="en-SG" u="sng" dirty="0"/>
-                        <a:t>ab2:</a:t>
-                      </a:r>
-                      <a:r>
-                        <a:rPr lang="en-SG" sz="1800" u="sng" dirty="0"/>
-                        <a:t>AddressBook</a:t>
+                        <a:t>RestaurantBook</a:t>
                       </a:r>
                       <a:endParaRPr lang="en-SG" u="sng" dirty="0"/>
                     </a:p>
@@ -4060,7 +3868,7 @@
         </p:nvCxnSpPr>
         <p:spPr>
           <a:xfrm flipV="1">
-            <a:off x="5377343" y="2019157"/>
+            <a:off x="5819794" y="2019157"/>
             <a:ext cx="0" cy="706873"/>
           </a:xfrm>
           <a:prstGeom prst="straightConnector1">
@@ -4132,6 +3940,210 @@
           </a:fontRef>
         </p:style>
       </p:cxnSp>
+      <p:graphicFrame>
+        <p:nvGraphicFramePr>
+          <p:cNvPr id="31" name="Table 30">
+            <a:extLst>
+              <a:ext uri="{FF2B5EF4-FFF2-40B4-BE49-F238E27FC236}">
+                <a16:creationId xmlns:a16="http://schemas.microsoft.com/office/drawing/2014/main" id="{D50491B5-8159-4CB4-A6EF-E0203C3CA4F1}"/>
+              </a:ext>
+            </a:extLst>
+          </p:cNvPr>
+          <p:cNvGraphicFramePr>
+            <a:graphicFrameLocks noGrp="1"/>
+          </p:cNvGraphicFramePr>
+          <p:nvPr>
+            <p:extLst>
+              <p:ext uri="{D42A27DB-BD31-4B8C-83A1-F6EECF244321}">
+                <p14:modId xmlns:p14="http://schemas.microsoft.com/office/powerpoint/2010/main" val="1171102217"/>
+              </p:ext>
+            </p:extLst>
+          </p:nvPr>
+        </p:nvGraphicFramePr>
+        <p:xfrm>
+          <a:off x="487988" y="3919419"/>
+          <a:ext cx="2073314" cy="417888"/>
+        </p:xfrm>
+        <a:graphic>
+          <a:graphicData uri="http://schemas.openxmlformats.org/drawingml/2006/table">
+            <a:tbl>
+              <a:tblPr>
+                <a:tableStyleId>{638B1855-1B75-4FBE-930C-398BA8C253C6}</a:tableStyleId>
+              </a:tblPr>
+              <a:tblGrid>
+                <a:gridCol w="2073314">
+                  <a:extLst>
+                    <a:ext uri="{9D8B030D-6E8A-4147-A177-3AD203B41FA5}">
+                      <a16:colId xmlns:a16="http://schemas.microsoft.com/office/drawing/2014/main" val="4240773277"/>
+                    </a:ext>
+                  </a:extLst>
+                </a:gridCol>
+              </a:tblGrid>
+              <a:tr h="417888">
+                <a:tc>
+                  <a:txBody>
+                    <a:bodyPr/>
+                    <a:lstStyle/>
+                    <a:p>
+                      <a:r>
+                        <a:rPr lang="en-SG" u="sng" dirty="0"/>
+                        <a:t>rb0:</a:t>
+                      </a:r>
+                      <a:r>
+                        <a:rPr lang="en-SG" sz="1800" u="sng" dirty="0"/>
+                        <a:t>RestaurantBook</a:t>
+                      </a:r>
+                      <a:endParaRPr lang="en-SG" u="sng" dirty="0"/>
+                    </a:p>
+                  </a:txBody>
+                  <a:tcPr/>
+                </a:tc>
+                <a:extLst>
+                  <a:ext uri="{0D108BD9-81ED-4DB2-BD59-A6C34878D82A}">
+                    <a16:rowId xmlns:a16="http://schemas.microsoft.com/office/drawing/2014/main" val="2194462629"/>
+                  </a:ext>
+                </a:extLst>
+              </a:tr>
+            </a:tbl>
+          </a:graphicData>
+        </a:graphic>
+      </p:graphicFrame>
+      <p:graphicFrame>
+        <p:nvGraphicFramePr>
+          <p:cNvPr id="32" name="Table 31">
+            <a:extLst>
+              <a:ext uri="{FF2B5EF4-FFF2-40B4-BE49-F238E27FC236}">
+                <a16:creationId xmlns:a16="http://schemas.microsoft.com/office/drawing/2014/main" id="{2A5D9807-0DFD-4176-A8E5-DAC0E5C01B41}"/>
+              </a:ext>
+            </a:extLst>
+          </p:cNvPr>
+          <p:cNvGraphicFramePr>
+            <a:graphicFrameLocks noGrp="1"/>
+          </p:cNvGraphicFramePr>
+          <p:nvPr>
+            <p:extLst>
+              <p:ext uri="{D42A27DB-BD31-4B8C-83A1-F6EECF244321}">
+                <p14:modId xmlns:p14="http://schemas.microsoft.com/office/powerpoint/2010/main" val="2508351633"/>
+              </p:ext>
+            </p:extLst>
+          </p:nvPr>
+        </p:nvGraphicFramePr>
+        <p:xfrm>
+          <a:off x="2651851" y="3919419"/>
+          <a:ext cx="2138499" cy="417888"/>
+        </p:xfrm>
+        <a:graphic>
+          <a:graphicData uri="http://schemas.openxmlformats.org/drawingml/2006/table">
+            <a:tbl>
+              <a:tblPr>
+                <a:tableStyleId>{638B1855-1B75-4FBE-930C-398BA8C253C6}</a:tableStyleId>
+              </a:tblPr>
+              <a:tblGrid>
+                <a:gridCol w="2138499">
+                  <a:extLst>
+                    <a:ext uri="{9D8B030D-6E8A-4147-A177-3AD203B41FA5}">
+                      <a16:colId xmlns:a16="http://schemas.microsoft.com/office/drawing/2014/main" val="4240773277"/>
+                    </a:ext>
+                  </a:extLst>
+                </a:gridCol>
+              </a:tblGrid>
+              <a:tr h="417888">
+                <a:tc>
+                  <a:txBody>
+                    <a:bodyPr/>
+                    <a:lstStyle/>
+                    <a:p>
+                      <a:r>
+                        <a:rPr lang="en-SG" u="sng" dirty="0"/>
+                        <a:t>rb1:</a:t>
+                      </a:r>
+                      <a:r>
+                        <a:rPr lang="en-SG" sz="1800" u="sng" dirty="0"/>
+                        <a:t>RestaurantBook</a:t>
+                      </a:r>
+                      <a:endParaRPr lang="en-SG" u="sng" dirty="0"/>
+                    </a:p>
+                  </a:txBody>
+                  <a:tcPr/>
+                </a:tc>
+                <a:extLst>
+                  <a:ext uri="{0D108BD9-81ED-4DB2-BD59-A6C34878D82A}">
+                    <a16:rowId xmlns:a16="http://schemas.microsoft.com/office/drawing/2014/main" val="2194462629"/>
+                  </a:ext>
+                </a:extLst>
+              </a:tr>
+            </a:tbl>
+          </a:graphicData>
+        </a:graphic>
+      </p:graphicFrame>
+      <p:graphicFrame>
+        <p:nvGraphicFramePr>
+          <p:cNvPr id="33" name="Table 32">
+            <a:extLst>
+              <a:ext uri="{FF2B5EF4-FFF2-40B4-BE49-F238E27FC236}">
+                <a16:creationId xmlns:a16="http://schemas.microsoft.com/office/drawing/2014/main" id="{70A03340-5954-481A-9DA4-62EAA6712BCE}"/>
+              </a:ext>
+            </a:extLst>
+          </p:cNvPr>
+          <p:cNvGraphicFramePr>
+            <a:graphicFrameLocks noGrp="1"/>
+          </p:cNvGraphicFramePr>
+          <p:nvPr>
+            <p:extLst>
+              <p:ext uri="{D42A27DB-BD31-4B8C-83A1-F6EECF244321}">
+                <p14:modId xmlns:p14="http://schemas.microsoft.com/office/powerpoint/2010/main" val="114762852"/>
+              </p:ext>
+            </p:extLst>
+          </p:nvPr>
+        </p:nvGraphicFramePr>
+        <p:xfrm>
+          <a:off x="4866984" y="3919419"/>
+          <a:ext cx="2138500" cy="417888"/>
+        </p:xfrm>
+        <a:graphic>
+          <a:graphicData uri="http://schemas.openxmlformats.org/drawingml/2006/table">
+            <a:tbl>
+              <a:tblPr>
+                <a:tableStyleId>{638B1855-1B75-4FBE-930C-398BA8C253C6}</a:tableStyleId>
+              </a:tblPr>
+              <a:tblGrid>
+                <a:gridCol w="2138500">
+                  <a:extLst>
+                    <a:ext uri="{9D8B030D-6E8A-4147-A177-3AD203B41FA5}">
+                      <a16:colId xmlns:a16="http://schemas.microsoft.com/office/drawing/2014/main" val="4240773277"/>
+                    </a:ext>
+                  </a:extLst>
+                </a:gridCol>
+              </a:tblGrid>
+              <a:tr h="417888">
+                <a:tc>
+                  <a:txBody>
+                    <a:bodyPr/>
+                    <a:lstStyle/>
+                    <a:p>
+                      <a:r>
+                        <a:rPr lang="en-SG" u="sng" dirty="0"/>
+                        <a:t>rb2:</a:t>
+                      </a:r>
+                      <a:r>
+                        <a:rPr lang="en-SG" sz="1800" u="sng" dirty="0"/>
+                        <a:t>RestaurantBook</a:t>
+                      </a:r>
+                      <a:endParaRPr lang="en-SG" u="sng" dirty="0"/>
+                    </a:p>
+                  </a:txBody>
+                  <a:tcPr/>
+                </a:tc>
+                <a:extLst>
+                  <a:ext uri="{0D108BD9-81ED-4DB2-BD59-A6C34878D82A}">
+                    <a16:rowId xmlns:a16="http://schemas.microsoft.com/office/drawing/2014/main" val="2194462629"/>
+                  </a:ext>
+                </a:extLst>
+              </a:tr>
+            </a:tbl>
+          </a:graphicData>
+        </a:graphic>
+      </p:graphicFrame>
     </p:spTree>
     <p:extLst>
       <p:ext uri="{BB962C8B-B14F-4D97-AF65-F5344CB8AC3E}">

--- a/docs/diagrams/UndoRedoExecuteUndoStateListDiagram.pptx
+++ b/docs/diagrams/UndoRedoExecuteUndoStateListDiagram.pptx
@@ -112,10 +112,6 @@
 </p:presentation>
 </file>
 
-<file path=ppt/revisionInfo.xml><?xml version="1.0" encoding="utf-8"?>
-<p1510:revInfo xmlns:a="http://schemas.openxmlformats.org/drawingml/2006/main" xmlns:r="http://schemas.openxmlformats.org/officeDocument/2006/relationships" xmlns:p1510="http://schemas.microsoft.com/office/powerpoint/2015/10/main"/>
-</file>
-
 <file path=ppt/slideLayouts/slideLayout1.xml><?xml version="1.0" encoding="utf-8"?>
 <p:sldLayout xmlns:a="http://schemas.openxmlformats.org/drawingml/2006/main" xmlns:r="http://schemas.openxmlformats.org/officeDocument/2006/relationships" xmlns:p="http://schemas.openxmlformats.org/presentationml/2006/main" type="title" preserve="1">
   <p:cSld name="Title Slide">
@@ -265,7 +261,7 @@
           <a:p>
             <a:fld id="{03EC4E3E-8101-482F-A883-8B55DAFF7C07}" type="datetimeFigureOut">
               <a:rPr lang="en-SG" smtClean="0"/>
-              <a:t>6/7/2018</a:t>
+              <a:t>10/11/2018</a:t>
             </a:fld>
             <a:endParaRPr lang="en-SG"/>
           </a:p>
@@ -465,7 +461,7 @@
           <a:p>
             <a:fld id="{03EC4E3E-8101-482F-A883-8B55DAFF7C07}" type="datetimeFigureOut">
               <a:rPr lang="en-SG" smtClean="0"/>
-              <a:t>6/7/2018</a:t>
+              <a:t>10/11/2018</a:t>
             </a:fld>
             <a:endParaRPr lang="en-SG"/>
           </a:p>
@@ -675,7 +671,7 @@
           <a:p>
             <a:fld id="{03EC4E3E-8101-482F-A883-8B55DAFF7C07}" type="datetimeFigureOut">
               <a:rPr lang="en-SG" smtClean="0"/>
-              <a:t>6/7/2018</a:t>
+              <a:t>10/11/2018</a:t>
             </a:fld>
             <a:endParaRPr lang="en-SG"/>
           </a:p>
@@ -875,7 +871,7 @@
           <a:p>
             <a:fld id="{03EC4E3E-8101-482F-A883-8B55DAFF7C07}" type="datetimeFigureOut">
               <a:rPr lang="en-SG" smtClean="0"/>
-              <a:t>6/7/2018</a:t>
+              <a:t>10/11/2018</a:t>
             </a:fld>
             <a:endParaRPr lang="en-SG"/>
           </a:p>
@@ -1151,7 +1147,7 @@
           <a:p>
             <a:fld id="{03EC4E3E-8101-482F-A883-8B55DAFF7C07}" type="datetimeFigureOut">
               <a:rPr lang="en-SG" smtClean="0"/>
-              <a:t>6/7/2018</a:t>
+              <a:t>10/11/2018</a:t>
             </a:fld>
             <a:endParaRPr lang="en-SG"/>
           </a:p>
@@ -1419,7 +1415,7 @@
           <a:p>
             <a:fld id="{03EC4E3E-8101-482F-A883-8B55DAFF7C07}" type="datetimeFigureOut">
               <a:rPr lang="en-SG" smtClean="0"/>
-              <a:t>6/7/2018</a:t>
+              <a:t>10/11/2018</a:t>
             </a:fld>
             <a:endParaRPr lang="en-SG"/>
           </a:p>
@@ -1834,7 +1830,7 @@
           <a:p>
             <a:fld id="{03EC4E3E-8101-482F-A883-8B55DAFF7C07}" type="datetimeFigureOut">
               <a:rPr lang="en-SG" smtClean="0"/>
-              <a:t>6/7/2018</a:t>
+              <a:t>10/11/2018</a:t>
             </a:fld>
             <a:endParaRPr lang="en-SG"/>
           </a:p>
@@ -1976,7 +1972,7 @@
           <a:p>
             <a:fld id="{03EC4E3E-8101-482F-A883-8B55DAFF7C07}" type="datetimeFigureOut">
               <a:rPr lang="en-SG" smtClean="0"/>
-              <a:t>6/7/2018</a:t>
+              <a:t>10/11/2018</a:t>
             </a:fld>
             <a:endParaRPr lang="en-SG"/>
           </a:p>
@@ -2089,7 +2085,7 @@
           <a:p>
             <a:fld id="{03EC4E3E-8101-482F-A883-8B55DAFF7C07}" type="datetimeFigureOut">
               <a:rPr lang="en-SG" smtClean="0"/>
-              <a:t>6/7/2018</a:t>
+              <a:t>10/11/2018</a:t>
             </a:fld>
             <a:endParaRPr lang="en-SG"/>
           </a:p>
@@ -2402,7 +2398,7 @@
           <a:p>
             <a:fld id="{03EC4E3E-8101-482F-A883-8B55DAFF7C07}" type="datetimeFigureOut">
               <a:rPr lang="en-SG" smtClean="0"/>
-              <a:t>6/7/2018</a:t>
+              <a:t>10/11/2018</a:t>
             </a:fld>
             <a:endParaRPr lang="en-SG"/>
           </a:p>
@@ -2691,7 +2687,7 @@
           <a:p>
             <a:fld id="{03EC4E3E-8101-482F-A883-8B55DAFF7C07}" type="datetimeFigureOut">
               <a:rPr lang="en-SG" smtClean="0"/>
-              <a:t>6/7/2018</a:t>
+              <a:t>10/11/2018</a:t>
             </a:fld>
             <a:endParaRPr lang="en-SG"/>
           </a:p>
@@ -2934,7 +2930,7 @@
           <a:p>
             <a:fld id="{03EC4E3E-8101-482F-A883-8B55DAFF7C07}" type="datetimeFigureOut">
               <a:rPr lang="en-SG" smtClean="0"/>
-              <a:t>6/7/2018</a:t>
+              <a:t>10/11/2018</a:t>
             </a:fld>
             <a:endParaRPr lang="en-SG"/>
           </a:p>
@@ -3407,7 +3403,7 @@
             <a:pPr algn="ctr"/>
             <a:r>
               <a:rPr lang="en-SG" dirty="0"/>
-              <a:t>The state of the address book (before ‘add n/David …’ was executed) will be restored to state ab1.</a:t>
+              <a:t>The state of the scheduler (before ‘add event t/CS2103 Lecture …’ was executed) will be restored to state s1.</a:t>
             </a:r>
           </a:p>
         </p:txBody>
@@ -3500,74 +3496,6 @@
           </a:p>
         </p:txBody>
       </p:sp>
-      <p:graphicFrame>
-        <p:nvGraphicFramePr>
-          <p:cNvPr id="18" name="Table 17">
-            <a:extLst>
-              <a:ext uri="{FF2B5EF4-FFF2-40B4-BE49-F238E27FC236}">
-                <a16:creationId xmlns:a16="http://schemas.microsoft.com/office/drawing/2014/main" id="{F545FAB8-F1CE-4886-9BDE-E772BCB0A9C4}"/>
-              </a:ext>
-            </a:extLst>
-          </p:cNvPr>
-          <p:cNvGraphicFramePr>
-            <a:graphicFrameLocks noGrp="1"/>
-          </p:cNvGraphicFramePr>
-          <p:nvPr>
-            <p:extLst>
-              <p:ext uri="{D42A27DB-BD31-4B8C-83A1-F6EECF244321}">
-                <p14:modId xmlns:p14="http://schemas.microsoft.com/office/powerpoint/2010/main" val="1674993041"/>
-              </p:ext>
-            </p:extLst>
-          </p:nvPr>
-        </p:nvGraphicFramePr>
-        <p:xfrm>
-          <a:off x="473240" y="1476102"/>
-          <a:ext cx="1825824" cy="417888"/>
-        </p:xfrm>
-        <a:graphic>
-          <a:graphicData uri="http://schemas.openxmlformats.org/drawingml/2006/table">
-            <a:tbl>
-              <a:tblPr>
-                <a:tableStyleId>{638B1855-1B75-4FBE-930C-398BA8C253C6}</a:tableStyleId>
-              </a:tblPr>
-              <a:tblGrid>
-                <a:gridCol w="1825824">
-                  <a:extLst>
-                    <a:ext uri="{9D8B030D-6E8A-4147-A177-3AD203B41FA5}">
-                      <a16:colId xmlns:a16="http://schemas.microsoft.com/office/drawing/2014/main" val="4240773277"/>
-                    </a:ext>
-                  </a:extLst>
-                </a:gridCol>
-              </a:tblGrid>
-              <a:tr h="417888">
-                <a:tc>
-                  <a:txBody>
-                    <a:bodyPr/>
-                    <a:lstStyle/>
-                    <a:p>
-                      <a:r>
-                        <a:rPr lang="en-SG" u="sng" dirty="0"/>
-                        <a:t>ab0:</a:t>
-                      </a:r>
-                      <a:r>
-                        <a:rPr lang="en-SG" sz="1800" u="sng" dirty="0"/>
-                        <a:t>AddressBook</a:t>
-                      </a:r>
-                      <a:endParaRPr lang="en-SG" u="sng" dirty="0"/>
-                    </a:p>
-                  </a:txBody>
-                  <a:tcPr/>
-                </a:tc>
-                <a:extLst>
-                  <a:ext uri="{0D108BD9-81ED-4DB2-BD59-A6C34878D82A}">
-                    <a16:rowId xmlns:a16="http://schemas.microsoft.com/office/drawing/2014/main" val="2194462629"/>
-                  </a:ext>
-                </a:extLst>
-              </a:tr>
-            </a:tbl>
-          </a:graphicData>
-        </a:graphic>
-      </p:graphicFrame>
       <p:sp>
         <p:nvSpPr>
           <p:cNvPr id="28" name="Rectangle 27"/>
@@ -3704,346 +3632,6 @@
           </a:p>
         </p:txBody>
       </p:sp>
-      <p:graphicFrame>
-        <p:nvGraphicFramePr>
-          <p:cNvPr id="16" name="Table 15">
-            <a:extLst>
-              <a:ext uri="{FF2B5EF4-FFF2-40B4-BE49-F238E27FC236}">
-                <a16:creationId xmlns:a16="http://schemas.microsoft.com/office/drawing/2014/main" id="{F545FAB8-F1CE-4886-9BDE-E772BCB0A9C4}"/>
-              </a:ext>
-            </a:extLst>
-          </p:cNvPr>
-          <p:cNvGraphicFramePr>
-            <a:graphicFrameLocks noGrp="1"/>
-          </p:cNvGraphicFramePr>
-          <p:nvPr>
-            <p:extLst>
-              <p:ext uri="{D42A27DB-BD31-4B8C-83A1-F6EECF244321}">
-                <p14:modId xmlns:p14="http://schemas.microsoft.com/office/powerpoint/2010/main" val="3085921390"/>
-              </p:ext>
-            </p:extLst>
-          </p:nvPr>
-        </p:nvGraphicFramePr>
-        <p:xfrm>
-          <a:off x="2440458" y="1476102"/>
-          <a:ext cx="1825824" cy="417888"/>
-        </p:xfrm>
-        <a:graphic>
-          <a:graphicData uri="http://schemas.openxmlformats.org/drawingml/2006/table">
-            <a:tbl>
-              <a:tblPr>
-                <a:tableStyleId>{638B1855-1B75-4FBE-930C-398BA8C253C6}</a:tableStyleId>
-              </a:tblPr>
-              <a:tblGrid>
-                <a:gridCol w="1825824">
-                  <a:extLst>
-                    <a:ext uri="{9D8B030D-6E8A-4147-A177-3AD203B41FA5}">
-                      <a16:colId xmlns:a16="http://schemas.microsoft.com/office/drawing/2014/main" val="4240773277"/>
-                    </a:ext>
-                  </a:extLst>
-                </a:gridCol>
-              </a:tblGrid>
-              <a:tr h="417888">
-                <a:tc>
-                  <a:txBody>
-                    <a:bodyPr/>
-                    <a:lstStyle/>
-                    <a:p>
-                      <a:r>
-                        <a:rPr lang="en-SG" u="sng" dirty="0"/>
-                        <a:t>ab1:</a:t>
-                      </a:r>
-                      <a:r>
-                        <a:rPr lang="en-SG" sz="1800" u="sng" dirty="0"/>
-                        <a:t>AddressBook</a:t>
-                      </a:r>
-                      <a:endParaRPr lang="en-SG" u="sng" dirty="0"/>
-                    </a:p>
-                  </a:txBody>
-                  <a:tcPr/>
-                </a:tc>
-                <a:extLst>
-                  <a:ext uri="{0D108BD9-81ED-4DB2-BD59-A6C34878D82A}">
-                    <a16:rowId xmlns:a16="http://schemas.microsoft.com/office/drawing/2014/main" val="2194462629"/>
-                  </a:ext>
-                </a:extLst>
-              </a:tr>
-            </a:tbl>
-          </a:graphicData>
-        </a:graphic>
-      </p:graphicFrame>
-      <p:graphicFrame>
-        <p:nvGraphicFramePr>
-          <p:cNvPr id="20" name="Table 19">
-            <a:extLst>
-              <a:ext uri="{FF2B5EF4-FFF2-40B4-BE49-F238E27FC236}">
-                <a16:creationId xmlns:a16="http://schemas.microsoft.com/office/drawing/2014/main" id="{F545FAB8-F1CE-4886-9BDE-E772BCB0A9C4}"/>
-              </a:ext>
-            </a:extLst>
-          </p:cNvPr>
-          <p:cNvGraphicFramePr>
-            <a:graphicFrameLocks noGrp="1"/>
-          </p:cNvGraphicFramePr>
-          <p:nvPr>
-            <p:extLst>
-              <p:ext uri="{D42A27DB-BD31-4B8C-83A1-F6EECF244321}">
-                <p14:modId xmlns:p14="http://schemas.microsoft.com/office/powerpoint/2010/main" val="3504448791"/>
-              </p:ext>
-            </p:extLst>
-          </p:nvPr>
-        </p:nvGraphicFramePr>
-        <p:xfrm>
-          <a:off x="4409785" y="1476102"/>
-          <a:ext cx="1825824" cy="417888"/>
-        </p:xfrm>
-        <a:graphic>
-          <a:graphicData uri="http://schemas.openxmlformats.org/drawingml/2006/table">
-            <a:tbl>
-              <a:tblPr>
-                <a:tableStyleId>{638B1855-1B75-4FBE-930C-398BA8C253C6}</a:tableStyleId>
-              </a:tblPr>
-              <a:tblGrid>
-                <a:gridCol w="1825824">
-                  <a:extLst>
-                    <a:ext uri="{9D8B030D-6E8A-4147-A177-3AD203B41FA5}">
-                      <a16:colId xmlns:a16="http://schemas.microsoft.com/office/drawing/2014/main" val="4240773277"/>
-                    </a:ext>
-                  </a:extLst>
-                </a:gridCol>
-              </a:tblGrid>
-              <a:tr h="417888">
-                <a:tc>
-                  <a:txBody>
-                    <a:bodyPr/>
-                    <a:lstStyle/>
-                    <a:p>
-                      <a:r>
-                        <a:rPr lang="en-SG" u="sng" dirty="0"/>
-                        <a:t>ab2:</a:t>
-                      </a:r>
-                      <a:r>
-                        <a:rPr lang="en-SG" sz="1800" u="sng" dirty="0"/>
-                        <a:t>AddressBook</a:t>
-                      </a:r>
-                      <a:endParaRPr lang="en-SG" u="sng" dirty="0"/>
-                    </a:p>
-                  </a:txBody>
-                  <a:tcPr/>
-                </a:tc>
-                <a:extLst>
-                  <a:ext uri="{0D108BD9-81ED-4DB2-BD59-A6C34878D82A}">
-                    <a16:rowId xmlns:a16="http://schemas.microsoft.com/office/drawing/2014/main" val="2194462629"/>
-                  </a:ext>
-                </a:extLst>
-              </a:tr>
-            </a:tbl>
-          </a:graphicData>
-        </a:graphic>
-      </p:graphicFrame>
-      <p:graphicFrame>
-        <p:nvGraphicFramePr>
-          <p:cNvPr id="21" name="Table 20">
-            <a:extLst>
-              <a:ext uri="{FF2B5EF4-FFF2-40B4-BE49-F238E27FC236}">
-                <a16:creationId xmlns:a16="http://schemas.microsoft.com/office/drawing/2014/main" id="{F545FAB8-F1CE-4886-9BDE-E772BCB0A9C4}"/>
-              </a:ext>
-            </a:extLst>
-          </p:cNvPr>
-          <p:cNvGraphicFramePr>
-            <a:graphicFrameLocks noGrp="1"/>
-          </p:cNvGraphicFramePr>
-          <p:nvPr>
-            <p:extLst>
-              <p:ext uri="{D42A27DB-BD31-4B8C-83A1-F6EECF244321}">
-                <p14:modId xmlns:p14="http://schemas.microsoft.com/office/powerpoint/2010/main" val="3880678430"/>
-              </p:ext>
-            </p:extLst>
-          </p:nvPr>
-        </p:nvGraphicFramePr>
-        <p:xfrm>
-          <a:off x="473240" y="3922133"/>
-          <a:ext cx="1825824" cy="417888"/>
-        </p:xfrm>
-        <a:graphic>
-          <a:graphicData uri="http://schemas.openxmlformats.org/drawingml/2006/table">
-            <a:tbl>
-              <a:tblPr>
-                <a:tableStyleId>{638B1855-1B75-4FBE-930C-398BA8C253C6}</a:tableStyleId>
-              </a:tblPr>
-              <a:tblGrid>
-                <a:gridCol w="1825824">
-                  <a:extLst>
-                    <a:ext uri="{9D8B030D-6E8A-4147-A177-3AD203B41FA5}">
-                      <a16:colId xmlns:a16="http://schemas.microsoft.com/office/drawing/2014/main" val="4240773277"/>
-                    </a:ext>
-                  </a:extLst>
-                </a:gridCol>
-              </a:tblGrid>
-              <a:tr h="417888">
-                <a:tc>
-                  <a:txBody>
-                    <a:bodyPr/>
-                    <a:lstStyle/>
-                    <a:p>
-                      <a:r>
-                        <a:rPr lang="en-SG" u="sng" dirty="0"/>
-                        <a:t>ab0:</a:t>
-                      </a:r>
-                      <a:r>
-                        <a:rPr lang="en-SG" sz="1800" u="sng" dirty="0"/>
-                        <a:t>AddressBook</a:t>
-                      </a:r>
-                      <a:endParaRPr lang="en-SG" u="sng" dirty="0"/>
-                    </a:p>
-                  </a:txBody>
-                  <a:tcPr/>
-                </a:tc>
-                <a:extLst>
-                  <a:ext uri="{0D108BD9-81ED-4DB2-BD59-A6C34878D82A}">
-                    <a16:rowId xmlns:a16="http://schemas.microsoft.com/office/drawing/2014/main" val="2194462629"/>
-                  </a:ext>
-                </a:extLst>
-              </a:tr>
-            </a:tbl>
-          </a:graphicData>
-        </a:graphic>
-      </p:graphicFrame>
-      <p:graphicFrame>
-        <p:nvGraphicFramePr>
-          <p:cNvPr id="22" name="Table 21">
-            <a:extLst>
-              <a:ext uri="{FF2B5EF4-FFF2-40B4-BE49-F238E27FC236}">
-                <a16:creationId xmlns:a16="http://schemas.microsoft.com/office/drawing/2014/main" id="{F545FAB8-F1CE-4886-9BDE-E772BCB0A9C4}"/>
-              </a:ext>
-            </a:extLst>
-          </p:cNvPr>
-          <p:cNvGraphicFramePr>
-            <a:graphicFrameLocks noGrp="1"/>
-          </p:cNvGraphicFramePr>
-          <p:nvPr>
-            <p:extLst>
-              <p:ext uri="{D42A27DB-BD31-4B8C-83A1-F6EECF244321}">
-                <p14:modId xmlns:p14="http://schemas.microsoft.com/office/powerpoint/2010/main" val="719723626"/>
-              </p:ext>
-            </p:extLst>
-          </p:nvPr>
-        </p:nvGraphicFramePr>
-        <p:xfrm>
-          <a:off x="2440458" y="3922133"/>
-          <a:ext cx="1825824" cy="417888"/>
-        </p:xfrm>
-        <a:graphic>
-          <a:graphicData uri="http://schemas.openxmlformats.org/drawingml/2006/table">
-            <a:tbl>
-              <a:tblPr>
-                <a:tableStyleId>{638B1855-1B75-4FBE-930C-398BA8C253C6}</a:tableStyleId>
-              </a:tblPr>
-              <a:tblGrid>
-                <a:gridCol w="1825824">
-                  <a:extLst>
-                    <a:ext uri="{9D8B030D-6E8A-4147-A177-3AD203B41FA5}">
-                      <a16:colId xmlns:a16="http://schemas.microsoft.com/office/drawing/2014/main" val="4240773277"/>
-                    </a:ext>
-                  </a:extLst>
-                </a:gridCol>
-              </a:tblGrid>
-              <a:tr h="417888">
-                <a:tc>
-                  <a:txBody>
-                    <a:bodyPr/>
-                    <a:lstStyle/>
-                    <a:p>
-                      <a:r>
-                        <a:rPr lang="en-SG" u="sng" dirty="0"/>
-                        <a:t>ab1:</a:t>
-                      </a:r>
-                      <a:r>
-                        <a:rPr lang="en-SG" sz="1800" u="sng" dirty="0"/>
-                        <a:t>AddressBook</a:t>
-                      </a:r>
-                      <a:endParaRPr lang="en-SG" u="sng" dirty="0"/>
-                    </a:p>
-                  </a:txBody>
-                  <a:tcPr/>
-                </a:tc>
-                <a:extLst>
-                  <a:ext uri="{0D108BD9-81ED-4DB2-BD59-A6C34878D82A}">
-                    <a16:rowId xmlns:a16="http://schemas.microsoft.com/office/drawing/2014/main" val="2194462629"/>
-                  </a:ext>
-                </a:extLst>
-              </a:tr>
-            </a:tbl>
-          </a:graphicData>
-        </a:graphic>
-      </p:graphicFrame>
-      <p:graphicFrame>
-        <p:nvGraphicFramePr>
-          <p:cNvPr id="23" name="Table 22">
-            <a:extLst>
-              <a:ext uri="{FF2B5EF4-FFF2-40B4-BE49-F238E27FC236}">
-                <a16:creationId xmlns:a16="http://schemas.microsoft.com/office/drawing/2014/main" id="{F545FAB8-F1CE-4886-9BDE-E772BCB0A9C4}"/>
-              </a:ext>
-            </a:extLst>
-          </p:cNvPr>
-          <p:cNvGraphicFramePr>
-            <a:graphicFrameLocks noGrp="1"/>
-          </p:cNvGraphicFramePr>
-          <p:nvPr>
-            <p:extLst>
-              <p:ext uri="{D42A27DB-BD31-4B8C-83A1-F6EECF244321}">
-                <p14:modId xmlns:p14="http://schemas.microsoft.com/office/powerpoint/2010/main" val="3592690620"/>
-              </p:ext>
-            </p:extLst>
-          </p:nvPr>
-        </p:nvGraphicFramePr>
-        <p:xfrm>
-          <a:off x="4409785" y="3922133"/>
-          <a:ext cx="1825824" cy="417888"/>
-        </p:xfrm>
-        <a:graphic>
-          <a:graphicData uri="http://schemas.openxmlformats.org/drawingml/2006/table">
-            <a:tbl>
-              <a:tblPr>
-                <a:tableStyleId>{638B1855-1B75-4FBE-930C-398BA8C253C6}</a:tableStyleId>
-              </a:tblPr>
-              <a:tblGrid>
-                <a:gridCol w="1825824">
-                  <a:extLst>
-                    <a:ext uri="{9D8B030D-6E8A-4147-A177-3AD203B41FA5}">
-                      <a16:colId xmlns:a16="http://schemas.microsoft.com/office/drawing/2014/main" val="4240773277"/>
-                    </a:ext>
-                  </a:extLst>
-                </a:gridCol>
-              </a:tblGrid>
-              <a:tr h="417888">
-                <a:tc>
-                  <a:txBody>
-                    <a:bodyPr/>
-                    <a:lstStyle/>
-                    <a:p>
-                      <a:r>
-                        <a:rPr lang="en-SG" u="sng" dirty="0"/>
-                        <a:t>ab2:</a:t>
-                      </a:r>
-                      <a:r>
-                        <a:rPr lang="en-SG" sz="1800" u="sng" dirty="0"/>
-                        <a:t>AddressBook</a:t>
-                      </a:r>
-                      <a:endParaRPr lang="en-SG" u="sng" dirty="0"/>
-                    </a:p>
-                  </a:txBody>
-                  <a:tcPr/>
-                </a:tc>
-                <a:extLst>
-                  <a:ext uri="{0D108BD9-81ED-4DB2-BD59-A6C34878D82A}">
-                    <a16:rowId xmlns:a16="http://schemas.microsoft.com/office/drawing/2014/main" val="2194462629"/>
-                  </a:ext>
-                </a:extLst>
-              </a:tr>
-            </a:tbl>
-          </a:graphicData>
-        </a:graphic>
-      </p:graphicFrame>
       <p:cxnSp>
         <p:nvCxnSpPr>
           <p:cNvPr id="19" name="Straight Arrow Connector 18">
@@ -4132,6 +3720,420 @@
           </a:fontRef>
         </p:style>
       </p:cxnSp>
+      <p:graphicFrame>
+        <p:nvGraphicFramePr>
+          <p:cNvPr id="26" name="Table 25">
+            <a:extLst>
+              <a:ext uri="{FF2B5EF4-FFF2-40B4-BE49-F238E27FC236}">
+                <a16:creationId xmlns:a16="http://schemas.microsoft.com/office/drawing/2014/main" id="{4E47371C-F901-4DB6-A5C7-19FC5E005BE7}"/>
+              </a:ext>
+            </a:extLst>
+          </p:cNvPr>
+          <p:cNvGraphicFramePr>
+            <a:graphicFrameLocks noGrp="1"/>
+          </p:cNvGraphicFramePr>
+          <p:nvPr>
+            <p:extLst>
+              <p:ext uri="{D42A27DB-BD31-4B8C-83A1-F6EECF244321}">
+                <p14:modId xmlns:p14="http://schemas.microsoft.com/office/powerpoint/2010/main" val="2982438268"/>
+              </p:ext>
+            </p:extLst>
+          </p:nvPr>
+        </p:nvGraphicFramePr>
+        <p:xfrm>
+          <a:off x="462517" y="1477106"/>
+          <a:ext cx="1825824" cy="417888"/>
+        </p:xfrm>
+        <a:graphic>
+          <a:graphicData uri="http://schemas.openxmlformats.org/drawingml/2006/table">
+            <a:tbl>
+              <a:tblPr>
+                <a:tableStyleId>{638B1855-1B75-4FBE-930C-398BA8C253C6}</a:tableStyleId>
+              </a:tblPr>
+              <a:tblGrid>
+                <a:gridCol w="1825824">
+                  <a:extLst>
+                    <a:ext uri="{9D8B030D-6E8A-4147-A177-3AD203B41FA5}">
+                      <a16:colId xmlns:a16="http://schemas.microsoft.com/office/drawing/2014/main" val="4240773277"/>
+                    </a:ext>
+                  </a:extLst>
+                </a:gridCol>
+              </a:tblGrid>
+              <a:tr h="417888">
+                <a:tc>
+                  <a:txBody>
+                    <a:bodyPr/>
+                    <a:lstStyle/>
+                    <a:p>
+                      <a:pPr algn="ctr"/>
+                      <a:r>
+                        <a:rPr lang="en-SG" u="sng" dirty="0"/>
+                        <a:t>s0:</a:t>
+                      </a:r>
+                      <a:r>
+                        <a:rPr lang="en-SG" sz="1800" u="sng" dirty="0"/>
+                        <a:t>Scheduler</a:t>
+                      </a:r>
+                      <a:endParaRPr lang="en-SG" u="sng" dirty="0"/>
+                    </a:p>
+                  </a:txBody>
+                  <a:tcPr anchor="ctr"/>
+                </a:tc>
+                <a:extLst>
+                  <a:ext uri="{0D108BD9-81ED-4DB2-BD59-A6C34878D82A}">
+                    <a16:rowId xmlns:a16="http://schemas.microsoft.com/office/drawing/2014/main" val="2194462629"/>
+                  </a:ext>
+                </a:extLst>
+              </a:tr>
+            </a:tbl>
+          </a:graphicData>
+        </a:graphic>
+      </p:graphicFrame>
+      <p:graphicFrame>
+        <p:nvGraphicFramePr>
+          <p:cNvPr id="27" name="Table 26">
+            <a:extLst>
+              <a:ext uri="{FF2B5EF4-FFF2-40B4-BE49-F238E27FC236}">
+                <a16:creationId xmlns:a16="http://schemas.microsoft.com/office/drawing/2014/main" id="{6D16FDBE-4C58-429A-BE4D-940A6514D238}"/>
+              </a:ext>
+            </a:extLst>
+          </p:cNvPr>
+          <p:cNvGraphicFramePr>
+            <a:graphicFrameLocks noGrp="1"/>
+          </p:cNvGraphicFramePr>
+          <p:nvPr>
+            <p:extLst>
+              <p:ext uri="{D42A27DB-BD31-4B8C-83A1-F6EECF244321}">
+                <p14:modId xmlns:p14="http://schemas.microsoft.com/office/powerpoint/2010/main" val="3158256716"/>
+              </p:ext>
+            </p:extLst>
+          </p:nvPr>
+        </p:nvGraphicFramePr>
+        <p:xfrm>
+          <a:off x="462517" y="3927593"/>
+          <a:ext cx="1825824" cy="417888"/>
+        </p:xfrm>
+        <a:graphic>
+          <a:graphicData uri="http://schemas.openxmlformats.org/drawingml/2006/table">
+            <a:tbl>
+              <a:tblPr>
+                <a:tableStyleId>{638B1855-1B75-4FBE-930C-398BA8C253C6}</a:tableStyleId>
+              </a:tblPr>
+              <a:tblGrid>
+                <a:gridCol w="1825824">
+                  <a:extLst>
+                    <a:ext uri="{9D8B030D-6E8A-4147-A177-3AD203B41FA5}">
+                      <a16:colId xmlns:a16="http://schemas.microsoft.com/office/drawing/2014/main" val="4240773277"/>
+                    </a:ext>
+                  </a:extLst>
+                </a:gridCol>
+              </a:tblGrid>
+              <a:tr h="417888">
+                <a:tc>
+                  <a:txBody>
+                    <a:bodyPr/>
+                    <a:lstStyle/>
+                    <a:p>
+                      <a:pPr algn="ctr"/>
+                      <a:r>
+                        <a:rPr lang="en-SG" u="sng" dirty="0"/>
+                        <a:t>s0:</a:t>
+                      </a:r>
+                      <a:r>
+                        <a:rPr lang="en-SG" sz="1800" u="sng" dirty="0"/>
+                        <a:t>Scheduler</a:t>
+                      </a:r>
+                      <a:endParaRPr lang="en-SG" u="sng" dirty="0"/>
+                    </a:p>
+                  </a:txBody>
+                  <a:tcPr anchor="ctr"/>
+                </a:tc>
+                <a:extLst>
+                  <a:ext uri="{0D108BD9-81ED-4DB2-BD59-A6C34878D82A}">
+                    <a16:rowId xmlns:a16="http://schemas.microsoft.com/office/drawing/2014/main" val="2194462629"/>
+                  </a:ext>
+                </a:extLst>
+              </a:tr>
+            </a:tbl>
+          </a:graphicData>
+        </a:graphic>
+      </p:graphicFrame>
+      <p:graphicFrame>
+        <p:nvGraphicFramePr>
+          <p:cNvPr id="30" name="Table 29">
+            <a:extLst>
+              <a:ext uri="{FF2B5EF4-FFF2-40B4-BE49-F238E27FC236}">
+                <a16:creationId xmlns:a16="http://schemas.microsoft.com/office/drawing/2014/main" id="{95CAC5CA-0063-4845-9001-1A6E36686215}"/>
+              </a:ext>
+            </a:extLst>
+          </p:cNvPr>
+          <p:cNvGraphicFramePr>
+            <a:graphicFrameLocks noGrp="1"/>
+          </p:cNvGraphicFramePr>
+          <p:nvPr>
+            <p:extLst>
+              <p:ext uri="{D42A27DB-BD31-4B8C-83A1-F6EECF244321}">
+                <p14:modId xmlns:p14="http://schemas.microsoft.com/office/powerpoint/2010/main" val="4061499114"/>
+              </p:ext>
+            </p:extLst>
+          </p:nvPr>
+        </p:nvGraphicFramePr>
+        <p:xfrm>
+          <a:off x="2415183" y="1477106"/>
+          <a:ext cx="1825824" cy="417888"/>
+        </p:xfrm>
+        <a:graphic>
+          <a:graphicData uri="http://schemas.openxmlformats.org/drawingml/2006/table">
+            <a:tbl>
+              <a:tblPr>
+                <a:tableStyleId>{638B1855-1B75-4FBE-930C-398BA8C253C6}</a:tableStyleId>
+              </a:tblPr>
+              <a:tblGrid>
+                <a:gridCol w="1825824">
+                  <a:extLst>
+                    <a:ext uri="{9D8B030D-6E8A-4147-A177-3AD203B41FA5}">
+                      <a16:colId xmlns:a16="http://schemas.microsoft.com/office/drawing/2014/main" val="4240773277"/>
+                    </a:ext>
+                  </a:extLst>
+                </a:gridCol>
+              </a:tblGrid>
+              <a:tr h="417888">
+                <a:tc>
+                  <a:txBody>
+                    <a:bodyPr/>
+                    <a:lstStyle/>
+                    <a:p>
+                      <a:pPr algn="ctr"/>
+                      <a:r>
+                        <a:rPr lang="en-SG" u="sng" dirty="0"/>
+                        <a:t>s1:</a:t>
+                      </a:r>
+                      <a:r>
+                        <a:rPr lang="en-SG" sz="1800" u="sng" dirty="0"/>
+                        <a:t>Scheduler</a:t>
+                      </a:r>
+                      <a:endParaRPr lang="en-SG" u="sng" dirty="0"/>
+                    </a:p>
+                  </a:txBody>
+                  <a:tcPr anchor="ctr"/>
+                </a:tc>
+                <a:extLst>
+                  <a:ext uri="{0D108BD9-81ED-4DB2-BD59-A6C34878D82A}">
+                    <a16:rowId xmlns:a16="http://schemas.microsoft.com/office/drawing/2014/main" val="2194462629"/>
+                  </a:ext>
+                </a:extLst>
+              </a:tr>
+            </a:tbl>
+          </a:graphicData>
+        </a:graphic>
+      </p:graphicFrame>
+      <p:graphicFrame>
+        <p:nvGraphicFramePr>
+          <p:cNvPr id="31" name="Table 30">
+            <a:extLst>
+              <a:ext uri="{FF2B5EF4-FFF2-40B4-BE49-F238E27FC236}">
+                <a16:creationId xmlns:a16="http://schemas.microsoft.com/office/drawing/2014/main" id="{735C36FB-B222-4D32-8126-73572C157B5D}"/>
+              </a:ext>
+            </a:extLst>
+          </p:cNvPr>
+          <p:cNvGraphicFramePr>
+            <a:graphicFrameLocks noGrp="1"/>
+          </p:cNvGraphicFramePr>
+          <p:nvPr>
+            <p:extLst>
+              <p:ext uri="{D42A27DB-BD31-4B8C-83A1-F6EECF244321}">
+                <p14:modId xmlns:p14="http://schemas.microsoft.com/office/powerpoint/2010/main" val="1941826349"/>
+              </p:ext>
+            </p:extLst>
+          </p:nvPr>
+        </p:nvGraphicFramePr>
+        <p:xfrm>
+          <a:off x="4341014" y="1471592"/>
+          <a:ext cx="1825824" cy="417888"/>
+        </p:xfrm>
+        <a:graphic>
+          <a:graphicData uri="http://schemas.openxmlformats.org/drawingml/2006/table">
+            <a:tbl>
+              <a:tblPr>
+                <a:tableStyleId>{638B1855-1B75-4FBE-930C-398BA8C253C6}</a:tableStyleId>
+              </a:tblPr>
+              <a:tblGrid>
+                <a:gridCol w="1825824">
+                  <a:extLst>
+                    <a:ext uri="{9D8B030D-6E8A-4147-A177-3AD203B41FA5}">
+                      <a16:colId xmlns:a16="http://schemas.microsoft.com/office/drawing/2014/main" val="4240773277"/>
+                    </a:ext>
+                  </a:extLst>
+                </a:gridCol>
+              </a:tblGrid>
+              <a:tr h="417888">
+                <a:tc>
+                  <a:txBody>
+                    <a:bodyPr/>
+                    <a:lstStyle/>
+                    <a:p>
+                      <a:pPr algn="ctr"/>
+                      <a:r>
+                        <a:rPr lang="en-SG" u="sng" dirty="0"/>
+                        <a:t>s2:</a:t>
+                      </a:r>
+                      <a:r>
+                        <a:rPr lang="en-SG" sz="1800" u="sng" dirty="0"/>
+                        <a:t>Scheduler</a:t>
+                      </a:r>
+                      <a:endParaRPr lang="en-SG" u="sng" dirty="0"/>
+                    </a:p>
+                  </a:txBody>
+                  <a:tcPr anchor="ctr"/>
+                </a:tc>
+                <a:extLst>
+                  <a:ext uri="{0D108BD9-81ED-4DB2-BD59-A6C34878D82A}">
+                    <a16:rowId xmlns:a16="http://schemas.microsoft.com/office/drawing/2014/main" val="2194462629"/>
+                  </a:ext>
+                </a:extLst>
+              </a:tr>
+            </a:tbl>
+          </a:graphicData>
+        </a:graphic>
+      </p:graphicFrame>
+      <p:graphicFrame>
+        <p:nvGraphicFramePr>
+          <p:cNvPr id="32" name="Table 31">
+            <a:extLst>
+              <a:ext uri="{FF2B5EF4-FFF2-40B4-BE49-F238E27FC236}">
+                <a16:creationId xmlns:a16="http://schemas.microsoft.com/office/drawing/2014/main" id="{7435A740-845F-492B-AEBB-6DD3AF7BAE81}"/>
+              </a:ext>
+            </a:extLst>
+          </p:cNvPr>
+          <p:cNvGraphicFramePr>
+            <a:graphicFrameLocks noGrp="1"/>
+          </p:cNvGraphicFramePr>
+          <p:nvPr>
+            <p:extLst>
+              <p:ext uri="{D42A27DB-BD31-4B8C-83A1-F6EECF244321}">
+                <p14:modId xmlns:p14="http://schemas.microsoft.com/office/powerpoint/2010/main" val="377827680"/>
+              </p:ext>
+            </p:extLst>
+          </p:nvPr>
+        </p:nvGraphicFramePr>
+        <p:xfrm>
+          <a:off x="2415183" y="3927593"/>
+          <a:ext cx="1825824" cy="417888"/>
+        </p:xfrm>
+        <a:graphic>
+          <a:graphicData uri="http://schemas.openxmlformats.org/drawingml/2006/table">
+            <a:tbl>
+              <a:tblPr>
+                <a:tableStyleId>{638B1855-1B75-4FBE-930C-398BA8C253C6}</a:tableStyleId>
+              </a:tblPr>
+              <a:tblGrid>
+                <a:gridCol w="1825824">
+                  <a:extLst>
+                    <a:ext uri="{9D8B030D-6E8A-4147-A177-3AD203B41FA5}">
+                      <a16:colId xmlns:a16="http://schemas.microsoft.com/office/drawing/2014/main" val="4240773277"/>
+                    </a:ext>
+                  </a:extLst>
+                </a:gridCol>
+              </a:tblGrid>
+              <a:tr h="417888">
+                <a:tc>
+                  <a:txBody>
+                    <a:bodyPr/>
+                    <a:lstStyle/>
+                    <a:p>
+                      <a:pPr algn="ctr"/>
+                      <a:r>
+                        <a:rPr lang="en-SG" u="sng" dirty="0"/>
+                        <a:t>s1:</a:t>
+                      </a:r>
+                      <a:r>
+                        <a:rPr lang="en-SG" sz="1800" u="sng" dirty="0"/>
+                        <a:t>Scheduler</a:t>
+                      </a:r>
+                      <a:endParaRPr lang="en-SG" u="sng" dirty="0"/>
+                    </a:p>
+                  </a:txBody>
+                  <a:tcPr anchor="ctr"/>
+                </a:tc>
+                <a:extLst>
+                  <a:ext uri="{0D108BD9-81ED-4DB2-BD59-A6C34878D82A}">
+                    <a16:rowId xmlns:a16="http://schemas.microsoft.com/office/drawing/2014/main" val="2194462629"/>
+                  </a:ext>
+                </a:extLst>
+              </a:tr>
+            </a:tbl>
+          </a:graphicData>
+        </a:graphic>
+      </p:graphicFrame>
+      <p:graphicFrame>
+        <p:nvGraphicFramePr>
+          <p:cNvPr id="33" name="Table 32">
+            <a:extLst>
+              <a:ext uri="{FF2B5EF4-FFF2-40B4-BE49-F238E27FC236}">
+                <a16:creationId xmlns:a16="http://schemas.microsoft.com/office/drawing/2014/main" id="{4655461D-7102-4FAA-B1E2-EC46023B0484}"/>
+              </a:ext>
+            </a:extLst>
+          </p:cNvPr>
+          <p:cNvGraphicFramePr>
+            <a:graphicFrameLocks noGrp="1"/>
+          </p:cNvGraphicFramePr>
+          <p:nvPr>
+            <p:extLst>
+              <p:ext uri="{D42A27DB-BD31-4B8C-83A1-F6EECF244321}">
+                <p14:modId xmlns:p14="http://schemas.microsoft.com/office/powerpoint/2010/main" val="1945356719"/>
+              </p:ext>
+            </p:extLst>
+          </p:nvPr>
+        </p:nvGraphicFramePr>
+        <p:xfrm>
+          <a:off x="4367849" y="3927593"/>
+          <a:ext cx="1825824" cy="417888"/>
+        </p:xfrm>
+        <a:graphic>
+          <a:graphicData uri="http://schemas.openxmlformats.org/drawingml/2006/table">
+            <a:tbl>
+              <a:tblPr>
+                <a:tableStyleId>{638B1855-1B75-4FBE-930C-398BA8C253C6}</a:tableStyleId>
+              </a:tblPr>
+              <a:tblGrid>
+                <a:gridCol w="1825824">
+                  <a:extLst>
+                    <a:ext uri="{9D8B030D-6E8A-4147-A177-3AD203B41FA5}">
+                      <a16:colId xmlns:a16="http://schemas.microsoft.com/office/drawing/2014/main" val="4240773277"/>
+                    </a:ext>
+                  </a:extLst>
+                </a:gridCol>
+              </a:tblGrid>
+              <a:tr h="417888">
+                <a:tc>
+                  <a:txBody>
+                    <a:bodyPr/>
+                    <a:lstStyle/>
+                    <a:p>
+                      <a:pPr algn="ctr"/>
+                      <a:r>
+                        <a:rPr lang="en-SG" u="sng" dirty="0"/>
+                        <a:t>s2:</a:t>
+                      </a:r>
+                      <a:r>
+                        <a:rPr lang="en-SG" sz="1800" u="sng" dirty="0"/>
+                        <a:t>Scheduler</a:t>
+                      </a:r>
+                      <a:endParaRPr lang="en-SG" u="sng" dirty="0"/>
+                    </a:p>
+                  </a:txBody>
+                  <a:tcPr anchor="ctr"/>
+                </a:tc>
+                <a:extLst>
+                  <a:ext uri="{0D108BD9-81ED-4DB2-BD59-A6C34878D82A}">
+                    <a16:rowId xmlns:a16="http://schemas.microsoft.com/office/drawing/2014/main" val="2194462629"/>
+                  </a:ext>
+                </a:extLst>
+              </a:tr>
+            </a:tbl>
+          </a:graphicData>
+        </a:graphic>
+      </p:graphicFrame>
     </p:spTree>
     <p:extLst>
       <p:ext uri="{BB962C8B-B14F-4D97-AF65-F5344CB8AC3E}">

--- a/docs/diagrams/UndoRedoExecuteUndoStateListDiagram.pptx
+++ b/docs/diagrams/UndoRedoExecuteUndoStateListDiagram.pptx
@@ -112,10 +112,6 @@
 </p:presentation>
 </file>
 
-<file path=ppt/revisionInfo.xml><?xml version="1.0" encoding="utf-8"?>
-<p1510:revInfo xmlns:a="http://schemas.openxmlformats.org/drawingml/2006/main" xmlns:r="http://schemas.openxmlformats.org/officeDocument/2006/relationships" xmlns:p1510="http://schemas.microsoft.com/office/powerpoint/2015/10/main"/>
-</file>
-
 <file path=ppt/slideLayouts/slideLayout1.xml><?xml version="1.0" encoding="utf-8"?>
 <p:sldLayout xmlns:a="http://schemas.openxmlformats.org/drawingml/2006/main" xmlns:r="http://schemas.openxmlformats.org/officeDocument/2006/relationships" xmlns:p="http://schemas.openxmlformats.org/presentationml/2006/main" type="title" preserve="1">
   <p:cSld name="Title Slide">
@@ -265,7 +261,7 @@
           <a:p>
             <a:fld id="{03EC4E3E-8101-482F-A883-8B55DAFF7C07}" type="datetimeFigureOut">
               <a:rPr lang="en-SG" smtClean="0"/>
-              <a:t>6/7/2018</a:t>
+              <a:t>11/11/2018</a:t>
             </a:fld>
             <a:endParaRPr lang="en-SG"/>
           </a:p>
@@ -465,7 +461,7 @@
           <a:p>
             <a:fld id="{03EC4E3E-8101-482F-A883-8B55DAFF7C07}" type="datetimeFigureOut">
               <a:rPr lang="en-SG" smtClean="0"/>
-              <a:t>6/7/2018</a:t>
+              <a:t>11/11/2018</a:t>
             </a:fld>
             <a:endParaRPr lang="en-SG"/>
           </a:p>
@@ -675,7 +671,7 @@
           <a:p>
             <a:fld id="{03EC4E3E-8101-482F-A883-8B55DAFF7C07}" type="datetimeFigureOut">
               <a:rPr lang="en-SG" smtClean="0"/>
-              <a:t>6/7/2018</a:t>
+              <a:t>11/11/2018</a:t>
             </a:fld>
             <a:endParaRPr lang="en-SG"/>
           </a:p>
@@ -875,7 +871,7 @@
           <a:p>
             <a:fld id="{03EC4E3E-8101-482F-A883-8B55DAFF7C07}" type="datetimeFigureOut">
               <a:rPr lang="en-SG" smtClean="0"/>
-              <a:t>6/7/2018</a:t>
+              <a:t>11/11/2018</a:t>
             </a:fld>
             <a:endParaRPr lang="en-SG"/>
           </a:p>
@@ -1151,7 +1147,7 @@
           <a:p>
             <a:fld id="{03EC4E3E-8101-482F-A883-8B55DAFF7C07}" type="datetimeFigureOut">
               <a:rPr lang="en-SG" smtClean="0"/>
-              <a:t>6/7/2018</a:t>
+              <a:t>11/11/2018</a:t>
             </a:fld>
             <a:endParaRPr lang="en-SG"/>
           </a:p>
@@ -1419,7 +1415,7 @@
           <a:p>
             <a:fld id="{03EC4E3E-8101-482F-A883-8B55DAFF7C07}" type="datetimeFigureOut">
               <a:rPr lang="en-SG" smtClean="0"/>
-              <a:t>6/7/2018</a:t>
+              <a:t>11/11/2018</a:t>
             </a:fld>
             <a:endParaRPr lang="en-SG"/>
           </a:p>
@@ -1834,7 +1830,7 @@
           <a:p>
             <a:fld id="{03EC4E3E-8101-482F-A883-8B55DAFF7C07}" type="datetimeFigureOut">
               <a:rPr lang="en-SG" smtClean="0"/>
-              <a:t>6/7/2018</a:t>
+              <a:t>11/11/2018</a:t>
             </a:fld>
             <a:endParaRPr lang="en-SG"/>
           </a:p>
@@ -1976,7 +1972,7 @@
           <a:p>
             <a:fld id="{03EC4E3E-8101-482F-A883-8B55DAFF7C07}" type="datetimeFigureOut">
               <a:rPr lang="en-SG" smtClean="0"/>
-              <a:t>6/7/2018</a:t>
+              <a:t>11/11/2018</a:t>
             </a:fld>
             <a:endParaRPr lang="en-SG"/>
           </a:p>
@@ -2089,7 +2085,7 @@
           <a:p>
             <a:fld id="{03EC4E3E-8101-482F-A883-8B55DAFF7C07}" type="datetimeFigureOut">
               <a:rPr lang="en-SG" smtClean="0"/>
-              <a:t>6/7/2018</a:t>
+              <a:t>11/11/2018</a:t>
             </a:fld>
             <a:endParaRPr lang="en-SG"/>
           </a:p>
@@ -2402,7 +2398,7 @@
           <a:p>
             <a:fld id="{03EC4E3E-8101-482F-A883-8B55DAFF7C07}" type="datetimeFigureOut">
               <a:rPr lang="en-SG" smtClean="0"/>
-              <a:t>6/7/2018</a:t>
+              <a:t>11/11/2018</a:t>
             </a:fld>
             <a:endParaRPr lang="en-SG"/>
           </a:p>
@@ -2691,7 +2687,7 @@
           <a:p>
             <a:fld id="{03EC4E3E-8101-482F-A883-8B55DAFF7C07}" type="datetimeFigureOut">
               <a:rPr lang="en-SG" smtClean="0"/>
-              <a:t>6/7/2018</a:t>
+              <a:t>11/11/2018</a:t>
             </a:fld>
             <a:endParaRPr lang="en-SG"/>
           </a:p>
@@ -2934,7 +2930,7 @@
           <a:p>
             <a:fld id="{03EC4E3E-8101-482F-A883-8B55DAFF7C07}" type="datetimeFigureOut">
               <a:rPr lang="en-SG" smtClean="0"/>
-              <a:t>6/7/2018</a:t>
+              <a:t>11/11/2018</a:t>
             </a:fld>
             <a:endParaRPr lang="en-SG"/>
           </a:p>
@@ -3407,7 +3403,15 @@
             <a:pPr algn="ctr"/>
             <a:r>
               <a:rPr lang="en-SG" dirty="0"/>
-              <a:t>The state of the address book (before ‘add n/David …’ was executed) will be restored to state ab1.</a:t>
+              <a:t>The state of Expense Tracker(before ‘add </a:t>
+            </a:r>
+            <a:r>
+              <a:rPr lang="en-SG"/>
+              <a:t>n/Lunch …’ </a:t>
+            </a:r>
+            <a:r>
+              <a:rPr lang="en-SG" dirty="0"/>
+              <a:t>was executed) will be restored to state et1.</a:t>
             </a:r>
           </a:p>
         </p:txBody>
@@ -3453,164 +3457,6 @@
               <a:t>undo </a:t>
             </a:r>
             <a:endParaRPr lang="en-US" dirty="0"/>
-          </a:p>
-        </p:txBody>
-      </p:sp>
-      <p:sp>
-        <p:nvSpPr>
-          <p:cNvPr id="17" name="TextBox 16">
-            <a:extLst>
-              <a:ext uri="{FF2B5EF4-FFF2-40B4-BE49-F238E27FC236}">
-                <a16:creationId xmlns:a16="http://schemas.microsoft.com/office/drawing/2014/main" id="{3151A13B-9509-43FA-BFEB-1D9866A00B84}"/>
-              </a:ext>
-            </a:extLst>
-          </p:cNvPr>
-          <p:cNvSpPr txBox="1"/>
-          <p:nvPr/>
-        </p:nvSpPr>
-        <p:spPr>
-          <a:xfrm>
-            <a:off x="3917960" y="2726030"/>
-            <a:ext cx="3207000" cy="369332"/>
-          </a:xfrm>
-          <a:prstGeom prst="rect">
-            <a:avLst/>
-          </a:prstGeom>
-          <a:noFill/>
-        </p:spPr>
-        <p:txBody>
-          <a:bodyPr wrap="square" rtlCol="0">
-            <a:spAutoFit/>
-          </a:bodyPr>
-          <a:lstStyle/>
-          <a:p>
-            <a:pPr algn="ctr"/>
-            <a:r>
-              <a:rPr lang="en-SG" dirty="0" err="1">
-                <a:latin typeface="Consolas" panose="020B0609020204030204" pitchFamily="49" charset="0"/>
-              </a:rPr>
-              <a:t>currentStatePointer</a:t>
-            </a:r>
-            <a:r>
-              <a:rPr lang="en-SG" dirty="0">
-                <a:latin typeface="Consolas" panose="020B0609020204030204" pitchFamily="49" charset="0"/>
-              </a:rPr>
-              <a:t> = 2</a:t>
-            </a:r>
-          </a:p>
-        </p:txBody>
-      </p:sp>
-      <p:graphicFrame>
-        <p:nvGraphicFramePr>
-          <p:cNvPr id="18" name="Table 17">
-            <a:extLst>
-              <a:ext uri="{FF2B5EF4-FFF2-40B4-BE49-F238E27FC236}">
-                <a16:creationId xmlns:a16="http://schemas.microsoft.com/office/drawing/2014/main" id="{F545FAB8-F1CE-4886-9BDE-E772BCB0A9C4}"/>
-              </a:ext>
-            </a:extLst>
-          </p:cNvPr>
-          <p:cNvGraphicFramePr>
-            <a:graphicFrameLocks noGrp="1"/>
-          </p:cNvGraphicFramePr>
-          <p:nvPr>
-            <p:extLst>
-              <p:ext uri="{D42A27DB-BD31-4B8C-83A1-F6EECF244321}">
-                <p14:modId xmlns:p14="http://schemas.microsoft.com/office/powerpoint/2010/main" val="1674993041"/>
-              </p:ext>
-            </p:extLst>
-          </p:nvPr>
-        </p:nvGraphicFramePr>
-        <p:xfrm>
-          <a:off x="473240" y="1476102"/>
-          <a:ext cx="1825824" cy="417888"/>
-        </p:xfrm>
-        <a:graphic>
-          <a:graphicData uri="http://schemas.openxmlformats.org/drawingml/2006/table">
-            <a:tbl>
-              <a:tblPr>
-                <a:tableStyleId>{638B1855-1B75-4FBE-930C-398BA8C253C6}</a:tableStyleId>
-              </a:tblPr>
-              <a:tblGrid>
-                <a:gridCol w="1825824">
-                  <a:extLst>
-                    <a:ext uri="{9D8B030D-6E8A-4147-A177-3AD203B41FA5}">
-                      <a16:colId xmlns:a16="http://schemas.microsoft.com/office/drawing/2014/main" val="4240773277"/>
-                    </a:ext>
-                  </a:extLst>
-                </a:gridCol>
-              </a:tblGrid>
-              <a:tr h="417888">
-                <a:tc>
-                  <a:txBody>
-                    <a:bodyPr/>
-                    <a:lstStyle/>
-                    <a:p>
-                      <a:r>
-                        <a:rPr lang="en-SG" u="sng" dirty="0"/>
-                        <a:t>ab0:</a:t>
-                      </a:r>
-                      <a:r>
-                        <a:rPr lang="en-SG" sz="1800" u="sng" dirty="0"/>
-                        <a:t>AddressBook</a:t>
-                      </a:r>
-                      <a:endParaRPr lang="en-SG" u="sng" dirty="0"/>
-                    </a:p>
-                  </a:txBody>
-                  <a:tcPr/>
-                </a:tc>
-                <a:extLst>
-                  <a:ext uri="{0D108BD9-81ED-4DB2-BD59-A6C34878D82A}">
-                    <a16:rowId xmlns:a16="http://schemas.microsoft.com/office/drawing/2014/main" val="2194462629"/>
-                  </a:ext>
-                </a:extLst>
-              </a:tr>
-            </a:tbl>
-          </a:graphicData>
-        </a:graphic>
-      </p:graphicFrame>
-      <p:sp>
-        <p:nvSpPr>
-          <p:cNvPr id="28" name="Rectangle 27"/>
-          <p:cNvSpPr/>
-          <p:nvPr/>
-        </p:nvSpPr>
-        <p:spPr>
-          <a:xfrm>
-            <a:off x="364797" y="1375953"/>
-            <a:ext cx="11364686" cy="618187"/>
-          </a:xfrm>
-          <a:prstGeom prst="rect">
-            <a:avLst/>
-          </a:prstGeom>
-          <a:noFill/>
-          <a:ln>
-            <a:solidFill>
-              <a:schemeClr val="tx1"/>
-            </a:solidFill>
-          </a:ln>
-        </p:spPr>
-        <p:style>
-          <a:lnRef idx="2">
-            <a:schemeClr val="accent1">
-              <a:shade val="50000"/>
-            </a:schemeClr>
-          </a:lnRef>
-          <a:fillRef idx="1">
-            <a:schemeClr val="accent1"/>
-          </a:fillRef>
-          <a:effectRef idx="0">
-            <a:schemeClr val="accent1"/>
-          </a:effectRef>
-          <a:fontRef idx="minor">
-            <a:schemeClr val="lt1"/>
-          </a:fontRef>
-        </p:style>
-        <p:txBody>
-          <a:bodyPr rtlCol="0" anchor="ctr"/>
-          <a:lstStyle/>
-          <a:p>
-            <a:pPr algn="ctr"/>
-            <a:endParaRPr lang="en-US"/>
           </a:p>
         </p:txBody>
       </p:sp>
@@ -3704,390 +3550,6 @@
           </a:p>
         </p:txBody>
       </p:sp>
-      <p:graphicFrame>
-        <p:nvGraphicFramePr>
-          <p:cNvPr id="16" name="Table 15">
-            <a:extLst>
-              <a:ext uri="{FF2B5EF4-FFF2-40B4-BE49-F238E27FC236}">
-                <a16:creationId xmlns:a16="http://schemas.microsoft.com/office/drawing/2014/main" id="{F545FAB8-F1CE-4886-9BDE-E772BCB0A9C4}"/>
-              </a:ext>
-            </a:extLst>
-          </p:cNvPr>
-          <p:cNvGraphicFramePr>
-            <a:graphicFrameLocks noGrp="1"/>
-          </p:cNvGraphicFramePr>
-          <p:nvPr>
-            <p:extLst>
-              <p:ext uri="{D42A27DB-BD31-4B8C-83A1-F6EECF244321}">
-                <p14:modId xmlns:p14="http://schemas.microsoft.com/office/powerpoint/2010/main" val="3085921390"/>
-              </p:ext>
-            </p:extLst>
-          </p:nvPr>
-        </p:nvGraphicFramePr>
-        <p:xfrm>
-          <a:off x="2440458" y="1476102"/>
-          <a:ext cx="1825824" cy="417888"/>
-        </p:xfrm>
-        <a:graphic>
-          <a:graphicData uri="http://schemas.openxmlformats.org/drawingml/2006/table">
-            <a:tbl>
-              <a:tblPr>
-                <a:tableStyleId>{638B1855-1B75-4FBE-930C-398BA8C253C6}</a:tableStyleId>
-              </a:tblPr>
-              <a:tblGrid>
-                <a:gridCol w="1825824">
-                  <a:extLst>
-                    <a:ext uri="{9D8B030D-6E8A-4147-A177-3AD203B41FA5}">
-                      <a16:colId xmlns:a16="http://schemas.microsoft.com/office/drawing/2014/main" val="4240773277"/>
-                    </a:ext>
-                  </a:extLst>
-                </a:gridCol>
-              </a:tblGrid>
-              <a:tr h="417888">
-                <a:tc>
-                  <a:txBody>
-                    <a:bodyPr/>
-                    <a:lstStyle/>
-                    <a:p>
-                      <a:r>
-                        <a:rPr lang="en-SG" u="sng" dirty="0"/>
-                        <a:t>ab1:</a:t>
-                      </a:r>
-                      <a:r>
-                        <a:rPr lang="en-SG" sz="1800" u="sng" dirty="0"/>
-                        <a:t>AddressBook</a:t>
-                      </a:r>
-                      <a:endParaRPr lang="en-SG" u="sng" dirty="0"/>
-                    </a:p>
-                  </a:txBody>
-                  <a:tcPr/>
-                </a:tc>
-                <a:extLst>
-                  <a:ext uri="{0D108BD9-81ED-4DB2-BD59-A6C34878D82A}">
-                    <a16:rowId xmlns:a16="http://schemas.microsoft.com/office/drawing/2014/main" val="2194462629"/>
-                  </a:ext>
-                </a:extLst>
-              </a:tr>
-            </a:tbl>
-          </a:graphicData>
-        </a:graphic>
-      </p:graphicFrame>
-      <p:graphicFrame>
-        <p:nvGraphicFramePr>
-          <p:cNvPr id="20" name="Table 19">
-            <a:extLst>
-              <a:ext uri="{FF2B5EF4-FFF2-40B4-BE49-F238E27FC236}">
-                <a16:creationId xmlns:a16="http://schemas.microsoft.com/office/drawing/2014/main" id="{F545FAB8-F1CE-4886-9BDE-E772BCB0A9C4}"/>
-              </a:ext>
-            </a:extLst>
-          </p:cNvPr>
-          <p:cNvGraphicFramePr>
-            <a:graphicFrameLocks noGrp="1"/>
-          </p:cNvGraphicFramePr>
-          <p:nvPr>
-            <p:extLst>
-              <p:ext uri="{D42A27DB-BD31-4B8C-83A1-F6EECF244321}">
-                <p14:modId xmlns:p14="http://schemas.microsoft.com/office/powerpoint/2010/main" val="3504448791"/>
-              </p:ext>
-            </p:extLst>
-          </p:nvPr>
-        </p:nvGraphicFramePr>
-        <p:xfrm>
-          <a:off x="4409785" y="1476102"/>
-          <a:ext cx="1825824" cy="417888"/>
-        </p:xfrm>
-        <a:graphic>
-          <a:graphicData uri="http://schemas.openxmlformats.org/drawingml/2006/table">
-            <a:tbl>
-              <a:tblPr>
-                <a:tableStyleId>{638B1855-1B75-4FBE-930C-398BA8C253C6}</a:tableStyleId>
-              </a:tblPr>
-              <a:tblGrid>
-                <a:gridCol w="1825824">
-                  <a:extLst>
-                    <a:ext uri="{9D8B030D-6E8A-4147-A177-3AD203B41FA5}">
-                      <a16:colId xmlns:a16="http://schemas.microsoft.com/office/drawing/2014/main" val="4240773277"/>
-                    </a:ext>
-                  </a:extLst>
-                </a:gridCol>
-              </a:tblGrid>
-              <a:tr h="417888">
-                <a:tc>
-                  <a:txBody>
-                    <a:bodyPr/>
-                    <a:lstStyle/>
-                    <a:p>
-                      <a:r>
-                        <a:rPr lang="en-SG" u="sng" dirty="0"/>
-                        <a:t>ab2:</a:t>
-                      </a:r>
-                      <a:r>
-                        <a:rPr lang="en-SG" sz="1800" u="sng" dirty="0"/>
-                        <a:t>AddressBook</a:t>
-                      </a:r>
-                      <a:endParaRPr lang="en-SG" u="sng" dirty="0"/>
-                    </a:p>
-                  </a:txBody>
-                  <a:tcPr/>
-                </a:tc>
-                <a:extLst>
-                  <a:ext uri="{0D108BD9-81ED-4DB2-BD59-A6C34878D82A}">
-                    <a16:rowId xmlns:a16="http://schemas.microsoft.com/office/drawing/2014/main" val="2194462629"/>
-                  </a:ext>
-                </a:extLst>
-              </a:tr>
-            </a:tbl>
-          </a:graphicData>
-        </a:graphic>
-      </p:graphicFrame>
-      <p:graphicFrame>
-        <p:nvGraphicFramePr>
-          <p:cNvPr id="21" name="Table 20">
-            <a:extLst>
-              <a:ext uri="{FF2B5EF4-FFF2-40B4-BE49-F238E27FC236}">
-                <a16:creationId xmlns:a16="http://schemas.microsoft.com/office/drawing/2014/main" id="{F545FAB8-F1CE-4886-9BDE-E772BCB0A9C4}"/>
-              </a:ext>
-            </a:extLst>
-          </p:cNvPr>
-          <p:cNvGraphicFramePr>
-            <a:graphicFrameLocks noGrp="1"/>
-          </p:cNvGraphicFramePr>
-          <p:nvPr>
-            <p:extLst>
-              <p:ext uri="{D42A27DB-BD31-4B8C-83A1-F6EECF244321}">
-                <p14:modId xmlns:p14="http://schemas.microsoft.com/office/powerpoint/2010/main" val="3880678430"/>
-              </p:ext>
-            </p:extLst>
-          </p:nvPr>
-        </p:nvGraphicFramePr>
-        <p:xfrm>
-          <a:off x="473240" y="3922133"/>
-          <a:ext cx="1825824" cy="417888"/>
-        </p:xfrm>
-        <a:graphic>
-          <a:graphicData uri="http://schemas.openxmlformats.org/drawingml/2006/table">
-            <a:tbl>
-              <a:tblPr>
-                <a:tableStyleId>{638B1855-1B75-4FBE-930C-398BA8C253C6}</a:tableStyleId>
-              </a:tblPr>
-              <a:tblGrid>
-                <a:gridCol w="1825824">
-                  <a:extLst>
-                    <a:ext uri="{9D8B030D-6E8A-4147-A177-3AD203B41FA5}">
-                      <a16:colId xmlns:a16="http://schemas.microsoft.com/office/drawing/2014/main" val="4240773277"/>
-                    </a:ext>
-                  </a:extLst>
-                </a:gridCol>
-              </a:tblGrid>
-              <a:tr h="417888">
-                <a:tc>
-                  <a:txBody>
-                    <a:bodyPr/>
-                    <a:lstStyle/>
-                    <a:p>
-                      <a:r>
-                        <a:rPr lang="en-SG" u="sng" dirty="0"/>
-                        <a:t>ab0:</a:t>
-                      </a:r>
-                      <a:r>
-                        <a:rPr lang="en-SG" sz="1800" u="sng" dirty="0"/>
-                        <a:t>AddressBook</a:t>
-                      </a:r>
-                      <a:endParaRPr lang="en-SG" u="sng" dirty="0"/>
-                    </a:p>
-                  </a:txBody>
-                  <a:tcPr/>
-                </a:tc>
-                <a:extLst>
-                  <a:ext uri="{0D108BD9-81ED-4DB2-BD59-A6C34878D82A}">
-                    <a16:rowId xmlns:a16="http://schemas.microsoft.com/office/drawing/2014/main" val="2194462629"/>
-                  </a:ext>
-                </a:extLst>
-              </a:tr>
-            </a:tbl>
-          </a:graphicData>
-        </a:graphic>
-      </p:graphicFrame>
-      <p:graphicFrame>
-        <p:nvGraphicFramePr>
-          <p:cNvPr id="22" name="Table 21">
-            <a:extLst>
-              <a:ext uri="{FF2B5EF4-FFF2-40B4-BE49-F238E27FC236}">
-                <a16:creationId xmlns:a16="http://schemas.microsoft.com/office/drawing/2014/main" id="{F545FAB8-F1CE-4886-9BDE-E772BCB0A9C4}"/>
-              </a:ext>
-            </a:extLst>
-          </p:cNvPr>
-          <p:cNvGraphicFramePr>
-            <a:graphicFrameLocks noGrp="1"/>
-          </p:cNvGraphicFramePr>
-          <p:nvPr>
-            <p:extLst>
-              <p:ext uri="{D42A27DB-BD31-4B8C-83A1-F6EECF244321}">
-                <p14:modId xmlns:p14="http://schemas.microsoft.com/office/powerpoint/2010/main" val="719723626"/>
-              </p:ext>
-            </p:extLst>
-          </p:nvPr>
-        </p:nvGraphicFramePr>
-        <p:xfrm>
-          <a:off x="2440458" y="3922133"/>
-          <a:ext cx="1825824" cy="417888"/>
-        </p:xfrm>
-        <a:graphic>
-          <a:graphicData uri="http://schemas.openxmlformats.org/drawingml/2006/table">
-            <a:tbl>
-              <a:tblPr>
-                <a:tableStyleId>{638B1855-1B75-4FBE-930C-398BA8C253C6}</a:tableStyleId>
-              </a:tblPr>
-              <a:tblGrid>
-                <a:gridCol w="1825824">
-                  <a:extLst>
-                    <a:ext uri="{9D8B030D-6E8A-4147-A177-3AD203B41FA5}">
-                      <a16:colId xmlns:a16="http://schemas.microsoft.com/office/drawing/2014/main" val="4240773277"/>
-                    </a:ext>
-                  </a:extLst>
-                </a:gridCol>
-              </a:tblGrid>
-              <a:tr h="417888">
-                <a:tc>
-                  <a:txBody>
-                    <a:bodyPr/>
-                    <a:lstStyle/>
-                    <a:p>
-                      <a:r>
-                        <a:rPr lang="en-SG" u="sng" dirty="0"/>
-                        <a:t>ab1:</a:t>
-                      </a:r>
-                      <a:r>
-                        <a:rPr lang="en-SG" sz="1800" u="sng" dirty="0"/>
-                        <a:t>AddressBook</a:t>
-                      </a:r>
-                      <a:endParaRPr lang="en-SG" u="sng" dirty="0"/>
-                    </a:p>
-                  </a:txBody>
-                  <a:tcPr/>
-                </a:tc>
-                <a:extLst>
-                  <a:ext uri="{0D108BD9-81ED-4DB2-BD59-A6C34878D82A}">
-                    <a16:rowId xmlns:a16="http://schemas.microsoft.com/office/drawing/2014/main" val="2194462629"/>
-                  </a:ext>
-                </a:extLst>
-              </a:tr>
-            </a:tbl>
-          </a:graphicData>
-        </a:graphic>
-      </p:graphicFrame>
-      <p:graphicFrame>
-        <p:nvGraphicFramePr>
-          <p:cNvPr id="23" name="Table 22">
-            <a:extLst>
-              <a:ext uri="{FF2B5EF4-FFF2-40B4-BE49-F238E27FC236}">
-                <a16:creationId xmlns:a16="http://schemas.microsoft.com/office/drawing/2014/main" id="{F545FAB8-F1CE-4886-9BDE-E772BCB0A9C4}"/>
-              </a:ext>
-            </a:extLst>
-          </p:cNvPr>
-          <p:cNvGraphicFramePr>
-            <a:graphicFrameLocks noGrp="1"/>
-          </p:cNvGraphicFramePr>
-          <p:nvPr>
-            <p:extLst>
-              <p:ext uri="{D42A27DB-BD31-4B8C-83A1-F6EECF244321}">
-                <p14:modId xmlns:p14="http://schemas.microsoft.com/office/powerpoint/2010/main" val="3592690620"/>
-              </p:ext>
-            </p:extLst>
-          </p:nvPr>
-        </p:nvGraphicFramePr>
-        <p:xfrm>
-          <a:off x="4409785" y="3922133"/>
-          <a:ext cx="1825824" cy="417888"/>
-        </p:xfrm>
-        <a:graphic>
-          <a:graphicData uri="http://schemas.openxmlformats.org/drawingml/2006/table">
-            <a:tbl>
-              <a:tblPr>
-                <a:tableStyleId>{638B1855-1B75-4FBE-930C-398BA8C253C6}</a:tableStyleId>
-              </a:tblPr>
-              <a:tblGrid>
-                <a:gridCol w="1825824">
-                  <a:extLst>
-                    <a:ext uri="{9D8B030D-6E8A-4147-A177-3AD203B41FA5}">
-                      <a16:colId xmlns:a16="http://schemas.microsoft.com/office/drawing/2014/main" val="4240773277"/>
-                    </a:ext>
-                  </a:extLst>
-                </a:gridCol>
-              </a:tblGrid>
-              <a:tr h="417888">
-                <a:tc>
-                  <a:txBody>
-                    <a:bodyPr/>
-                    <a:lstStyle/>
-                    <a:p>
-                      <a:r>
-                        <a:rPr lang="en-SG" u="sng" dirty="0"/>
-                        <a:t>ab2:</a:t>
-                      </a:r>
-                      <a:r>
-                        <a:rPr lang="en-SG" sz="1800" u="sng" dirty="0"/>
-                        <a:t>AddressBook</a:t>
-                      </a:r>
-                      <a:endParaRPr lang="en-SG" u="sng" dirty="0"/>
-                    </a:p>
-                  </a:txBody>
-                  <a:tcPr/>
-                </a:tc>
-                <a:extLst>
-                  <a:ext uri="{0D108BD9-81ED-4DB2-BD59-A6C34878D82A}">
-                    <a16:rowId xmlns:a16="http://schemas.microsoft.com/office/drawing/2014/main" val="2194462629"/>
-                  </a:ext>
-                </a:extLst>
-              </a:tr>
-            </a:tbl>
-          </a:graphicData>
-        </a:graphic>
-      </p:graphicFrame>
-      <p:cxnSp>
-        <p:nvCxnSpPr>
-          <p:cNvPr id="19" name="Straight Arrow Connector 18">
-            <a:extLst>
-              <a:ext uri="{FF2B5EF4-FFF2-40B4-BE49-F238E27FC236}">
-                <a16:creationId xmlns:a16="http://schemas.microsoft.com/office/drawing/2014/main" id="{DC8F2CFA-FFF8-41BD-B884-8ACDF8C96486}"/>
-              </a:ext>
-            </a:extLst>
-          </p:cNvPr>
-          <p:cNvCxnSpPr>
-            <a:cxnSpLocks/>
-          </p:cNvCxnSpPr>
-          <p:nvPr/>
-        </p:nvCxnSpPr>
-        <p:spPr>
-          <a:xfrm flipV="1">
-            <a:off x="5377343" y="2019157"/>
-            <a:ext cx="0" cy="706873"/>
-          </a:xfrm>
-          <a:prstGeom prst="straightConnector1">
-            <a:avLst/>
-          </a:prstGeom>
-          <a:ln>
-            <a:solidFill>
-              <a:srgbClr val="C00000"/>
-            </a:solidFill>
-            <a:tailEnd type="triangle"/>
-          </a:ln>
-        </p:spPr>
-        <p:style>
-          <a:lnRef idx="1">
-            <a:schemeClr val="accent1"/>
-          </a:lnRef>
-          <a:fillRef idx="0">
-            <a:schemeClr val="accent1"/>
-          </a:fillRef>
-          <a:effectRef idx="0">
-            <a:schemeClr val="accent1"/>
-          </a:effectRef>
-          <a:fontRef idx="minor">
-            <a:schemeClr val="tx1"/>
-          </a:fontRef>
-        </p:style>
-      </p:cxnSp>
       <p:cxnSp>
         <p:nvCxnSpPr>
           <p:cNvPr id="25" name="Straight Arrow Connector 24">
@@ -4132,6 +3594,554 @@
           </a:fontRef>
         </p:style>
       </p:cxnSp>
+      <p:sp>
+        <p:nvSpPr>
+          <p:cNvPr id="34" name="TextBox 33">
+            <a:extLst>
+              <a:ext uri="{FF2B5EF4-FFF2-40B4-BE49-F238E27FC236}">
+                <a16:creationId xmlns:a16="http://schemas.microsoft.com/office/drawing/2014/main" id="{B0AC2BBD-0301-44D3-905E-76057527D1ED}"/>
+              </a:ext>
+            </a:extLst>
+          </p:cNvPr>
+          <p:cNvSpPr txBox="1"/>
+          <p:nvPr/>
+        </p:nvSpPr>
+        <p:spPr>
+          <a:xfrm>
+            <a:off x="3894137" y="2688089"/>
+            <a:ext cx="3207000" cy="369332"/>
+          </a:xfrm>
+          <a:prstGeom prst="rect">
+            <a:avLst/>
+          </a:prstGeom>
+          <a:noFill/>
+        </p:spPr>
+        <p:txBody>
+          <a:bodyPr wrap="square" rtlCol="0">
+            <a:spAutoFit/>
+          </a:bodyPr>
+          <a:lstStyle/>
+          <a:p>
+            <a:pPr algn="ctr"/>
+            <a:r>
+              <a:rPr lang="en-SG" dirty="0" err="1">
+                <a:latin typeface="Consolas" panose="020B0609020204030204" pitchFamily="49" charset="0"/>
+              </a:rPr>
+              <a:t>currentStatePointer</a:t>
+            </a:r>
+            <a:r>
+              <a:rPr lang="en-SG" dirty="0">
+                <a:latin typeface="Consolas" panose="020B0609020204030204" pitchFamily="49" charset="0"/>
+              </a:rPr>
+              <a:t> = 2</a:t>
+            </a:r>
+          </a:p>
+        </p:txBody>
+      </p:sp>
+      <p:sp>
+        <p:nvSpPr>
+          <p:cNvPr id="35" name="Rectangle 34">
+            <a:extLst>
+              <a:ext uri="{FF2B5EF4-FFF2-40B4-BE49-F238E27FC236}">
+                <a16:creationId xmlns:a16="http://schemas.microsoft.com/office/drawing/2014/main" id="{0431028E-524C-4A1A-B84F-FB8E9FE5A581}"/>
+              </a:ext>
+            </a:extLst>
+          </p:cNvPr>
+          <p:cNvSpPr/>
+          <p:nvPr/>
+        </p:nvSpPr>
+        <p:spPr>
+          <a:xfrm>
+            <a:off x="387404" y="1403489"/>
+            <a:ext cx="11364686" cy="593918"/>
+          </a:xfrm>
+          <a:prstGeom prst="rect">
+            <a:avLst/>
+          </a:prstGeom>
+          <a:noFill/>
+          <a:ln>
+            <a:solidFill>
+              <a:schemeClr val="tx1"/>
+            </a:solidFill>
+          </a:ln>
+        </p:spPr>
+        <p:style>
+          <a:lnRef idx="2">
+            <a:schemeClr val="accent1">
+              <a:shade val="50000"/>
+            </a:schemeClr>
+          </a:lnRef>
+          <a:fillRef idx="1">
+            <a:schemeClr val="accent1"/>
+          </a:fillRef>
+          <a:effectRef idx="0">
+            <a:schemeClr val="accent1"/>
+          </a:effectRef>
+          <a:fontRef idx="minor">
+            <a:schemeClr val="lt1"/>
+          </a:fontRef>
+        </p:style>
+        <p:txBody>
+          <a:bodyPr rtlCol="0" anchor="ctr"/>
+          <a:lstStyle/>
+          <a:p>
+            <a:pPr algn="ctr"/>
+            <a:endParaRPr lang="en-US"/>
+          </a:p>
+        </p:txBody>
+      </p:sp>
+      <p:cxnSp>
+        <p:nvCxnSpPr>
+          <p:cNvPr id="36" name="Straight Arrow Connector 35">
+            <a:extLst>
+              <a:ext uri="{FF2B5EF4-FFF2-40B4-BE49-F238E27FC236}">
+                <a16:creationId xmlns:a16="http://schemas.microsoft.com/office/drawing/2014/main" id="{7C936170-AB26-4D66-9287-EA6DF18DD557}"/>
+              </a:ext>
+            </a:extLst>
+          </p:cNvPr>
+          <p:cNvCxnSpPr>
+            <a:cxnSpLocks/>
+          </p:cNvCxnSpPr>
+          <p:nvPr/>
+        </p:nvCxnSpPr>
+        <p:spPr>
+          <a:xfrm flipV="1">
+            <a:off x="5497637" y="1997407"/>
+            <a:ext cx="0" cy="706873"/>
+          </a:xfrm>
+          <a:prstGeom prst="straightConnector1">
+            <a:avLst/>
+          </a:prstGeom>
+          <a:ln>
+            <a:solidFill>
+              <a:srgbClr val="C00000"/>
+            </a:solidFill>
+            <a:tailEnd type="triangle"/>
+          </a:ln>
+        </p:spPr>
+        <p:style>
+          <a:lnRef idx="1">
+            <a:schemeClr val="accent1"/>
+          </a:lnRef>
+          <a:fillRef idx="0">
+            <a:schemeClr val="accent1"/>
+          </a:fillRef>
+          <a:effectRef idx="0">
+            <a:schemeClr val="accent1"/>
+          </a:effectRef>
+          <a:fontRef idx="minor">
+            <a:schemeClr val="tx1"/>
+          </a:fontRef>
+        </p:style>
+      </p:cxnSp>
+      <p:graphicFrame>
+        <p:nvGraphicFramePr>
+          <p:cNvPr id="37" name="Table 36">
+            <a:extLst>
+              <a:ext uri="{FF2B5EF4-FFF2-40B4-BE49-F238E27FC236}">
+                <a16:creationId xmlns:a16="http://schemas.microsoft.com/office/drawing/2014/main" id="{D1DB4F3A-4F69-43D8-9FDE-D2F50846CD59}"/>
+              </a:ext>
+            </a:extLst>
+          </p:cNvPr>
+          <p:cNvGraphicFramePr>
+            <a:graphicFrameLocks noGrp="1"/>
+          </p:cNvGraphicFramePr>
+          <p:nvPr>
+            <p:extLst>
+              <p:ext uri="{D42A27DB-BD31-4B8C-83A1-F6EECF244321}">
+                <p14:modId xmlns:p14="http://schemas.microsoft.com/office/powerpoint/2010/main" val="3661332869"/>
+              </p:ext>
+            </p:extLst>
+          </p:nvPr>
+        </p:nvGraphicFramePr>
+        <p:xfrm>
+          <a:off x="489808" y="1482727"/>
+          <a:ext cx="2071178" cy="410363"/>
+        </p:xfrm>
+        <a:graphic>
+          <a:graphicData uri="http://schemas.openxmlformats.org/drawingml/2006/table">
+            <a:tbl>
+              <a:tblPr>
+                <a:tableStyleId>{638B1855-1B75-4FBE-930C-398BA8C253C6}</a:tableStyleId>
+              </a:tblPr>
+              <a:tblGrid>
+                <a:gridCol w="2071178">
+                  <a:extLst>
+                    <a:ext uri="{9D8B030D-6E8A-4147-A177-3AD203B41FA5}">
+                      <a16:colId xmlns:a16="http://schemas.microsoft.com/office/drawing/2014/main" val="4240773277"/>
+                    </a:ext>
+                  </a:extLst>
+                </a:gridCol>
+              </a:tblGrid>
+              <a:tr h="410363">
+                <a:tc>
+                  <a:txBody>
+                    <a:bodyPr/>
+                    <a:lstStyle/>
+                    <a:p>
+                      <a:r>
+                        <a:rPr lang="en-SG" u="sng" dirty="0"/>
+                        <a:t>et0:</a:t>
+                      </a:r>
+                      <a:r>
+                        <a:rPr lang="en-SG" sz="1800" u="sng" dirty="0"/>
+                        <a:t>ExpenseTracker</a:t>
+                      </a:r>
+                      <a:endParaRPr lang="en-SG" sz="1600" u="sng" dirty="0"/>
+                    </a:p>
+                  </a:txBody>
+                  <a:tcPr/>
+                </a:tc>
+                <a:extLst>
+                  <a:ext uri="{0D108BD9-81ED-4DB2-BD59-A6C34878D82A}">
+                    <a16:rowId xmlns:a16="http://schemas.microsoft.com/office/drawing/2014/main" val="2194462629"/>
+                  </a:ext>
+                </a:extLst>
+              </a:tr>
+            </a:tbl>
+          </a:graphicData>
+        </a:graphic>
+      </p:graphicFrame>
+      <p:graphicFrame>
+        <p:nvGraphicFramePr>
+          <p:cNvPr id="39" name="Table 38">
+            <a:extLst>
+              <a:ext uri="{FF2B5EF4-FFF2-40B4-BE49-F238E27FC236}">
+                <a16:creationId xmlns:a16="http://schemas.microsoft.com/office/drawing/2014/main" id="{7BAB9A28-9663-4AC4-8755-85468663DF46}"/>
+              </a:ext>
+            </a:extLst>
+          </p:cNvPr>
+          <p:cNvGraphicFramePr>
+            <a:graphicFrameLocks noGrp="1"/>
+          </p:cNvGraphicFramePr>
+          <p:nvPr>
+            <p:extLst>
+              <p:ext uri="{D42A27DB-BD31-4B8C-83A1-F6EECF244321}">
+                <p14:modId xmlns:p14="http://schemas.microsoft.com/office/powerpoint/2010/main" val="828389728"/>
+              </p:ext>
+            </p:extLst>
+          </p:nvPr>
+        </p:nvGraphicFramePr>
+        <p:xfrm>
+          <a:off x="2689666" y="1486042"/>
+          <a:ext cx="2071178" cy="410363"/>
+        </p:xfrm>
+        <a:graphic>
+          <a:graphicData uri="http://schemas.openxmlformats.org/drawingml/2006/table">
+            <a:tbl>
+              <a:tblPr>
+                <a:tableStyleId>{638B1855-1B75-4FBE-930C-398BA8C253C6}</a:tableStyleId>
+              </a:tblPr>
+              <a:tblGrid>
+                <a:gridCol w="2071178">
+                  <a:extLst>
+                    <a:ext uri="{9D8B030D-6E8A-4147-A177-3AD203B41FA5}">
+                      <a16:colId xmlns:a16="http://schemas.microsoft.com/office/drawing/2014/main" val="4240773277"/>
+                    </a:ext>
+                  </a:extLst>
+                </a:gridCol>
+              </a:tblGrid>
+              <a:tr h="410363">
+                <a:tc>
+                  <a:txBody>
+                    <a:bodyPr/>
+                    <a:lstStyle/>
+                    <a:p>
+                      <a:r>
+                        <a:rPr lang="en-SG" u="sng" dirty="0"/>
+                        <a:t>et1:</a:t>
+                      </a:r>
+                      <a:r>
+                        <a:rPr lang="en-SG" sz="1800" u="sng" dirty="0"/>
+                        <a:t>ExpenseTracker</a:t>
+                      </a:r>
+                      <a:endParaRPr lang="en-SG" sz="1600" u="sng" dirty="0"/>
+                    </a:p>
+                  </a:txBody>
+                  <a:tcPr/>
+                </a:tc>
+                <a:extLst>
+                  <a:ext uri="{0D108BD9-81ED-4DB2-BD59-A6C34878D82A}">
+                    <a16:rowId xmlns:a16="http://schemas.microsoft.com/office/drawing/2014/main" val="2194462629"/>
+                  </a:ext>
+                </a:extLst>
+              </a:tr>
+            </a:tbl>
+          </a:graphicData>
+        </a:graphic>
+      </p:graphicFrame>
+      <p:graphicFrame>
+        <p:nvGraphicFramePr>
+          <p:cNvPr id="40" name="Table 39">
+            <a:extLst>
+              <a:ext uri="{FF2B5EF4-FFF2-40B4-BE49-F238E27FC236}">
+                <a16:creationId xmlns:a16="http://schemas.microsoft.com/office/drawing/2014/main" id="{8D2551AA-8B78-4B4F-B6B6-7AC7396C9239}"/>
+              </a:ext>
+            </a:extLst>
+          </p:cNvPr>
+          <p:cNvGraphicFramePr>
+            <a:graphicFrameLocks noGrp="1"/>
+          </p:cNvGraphicFramePr>
+          <p:nvPr>
+            <p:extLst>
+              <p:ext uri="{D42A27DB-BD31-4B8C-83A1-F6EECF244321}">
+                <p14:modId xmlns:p14="http://schemas.microsoft.com/office/powerpoint/2010/main" val="136343940"/>
+              </p:ext>
+            </p:extLst>
+          </p:nvPr>
+        </p:nvGraphicFramePr>
+        <p:xfrm>
+          <a:off x="4909407" y="1489357"/>
+          <a:ext cx="2071178" cy="410363"/>
+        </p:xfrm>
+        <a:graphic>
+          <a:graphicData uri="http://schemas.openxmlformats.org/drawingml/2006/table">
+            <a:tbl>
+              <a:tblPr>
+                <a:tableStyleId>{638B1855-1B75-4FBE-930C-398BA8C253C6}</a:tableStyleId>
+              </a:tblPr>
+              <a:tblGrid>
+                <a:gridCol w="2071178">
+                  <a:extLst>
+                    <a:ext uri="{9D8B030D-6E8A-4147-A177-3AD203B41FA5}">
+                      <a16:colId xmlns:a16="http://schemas.microsoft.com/office/drawing/2014/main" val="4240773277"/>
+                    </a:ext>
+                  </a:extLst>
+                </a:gridCol>
+              </a:tblGrid>
+              <a:tr h="410363">
+                <a:tc>
+                  <a:txBody>
+                    <a:bodyPr/>
+                    <a:lstStyle/>
+                    <a:p>
+                      <a:r>
+                        <a:rPr lang="en-SG" u="sng" dirty="0"/>
+                        <a:t>et2:</a:t>
+                      </a:r>
+                      <a:r>
+                        <a:rPr lang="en-SG" sz="1800" u="sng" dirty="0"/>
+                        <a:t>ExpenseTracker</a:t>
+                      </a:r>
+                      <a:endParaRPr lang="en-SG" sz="1600" u="sng" dirty="0"/>
+                    </a:p>
+                  </a:txBody>
+                  <a:tcPr/>
+                </a:tc>
+                <a:extLst>
+                  <a:ext uri="{0D108BD9-81ED-4DB2-BD59-A6C34878D82A}">
+                    <a16:rowId xmlns:a16="http://schemas.microsoft.com/office/drawing/2014/main" val="2194462629"/>
+                  </a:ext>
+                </a:extLst>
+              </a:tr>
+            </a:tbl>
+          </a:graphicData>
+        </a:graphic>
+      </p:graphicFrame>
+      <p:graphicFrame>
+        <p:nvGraphicFramePr>
+          <p:cNvPr id="41" name="Table 40">
+            <a:extLst>
+              <a:ext uri="{FF2B5EF4-FFF2-40B4-BE49-F238E27FC236}">
+                <a16:creationId xmlns:a16="http://schemas.microsoft.com/office/drawing/2014/main" id="{A01B5967-950D-4B1A-93D9-9653BE4A7444}"/>
+              </a:ext>
+            </a:extLst>
+          </p:cNvPr>
+          <p:cNvGraphicFramePr>
+            <a:graphicFrameLocks noGrp="1"/>
+          </p:cNvGraphicFramePr>
+          <p:nvPr>
+            <p:extLst>
+              <p:ext uri="{D42A27DB-BD31-4B8C-83A1-F6EECF244321}">
+                <p14:modId xmlns:p14="http://schemas.microsoft.com/office/powerpoint/2010/main" val="230557881"/>
+              </p:ext>
+            </p:extLst>
+          </p:nvPr>
+        </p:nvGraphicFramePr>
+        <p:xfrm>
+          <a:off x="522940" y="3921122"/>
+          <a:ext cx="2071178" cy="410363"/>
+        </p:xfrm>
+        <a:graphic>
+          <a:graphicData uri="http://schemas.openxmlformats.org/drawingml/2006/table">
+            <a:tbl>
+              <a:tblPr>
+                <a:tableStyleId>{638B1855-1B75-4FBE-930C-398BA8C253C6}</a:tableStyleId>
+              </a:tblPr>
+              <a:tblGrid>
+                <a:gridCol w="2071178">
+                  <a:extLst>
+                    <a:ext uri="{9D8B030D-6E8A-4147-A177-3AD203B41FA5}">
+                      <a16:colId xmlns:a16="http://schemas.microsoft.com/office/drawing/2014/main" val="4240773277"/>
+                    </a:ext>
+                  </a:extLst>
+                </a:gridCol>
+              </a:tblGrid>
+              <a:tr h="410363">
+                <a:tc>
+                  <a:txBody>
+                    <a:bodyPr/>
+                    <a:lstStyle/>
+                    <a:p>
+                      <a:r>
+                        <a:rPr lang="en-SG" u="sng" dirty="0"/>
+                        <a:t>et0:</a:t>
+                      </a:r>
+                      <a:r>
+                        <a:rPr lang="en-SG" sz="1800" u="sng" dirty="0"/>
+                        <a:t>ExpenseTracker</a:t>
+                      </a:r>
+                      <a:endParaRPr lang="en-SG" sz="1600" u="sng" dirty="0"/>
+                    </a:p>
+                  </a:txBody>
+                  <a:tcPr/>
+                </a:tc>
+                <a:extLst>
+                  <a:ext uri="{0D108BD9-81ED-4DB2-BD59-A6C34878D82A}">
+                    <a16:rowId xmlns:a16="http://schemas.microsoft.com/office/drawing/2014/main" val="2194462629"/>
+                  </a:ext>
+                </a:extLst>
+              </a:tr>
+            </a:tbl>
+          </a:graphicData>
+        </a:graphic>
+      </p:graphicFrame>
+      <p:graphicFrame>
+        <p:nvGraphicFramePr>
+          <p:cNvPr id="42" name="Table 41">
+            <a:extLst>
+              <a:ext uri="{FF2B5EF4-FFF2-40B4-BE49-F238E27FC236}">
+                <a16:creationId xmlns:a16="http://schemas.microsoft.com/office/drawing/2014/main" id="{9A22F4B1-F0D3-4F93-9DC0-32B5729A4F3E}"/>
+              </a:ext>
+            </a:extLst>
+          </p:cNvPr>
+          <p:cNvGraphicFramePr>
+            <a:graphicFrameLocks noGrp="1"/>
+          </p:cNvGraphicFramePr>
+          <p:nvPr>
+            <p:extLst>
+              <p:ext uri="{D42A27DB-BD31-4B8C-83A1-F6EECF244321}">
+                <p14:modId xmlns:p14="http://schemas.microsoft.com/office/powerpoint/2010/main" val="1204422016"/>
+              </p:ext>
+            </p:extLst>
+          </p:nvPr>
+        </p:nvGraphicFramePr>
+        <p:xfrm>
+          <a:off x="2722798" y="3924437"/>
+          <a:ext cx="2071178" cy="410363"/>
+        </p:xfrm>
+        <a:graphic>
+          <a:graphicData uri="http://schemas.openxmlformats.org/drawingml/2006/table">
+            <a:tbl>
+              <a:tblPr>
+                <a:tableStyleId>{638B1855-1B75-4FBE-930C-398BA8C253C6}</a:tableStyleId>
+              </a:tblPr>
+              <a:tblGrid>
+                <a:gridCol w="2071178">
+                  <a:extLst>
+                    <a:ext uri="{9D8B030D-6E8A-4147-A177-3AD203B41FA5}">
+                      <a16:colId xmlns:a16="http://schemas.microsoft.com/office/drawing/2014/main" val="4240773277"/>
+                    </a:ext>
+                  </a:extLst>
+                </a:gridCol>
+              </a:tblGrid>
+              <a:tr h="410363">
+                <a:tc>
+                  <a:txBody>
+                    <a:bodyPr/>
+                    <a:lstStyle/>
+                    <a:p>
+                      <a:r>
+                        <a:rPr lang="en-SG" u="sng" dirty="0"/>
+                        <a:t>et1:</a:t>
+                      </a:r>
+                      <a:r>
+                        <a:rPr lang="en-SG" sz="1800" u="sng" dirty="0"/>
+                        <a:t>ExpenseTracker</a:t>
+                      </a:r>
+                      <a:endParaRPr lang="en-SG" sz="1600" u="sng" dirty="0"/>
+                    </a:p>
+                  </a:txBody>
+                  <a:tcPr/>
+                </a:tc>
+                <a:extLst>
+                  <a:ext uri="{0D108BD9-81ED-4DB2-BD59-A6C34878D82A}">
+                    <a16:rowId xmlns:a16="http://schemas.microsoft.com/office/drawing/2014/main" val="2194462629"/>
+                  </a:ext>
+                </a:extLst>
+              </a:tr>
+            </a:tbl>
+          </a:graphicData>
+        </a:graphic>
+      </p:graphicFrame>
+      <p:graphicFrame>
+        <p:nvGraphicFramePr>
+          <p:cNvPr id="43" name="Table 42">
+            <a:extLst>
+              <a:ext uri="{FF2B5EF4-FFF2-40B4-BE49-F238E27FC236}">
+                <a16:creationId xmlns:a16="http://schemas.microsoft.com/office/drawing/2014/main" id="{49F0B04F-C030-4AB6-BFF8-CE638AA96611}"/>
+              </a:ext>
+            </a:extLst>
+          </p:cNvPr>
+          <p:cNvGraphicFramePr>
+            <a:graphicFrameLocks noGrp="1"/>
+          </p:cNvGraphicFramePr>
+          <p:nvPr>
+            <p:extLst>
+              <p:ext uri="{D42A27DB-BD31-4B8C-83A1-F6EECF244321}">
+                <p14:modId xmlns:p14="http://schemas.microsoft.com/office/powerpoint/2010/main" val="3535625253"/>
+              </p:ext>
+            </p:extLst>
+          </p:nvPr>
+        </p:nvGraphicFramePr>
+        <p:xfrm>
+          <a:off x="4942539" y="3927752"/>
+          <a:ext cx="2071178" cy="410363"/>
+        </p:xfrm>
+        <a:graphic>
+          <a:graphicData uri="http://schemas.openxmlformats.org/drawingml/2006/table">
+            <a:tbl>
+              <a:tblPr>
+                <a:tableStyleId>{638B1855-1B75-4FBE-930C-398BA8C253C6}</a:tableStyleId>
+              </a:tblPr>
+              <a:tblGrid>
+                <a:gridCol w="2071178">
+                  <a:extLst>
+                    <a:ext uri="{9D8B030D-6E8A-4147-A177-3AD203B41FA5}">
+                      <a16:colId xmlns:a16="http://schemas.microsoft.com/office/drawing/2014/main" val="4240773277"/>
+                    </a:ext>
+                  </a:extLst>
+                </a:gridCol>
+              </a:tblGrid>
+              <a:tr h="410363">
+                <a:tc>
+                  <a:txBody>
+                    <a:bodyPr/>
+                    <a:lstStyle/>
+                    <a:p>
+                      <a:r>
+                        <a:rPr lang="en-SG" u="sng" dirty="0"/>
+                        <a:t>et2:</a:t>
+                      </a:r>
+                      <a:r>
+                        <a:rPr lang="en-SG" sz="1800" u="sng" dirty="0"/>
+                        <a:t>ExpenseTracker</a:t>
+                      </a:r>
+                      <a:endParaRPr lang="en-SG" sz="1600" u="sng" dirty="0"/>
+                    </a:p>
+                  </a:txBody>
+                  <a:tcPr/>
+                </a:tc>
+                <a:extLst>
+                  <a:ext uri="{0D108BD9-81ED-4DB2-BD59-A6C34878D82A}">
+                    <a16:rowId xmlns:a16="http://schemas.microsoft.com/office/drawing/2014/main" val="2194462629"/>
+                  </a:ext>
+                </a:extLst>
+              </a:tr>
+            </a:tbl>
+          </a:graphicData>
+        </a:graphic>
+      </p:graphicFrame>
     </p:spTree>
     <p:extLst>
       <p:ext uri="{BB962C8B-B14F-4D97-AF65-F5344CB8AC3E}">

--- a/docs/diagrams/UndoRedoExecuteUndoStateListDiagram.pptx
+++ b/docs/diagrams/UndoRedoExecuteUndoStateListDiagram.pptx
@@ -112,10 +112,6 @@
 </p:presentation>
 </file>
 
-<file path=ppt/revisionInfo.xml><?xml version="1.0" encoding="utf-8"?>
-<p1510:revInfo xmlns:a="http://schemas.openxmlformats.org/drawingml/2006/main" xmlns:r="http://schemas.openxmlformats.org/officeDocument/2006/relationships" xmlns:p1510="http://schemas.microsoft.com/office/powerpoint/2015/10/main"/>
-</file>
-
 <file path=ppt/slideLayouts/slideLayout1.xml><?xml version="1.0" encoding="utf-8"?>
 <p:sldLayout xmlns:a="http://schemas.openxmlformats.org/drawingml/2006/main" xmlns:r="http://schemas.openxmlformats.org/officeDocument/2006/relationships" xmlns:p="http://schemas.openxmlformats.org/presentationml/2006/main" type="title" preserve="1">
   <p:cSld name="Title Slide">
@@ -265,7 +261,7 @@
           <a:p>
             <a:fld id="{03EC4E3E-8101-482F-A883-8B55DAFF7C07}" type="datetimeFigureOut">
               <a:rPr lang="en-SG" smtClean="0"/>
-              <a:t>6/7/2018</a:t>
+              <a:t>12/11/2018</a:t>
             </a:fld>
             <a:endParaRPr lang="en-SG"/>
           </a:p>
@@ -465,7 +461,7 @@
           <a:p>
             <a:fld id="{03EC4E3E-8101-482F-A883-8B55DAFF7C07}" type="datetimeFigureOut">
               <a:rPr lang="en-SG" smtClean="0"/>
-              <a:t>6/7/2018</a:t>
+              <a:t>12/11/2018</a:t>
             </a:fld>
             <a:endParaRPr lang="en-SG"/>
           </a:p>
@@ -675,7 +671,7 @@
           <a:p>
             <a:fld id="{03EC4E3E-8101-482F-A883-8B55DAFF7C07}" type="datetimeFigureOut">
               <a:rPr lang="en-SG" smtClean="0"/>
-              <a:t>6/7/2018</a:t>
+              <a:t>12/11/2018</a:t>
             </a:fld>
             <a:endParaRPr lang="en-SG"/>
           </a:p>
@@ -875,7 +871,7 @@
           <a:p>
             <a:fld id="{03EC4E3E-8101-482F-A883-8B55DAFF7C07}" type="datetimeFigureOut">
               <a:rPr lang="en-SG" smtClean="0"/>
-              <a:t>6/7/2018</a:t>
+              <a:t>12/11/2018</a:t>
             </a:fld>
             <a:endParaRPr lang="en-SG"/>
           </a:p>
@@ -1151,7 +1147,7 @@
           <a:p>
             <a:fld id="{03EC4E3E-8101-482F-A883-8B55DAFF7C07}" type="datetimeFigureOut">
               <a:rPr lang="en-SG" smtClean="0"/>
-              <a:t>6/7/2018</a:t>
+              <a:t>12/11/2018</a:t>
             </a:fld>
             <a:endParaRPr lang="en-SG"/>
           </a:p>
@@ -1419,7 +1415,7 @@
           <a:p>
             <a:fld id="{03EC4E3E-8101-482F-A883-8B55DAFF7C07}" type="datetimeFigureOut">
               <a:rPr lang="en-SG" smtClean="0"/>
-              <a:t>6/7/2018</a:t>
+              <a:t>12/11/2018</a:t>
             </a:fld>
             <a:endParaRPr lang="en-SG"/>
           </a:p>
@@ -1834,7 +1830,7 @@
           <a:p>
             <a:fld id="{03EC4E3E-8101-482F-A883-8B55DAFF7C07}" type="datetimeFigureOut">
               <a:rPr lang="en-SG" smtClean="0"/>
-              <a:t>6/7/2018</a:t>
+              <a:t>12/11/2018</a:t>
             </a:fld>
             <a:endParaRPr lang="en-SG"/>
           </a:p>
@@ -1976,7 +1972,7 @@
           <a:p>
             <a:fld id="{03EC4E3E-8101-482F-A883-8B55DAFF7C07}" type="datetimeFigureOut">
               <a:rPr lang="en-SG" smtClean="0"/>
-              <a:t>6/7/2018</a:t>
+              <a:t>12/11/2018</a:t>
             </a:fld>
             <a:endParaRPr lang="en-SG"/>
           </a:p>
@@ -2089,7 +2085,7 @@
           <a:p>
             <a:fld id="{03EC4E3E-8101-482F-A883-8B55DAFF7C07}" type="datetimeFigureOut">
               <a:rPr lang="en-SG" smtClean="0"/>
-              <a:t>6/7/2018</a:t>
+              <a:t>12/11/2018</a:t>
             </a:fld>
             <a:endParaRPr lang="en-SG"/>
           </a:p>
@@ -2402,7 +2398,7 @@
           <a:p>
             <a:fld id="{03EC4E3E-8101-482F-A883-8B55DAFF7C07}" type="datetimeFigureOut">
               <a:rPr lang="en-SG" smtClean="0"/>
-              <a:t>6/7/2018</a:t>
+              <a:t>12/11/2018</a:t>
             </a:fld>
             <a:endParaRPr lang="en-SG"/>
           </a:p>
@@ -2691,7 +2687,7 @@
           <a:p>
             <a:fld id="{03EC4E3E-8101-482F-A883-8B55DAFF7C07}" type="datetimeFigureOut">
               <a:rPr lang="en-SG" smtClean="0"/>
-              <a:t>6/7/2018</a:t>
+              <a:t>12/11/2018</a:t>
             </a:fld>
             <a:endParaRPr lang="en-SG"/>
           </a:p>
@@ -2934,7 +2930,7 @@
           <a:p>
             <a:fld id="{03EC4E3E-8101-482F-A883-8B55DAFF7C07}" type="datetimeFigureOut">
               <a:rPr lang="en-SG" smtClean="0"/>
-              <a:t>6/7/2018</a:t>
+              <a:t>12/11/2018</a:t>
             </a:fld>
             <a:endParaRPr lang="en-SG"/>
           </a:p>
@@ -3407,7 +3403,7 @@
             <a:pPr algn="ctr"/>
             <a:r>
               <a:rPr lang="en-SG" dirty="0"/>
-              <a:t>The state of the address book (before ‘add n/David …’ was executed) will be restored to state ab1.</a:t>
+              <a:t>The state of the thane park(before ‘add n/David …’ was executed) will be restored to state tp1.</a:t>
             </a:r>
           </a:p>
         </p:txBody>
@@ -3547,11 +3543,11 @@
                     <a:p>
                       <a:r>
                         <a:rPr lang="en-SG" u="sng" dirty="0"/>
-                        <a:t>ab0:</a:t>
+                        <a:t>tp0:</a:t>
                       </a:r>
                       <a:r>
                         <a:rPr lang="en-SG" sz="1800" u="sng" dirty="0"/>
-                        <a:t>AddressBook</a:t>
+                        <a:t>ThanePark</a:t>
                       </a:r>
                       <a:endParaRPr lang="en-SG" u="sng" dirty="0"/>
                     </a:p>
@@ -3751,11 +3747,11 @@
                     <a:p>
                       <a:r>
                         <a:rPr lang="en-SG" u="sng" dirty="0"/>
-                        <a:t>ab1:</a:t>
+                        <a:t>tp1:</a:t>
                       </a:r>
                       <a:r>
                         <a:rPr lang="en-SG" sz="1800" u="sng" dirty="0"/>
-                        <a:t>AddressBook</a:t>
+                        <a:t>ThanePark</a:t>
                       </a:r>
                       <a:endParaRPr lang="en-SG" u="sng" dirty="0"/>
                     </a:p>
@@ -3819,11 +3815,11 @@
                     <a:p>
                       <a:r>
                         <a:rPr lang="en-SG" u="sng" dirty="0"/>
-                        <a:t>ab2:</a:t>
+                        <a:t>tp2:</a:t>
                       </a:r>
                       <a:r>
                         <a:rPr lang="en-SG" sz="1800" u="sng" dirty="0"/>
-                        <a:t>AddressBook</a:t>
+                        <a:t>ThanePark</a:t>
                       </a:r>
                       <a:endParaRPr lang="en-SG" u="sng" dirty="0"/>
                     </a:p>
@@ -3887,11 +3883,11 @@
                     <a:p>
                       <a:r>
                         <a:rPr lang="en-SG" u="sng" dirty="0"/>
-                        <a:t>ab0:</a:t>
+                        <a:t>tp0:</a:t>
                       </a:r>
                       <a:r>
                         <a:rPr lang="en-SG" sz="1800" u="sng" dirty="0"/>
-                        <a:t>AddressBook</a:t>
+                        <a:t>ThanePark</a:t>
                       </a:r>
                       <a:endParaRPr lang="en-SG" u="sng" dirty="0"/>
                     </a:p>
@@ -3955,11 +3951,11 @@
                     <a:p>
                       <a:r>
                         <a:rPr lang="en-SG" u="sng" dirty="0"/>
-                        <a:t>ab1:</a:t>
+                        <a:t>tp1:</a:t>
                       </a:r>
                       <a:r>
                         <a:rPr lang="en-SG" sz="1800" u="sng" dirty="0"/>
-                        <a:t>AddressBook</a:t>
+                        <a:t>ThanePark</a:t>
                       </a:r>
                       <a:endParaRPr lang="en-SG" u="sng" dirty="0"/>
                     </a:p>
@@ -4023,11 +4019,11 @@
                     <a:p>
                       <a:r>
                         <a:rPr lang="en-SG" u="sng" dirty="0"/>
-                        <a:t>ab2:</a:t>
+                        <a:t>tp2:</a:t>
                       </a:r>
                       <a:r>
                         <a:rPr lang="en-SG" sz="1800" u="sng" dirty="0"/>
-                        <a:t>AddressBook</a:t>
+                        <a:t>ThanePark</a:t>
                       </a:r>
                       <a:endParaRPr lang="en-SG" u="sng" dirty="0"/>
                     </a:p>

--- a/docs/diagrams/UndoRedoExecuteUndoStateListDiagram.pptx
+++ b/docs/diagrams/UndoRedoExecuteUndoStateListDiagram.pptx
@@ -112,10 +112,6 @@
 </p:presentation>
 </file>
 
-<file path=ppt/revisionInfo.xml><?xml version="1.0" encoding="utf-8"?>
-<p1510:revInfo xmlns:a="http://schemas.openxmlformats.org/drawingml/2006/main" xmlns:r="http://schemas.openxmlformats.org/officeDocument/2006/relationships" xmlns:p1510="http://schemas.microsoft.com/office/powerpoint/2015/10/main"/>
-</file>
-
 <file path=ppt/slideLayouts/slideLayout1.xml><?xml version="1.0" encoding="utf-8"?>
 <p:sldLayout xmlns:a="http://schemas.openxmlformats.org/drawingml/2006/main" xmlns:r="http://schemas.openxmlformats.org/officeDocument/2006/relationships" xmlns:p="http://schemas.openxmlformats.org/presentationml/2006/main" type="title" preserve="1">
   <p:cSld name="Title Slide">
@@ -265,7 +261,7 @@
           <a:p>
             <a:fld id="{03EC4E3E-8101-482F-A883-8B55DAFF7C07}" type="datetimeFigureOut">
               <a:rPr lang="en-SG" smtClean="0"/>
-              <a:t>6/7/2018</a:t>
+              <a:t>12/11/2018</a:t>
             </a:fld>
             <a:endParaRPr lang="en-SG"/>
           </a:p>
@@ -465,7 +461,7 @@
           <a:p>
             <a:fld id="{03EC4E3E-8101-482F-A883-8B55DAFF7C07}" type="datetimeFigureOut">
               <a:rPr lang="en-SG" smtClean="0"/>
-              <a:t>6/7/2018</a:t>
+              <a:t>12/11/2018</a:t>
             </a:fld>
             <a:endParaRPr lang="en-SG"/>
           </a:p>
@@ -675,7 +671,7 @@
           <a:p>
             <a:fld id="{03EC4E3E-8101-482F-A883-8B55DAFF7C07}" type="datetimeFigureOut">
               <a:rPr lang="en-SG" smtClean="0"/>
-              <a:t>6/7/2018</a:t>
+              <a:t>12/11/2018</a:t>
             </a:fld>
             <a:endParaRPr lang="en-SG"/>
           </a:p>
@@ -875,7 +871,7 @@
           <a:p>
             <a:fld id="{03EC4E3E-8101-482F-A883-8B55DAFF7C07}" type="datetimeFigureOut">
               <a:rPr lang="en-SG" smtClean="0"/>
-              <a:t>6/7/2018</a:t>
+              <a:t>12/11/2018</a:t>
             </a:fld>
             <a:endParaRPr lang="en-SG"/>
           </a:p>
@@ -1151,7 +1147,7 @@
           <a:p>
             <a:fld id="{03EC4E3E-8101-482F-A883-8B55DAFF7C07}" type="datetimeFigureOut">
               <a:rPr lang="en-SG" smtClean="0"/>
-              <a:t>6/7/2018</a:t>
+              <a:t>12/11/2018</a:t>
             </a:fld>
             <a:endParaRPr lang="en-SG"/>
           </a:p>
@@ -1419,7 +1415,7 @@
           <a:p>
             <a:fld id="{03EC4E3E-8101-482F-A883-8B55DAFF7C07}" type="datetimeFigureOut">
               <a:rPr lang="en-SG" smtClean="0"/>
-              <a:t>6/7/2018</a:t>
+              <a:t>12/11/2018</a:t>
             </a:fld>
             <a:endParaRPr lang="en-SG"/>
           </a:p>
@@ -1834,7 +1830,7 @@
           <a:p>
             <a:fld id="{03EC4E3E-8101-482F-A883-8B55DAFF7C07}" type="datetimeFigureOut">
               <a:rPr lang="en-SG" smtClean="0"/>
-              <a:t>6/7/2018</a:t>
+              <a:t>12/11/2018</a:t>
             </a:fld>
             <a:endParaRPr lang="en-SG"/>
           </a:p>
@@ -1976,7 +1972,7 @@
           <a:p>
             <a:fld id="{03EC4E3E-8101-482F-A883-8B55DAFF7C07}" type="datetimeFigureOut">
               <a:rPr lang="en-SG" smtClean="0"/>
-              <a:t>6/7/2018</a:t>
+              <a:t>12/11/2018</a:t>
             </a:fld>
             <a:endParaRPr lang="en-SG"/>
           </a:p>
@@ -2089,7 +2085,7 @@
           <a:p>
             <a:fld id="{03EC4E3E-8101-482F-A883-8B55DAFF7C07}" type="datetimeFigureOut">
               <a:rPr lang="en-SG" smtClean="0"/>
-              <a:t>6/7/2018</a:t>
+              <a:t>12/11/2018</a:t>
             </a:fld>
             <a:endParaRPr lang="en-SG"/>
           </a:p>
@@ -2402,7 +2398,7 @@
           <a:p>
             <a:fld id="{03EC4E3E-8101-482F-A883-8B55DAFF7C07}" type="datetimeFigureOut">
               <a:rPr lang="en-SG" smtClean="0"/>
-              <a:t>6/7/2018</a:t>
+              <a:t>12/11/2018</a:t>
             </a:fld>
             <a:endParaRPr lang="en-SG"/>
           </a:p>
@@ -2691,7 +2687,7 @@
           <a:p>
             <a:fld id="{03EC4E3E-8101-482F-A883-8B55DAFF7C07}" type="datetimeFigureOut">
               <a:rPr lang="en-SG" smtClean="0"/>
-              <a:t>6/7/2018</a:t>
+              <a:t>12/11/2018</a:t>
             </a:fld>
             <a:endParaRPr lang="en-SG"/>
           </a:p>
@@ -2934,7 +2930,7 @@
           <a:p>
             <a:fld id="{03EC4E3E-8101-482F-A883-8B55DAFF7C07}" type="datetimeFigureOut">
               <a:rPr lang="en-SG" smtClean="0"/>
-              <a:t>6/7/2018</a:t>
+              <a:t>12/11/2018</a:t>
             </a:fld>
             <a:endParaRPr lang="en-SG"/>
           </a:p>
@@ -3407,7 +3403,7 @@
             <a:pPr algn="ctr"/>
             <a:r>
               <a:rPr lang="en-SG" dirty="0"/>
-              <a:t>The state of the address book (before ‘add n/David …’ was executed) will be restored to state ab1.</a:t>
+              <a:t>The state of the address book (before ‘add n/Holiday …’ was executed) will be restored to state schd1.</a:t>
             </a:r>
           </a:p>
         </p:txBody>
@@ -3515,7 +3511,7 @@
           <p:nvPr>
             <p:extLst>
               <p:ext uri="{D42A27DB-BD31-4B8C-83A1-F6EECF244321}">
-                <p14:modId xmlns:p14="http://schemas.microsoft.com/office/powerpoint/2010/main" val="1674993041"/>
+                <p14:modId xmlns:p14="http://schemas.microsoft.com/office/powerpoint/2010/main" val="3647001155"/>
               </p:ext>
             </p:extLst>
           </p:nvPr>
@@ -3547,11 +3543,11 @@
                     <a:p>
                       <a:r>
                         <a:rPr lang="en-SG" u="sng" dirty="0"/>
-                        <a:t>ab0:</a:t>
+                        <a:t>schd0:</a:t>
                       </a:r>
                       <a:r>
                         <a:rPr lang="en-SG" sz="1800" u="sng" dirty="0"/>
-                        <a:t>AddressBook</a:t>
+                        <a:t>Scheduler</a:t>
                       </a:r>
                       <a:endParaRPr lang="en-SG" u="sng" dirty="0"/>
                     </a:p>
@@ -3719,7 +3715,7 @@
           <p:nvPr>
             <p:extLst>
               <p:ext uri="{D42A27DB-BD31-4B8C-83A1-F6EECF244321}">
-                <p14:modId xmlns:p14="http://schemas.microsoft.com/office/powerpoint/2010/main" val="3085921390"/>
+                <p14:modId xmlns:p14="http://schemas.microsoft.com/office/powerpoint/2010/main" val="800390840"/>
               </p:ext>
             </p:extLst>
           </p:nvPr>
@@ -3751,11 +3747,11 @@
                     <a:p>
                       <a:r>
                         <a:rPr lang="en-SG" u="sng" dirty="0"/>
-                        <a:t>ab1:</a:t>
+                        <a:t>schd1:</a:t>
                       </a:r>
                       <a:r>
                         <a:rPr lang="en-SG" sz="1800" u="sng" dirty="0"/>
-                        <a:t>AddressBook</a:t>
+                        <a:t>Scheduler</a:t>
                       </a:r>
                       <a:endParaRPr lang="en-SG" u="sng" dirty="0"/>
                     </a:p>
@@ -3787,7 +3783,7 @@
           <p:nvPr>
             <p:extLst>
               <p:ext uri="{D42A27DB-BD31-4B8C-83A1-F6EECF244321}">
-                <p14:modId xmlns:p14="http://schemas.microsoft.com/office/powerpoint/2010/main" val="3504448791"/>
+                <p14:modId xmlns:p14="http://schemas.microsoft.com/office/powerpoint/2010/main" val="3859763809"/>
               </p:ext>
             </p:extLst>
           </p:nvPr>
@@ -3819,11 +3815,11 @@
                     <a:p>
                       <a:r>
                         <a:rPr lang="en-SG" u="sng" dirty="0"/>
-                        <a:t>ab2:</a:t>
+                        <a:t>schd2:</a:t>
                       </a:r>
                       <a:r>
                         <a:rPr lang="en-SG" sz="1800" u="sng" dirty="0"/>
-                        <a:t>AddressBook</a:t>
+                        <a:t>Scheduler</a:t>
                       </a:r>
                       <a:endParaRPr lang="en-SG" u="sng" dirty="0"/>
                     </a:p>
@@ -3855,7 +3851,7 @@
           <p:nvPr>
             <p:extLst>
               <p:ext uri="{D42A27DB-BD31-4B8C-83A1-F6EECF244321}">
-                <p14:modId xmlns:p14="http://schemas.microsoft.com/office/powerpoint/2010/main" val="3880678430"/>
+                <p14:modId xmlns:p14="http://schemas.microsoft.com/office/powerpoint/2010/main" val="2491364939"/>
               </p:ext>
             </p:extLst>
           </p:nvPr>
@@ -3887,11 +3883,11 @@
                     <a:p>
                       <a:r>
                         <a:rPr lang="en-SG" u="sng" dirty="0"/>
-                        <a:t>ab0:</a:t>
+                        <a:t>schd0:</a:t>
                       </a:r>
                       <a:r>
                         <a:rPr lang="en-SG" sz="1800" u="sng" dirty="0"/>
-                        <a:t>AddressBook</a:t>
+                        <a:t>Scheduler</a:t>
                       </a:r>
                       <a:endParaRPr lang="en-SG" u="sng" dirty="0"/>
                     </a:p>
@@ -3923,7 +3919,7 @@
           <p:nvPr>
             <p:extLst>
               <p:ext uri="{D42A27DB-BD31-4B8C-83A1-F6EECF244321}">
-                <p14:modId xmlns:p14="http://schemas.microsoft.com/office/powerpoint/2010/main" val="719723626"/>
+                <p14:modId xmlns:p14="http://schemas.microsoft.com/office/powerpoint/2010/main" val="3138559546"/>
               </p:ext>
             </p:extLst>
           </p:nvPr>
@@ -3955,11 +3951,11 @@
                     <a:p>
                       <a:r>
                         <a:rPr lang="en-SG" u="sng" dirty="0"/>
-                        <a:t>ab1:</a:t>
+                        <a:t>schd1:</a:t>
                       </a:r>
                       <a:r>
                         <a:rPr lang="en-SG" sz="1800" u="sng" dirty="0"/>
-                        <a:t>AddressBook</a:t>
+                        <a:t>Scheduler</a:t>
                       </a:r>
                       <a:endParaRPr lang="en-SG" u="sng" dirty="0"/>
                     </a:p>
@@ -3991,7 +3987,7 @@
           <p:nvPr>
             <p:extLst>
               <p:ext uri="{D42A27DB-BD31-4B8C-83A1-F6EECF244321}">
-                <p14:modId xmlns:p14="http://schemas.microsoft.com/office/powerpoint/2010/main" val="3592690620"/>
+                <p14:modId xmlns:p14="http://schemas.microsoft.com/office/powerpoint/2010/main" val="1407866677"/>
               </p:ext>
             </p:extLst>
           </p:nvPr>
@@ -4023,11 +4019,11 @@
                     <a:p>
                       <a:r>
                         <a:rPr lang="en-SG" u="sng" dirty="0"/>
-                        <a:t>ab2:</a:t>
+                        <a:t>schd2:</a:t>
                       </a:r>
                       <a:r>
                         <a:rPr lang="en-SG" sz="1800" u="sng" dirty="0"/>
-                        <a:t>AddressBook</a:t>
+                        <a:t>Scheduler</a:t>
                       </a:r>
                       <a:endParaRPr lang="en-SG" u="sng" dirty="0"/>
                     </a:p>
